--- a/FormationGitGithub.pptx
+++ b/FormationGitGithub.pptx
@@ -24,6 +24,7 @@
     <p:sldId id="270" r:id="rId19"/>
     <p:sldId id="271" r:id="rId20"/>
     <p:sldId id="272" r:id="rId21"/>
+    <p:sldId id="273" r:id="rId22"/>
   </p:sldIdLst>
   <p:sldSz cx="12192000" cy="6858000"/>
   <p:notesSz cx="7559675" cy="10691812"/>
@@ -4131,7 +4132,7 @@
         <p:spPr>
           <a:xfrm>
             <a:off x="0" y="6400800"/>
-            <a:ext cx="12191400" cy="456480"/>
+            <a:ext cx="12191040" cy="456120"/>
           </a:xfrm>
           <a:prstGeom prst="rect">
             <a:avLst/>
@@ -4167,7 +4168,7 @@
         <p:spPr>
           <a:xfrm>
             <a:off x="0" y="6334200"/>
-            <a:ext cx="12191400" cy="65160"/>
+            <a:ext cx="12191040" cy="64800"/>
           </a:xfrm>
           <a:prstGeom prst="rect">
             <a:avLst/>
@@ -4240,7 +4241,7 @@
         <p:spPr>
           <a:xfrm>
             <a:off x="3240" y="6400800"/>
-            <a:ext cx="12188160" cy="456480"/>
+            <a:ext cx="12187800" cy="456120"/>
           </a:xfrm>
           <a:prstGeom prst="rect">
             <a:avLst/>
@@ -4276,7 +4277,7 @@
         <p:spPr>
           <a:xfrm>
             <a:off x="0" y="6334200"/>
-            <a:ext cx="12188160" cy="63360"/>
+            <a:ext cx="12187800" cy="63000"/>
           </a:xfrm>
           <a:prstGeom prst="rect">
             <a:avLst/>
@@ -4352,8 +4353,8 @@
         </p:nvSpPr>
         <p:spPr>
           <a:xfrm>
-            <a:off x="457200" y="594360"/>
-            <a:ext cx="3199680" cy="2285280"/>
+            <a:off x="609480" y="273600"/>
+            <a:ext cx="10972080" cy="1144440"/>
           </a:xfrm>
           <a:prstGeom prst="rect">
             <a:avLst/>
@@ -4389,7 +4390,7 @@
         <p:spPr>
           <a:xfrm>
             <a:off x="609480" y="1604520"/>
-            <a:ext cx="10972440" cy="3977280"/>
+            <a:ext cx="10972080" cy="3976920"/>
           </a:xfrm>
           <a:prstGeom prst="rect">
             <a:avLst/>
@@ -4412,12 +4413,12 @@
               <a:buChar char=""/>
             </a:pPr>
             <a:r>
-              <a:rPr b="0" lang="fr-FR" sz="3200" spc="-1" strike="noStrike">
+              <a:rPr b="0" lang="fr-FR" sz="1800" spc="-1" strike="noStrike">
                 <a:latin typeface="Arial"/>
               </a:rPr>
               <a:t>Cliquez pour éditer le format du plan de texte</a:t>
             </a:r>
-            <a:endParaRPr b="0" lang="fr-FR" sz="3200" spc="-1" strike="noStrike">
+            <a:endParaRPr b="0" lang="fr-FR" sz="1800" spc="-1" strike="noStrike">
               <a:latin typeface="Arial"/>
             </a:endParaRPr>
           </a:p>
@@ -4434,12 +4435,12 @@
               <a:buChar char=""/>
             </a:pPr>
             <a:r>
-              <a:rPr b="0" lang="fr-FR" sz="2800" spc="-1" strike="noStrike">
+              <a:rPr b="0" lang="fr-FR" sz="1800" spc="-1" strike="noStrike">
                 <a:latin typeface="Arial"/>
               </a:rPr>
               <a:t>Second niveau de plan</a:t>
             </a:r>
-            <a:endParaRPr b="0" lang="fr-FR" sz="2800" spc="-1" strike="noStrike">
+            <a:endParaRPr b="0" lang="fr-FR" sz="1800" spc="-1" strike="noStrike">
               <a:latin typeface="Arial"/>
             </a:endParaRPr>
           </a:p>
@@ -4456,12 +4457,12 @@
               <a:buChar char=""/>
             </a:pPr>
             <a:r>
-              <a:rPr b="0" lang="fr-FR" sz="2400" spc="-1" strike="noStrike">
+              <a:rPr b="0" lang="fr-FR" sz="1800" spc="-1" strike="noStrike">
                 <a:latin typeface="Arial"/>
               </a:rPr>
               <a:t>Troisième niveau de plan</a:t>
             </a:r>
-            <a:endParaRPr b="0" lang="fr-FR" sz="2400" spc="-1" strike="noStrike">
+            <a:endParaRPr b="0" lang="fr-FR" sz="1800" spc="-1" strike="noStrike">
               <a:latin typeface="Arial"/>
             </a:endParaRPr>
           </a:p>
@@ -4478,12 +4479,12 @@
               <a:buChar char=""/>
             </a:pPr>
             <a:r>
-              <a:rPr b="0" lang="fr-FR" sz="2000" spc="-1" strike="noStrike">
+              <a:rPr b="0" lang="fr-FR" sz="1800" spc="-1" strike="noStrike">
                 <a:latin typeface="Arial"/>
               </a:rPr>
               <a:t>Quatrième niveau de plan</a:t>
             </a:r>
-            <a:endParaRPr b="0" lang="fr-FR" sz="2000" spc="-1" strike="noStrike">
+            <a:endParaRPr b="0" lang="fr-FR" sz="1800" spc="-1" strike="noStrike">
               <a:latin typeface="Arial"/>
             </a:endParaRPr>
           </a:p>
@@ -4500,12 +4501,12 @@
               <a:buChar char=""/>
             </a:pPr>
             <a:r>
-              <a:rPr b="0" lang="fr-FR" sz="2000" spc="-1" strike="noStrike">
+              <a:rPr b="0" lang="fr-FR" sz="1800" spc="-1" strike="noStrike">
                 <a:latin typeface="Arial"/>
               </a:rPr>
               <a:t>Cinquième niveau de plan</a:t>
             </a:r>
-            <a:endParaRPr b="0" lang="fr-FR" sz="2000" spc="-1" strike="noStrike">
+            <a:endParaRPr b="0" lang="fr-FR" sz="1800" spc="-1" strike="noStrike">
               <a:latin typeface="Arial"/>
             </a:endParaRPr>
           </a:p>
@@ -4522,12 +4523,12 @@
               <a:buChar char=""/>
             </a:pPr>
             <a:r>
-              <a:rPr b="0" lang="fr-FR" sz="2000" spc="-1" strike="noStrike">
+              <a:rPr b="0" lang="fr-FR" sz="1800" spc="-1" strike="noStrike">
                 <a:latin typeface="Arial"/>
               </a:rPr>
               <a:t>Sixième niveau de plan</a:t>
             </a:r>
-            <a:endParaRPr b="0" lang="fr-FR" sz="2000" spc="-1" strike="noStrike">
+            <a:endParaRPr b="0" lang="fr-FR" sz="1800" spc="-1" strike="noStrike">
               <a:latin typeface="Arial"/>
             </a:endParaRPr>
           </a:p>
@@ -4544,12 +4545,12 @@
               <a:buChar char=""/>
             </a:pPr>
             <a:r>
-              <a:rPr b="0" lang="fr-FR" sz="2000" spc="-1" strike="noStrike">
+              <a:rPr b="0" lang="fr-FR" sz="1800" spc="-1" strike="noStrike">
                 <a:latin typeface="Arial"/>
               </a:rPr>
               <a:t>Septième niveau de plan</a:t>
             </a:r>
-            <a:endParaRPr b="0" lang="fr-FR" sz="2000" spc="-1" strike="noStrike">
+            <a:endParaRPr b="0" lang="fr-FR" sz="1800" spc="-1" strike="noStrike">
               <a:latin typeface="Arial"/>
             </a:endParaRPr>
           </a:p>
@@ -4608,7 +4609,7 @@
         <p:spPr>
           <a:xfrm>
             <a:off x="0" y="6400800"/>
-            <a:ext cx="12191400" cy="456480"/>
+            <a:ext cx="12191040" cy="456120"/>
           </a:xfrm>
           <a:prstGeom prst="rect">
             <a:avLst/>
@@ -4644,7 +4645,7 @@
         <p:spPr>
           <a:xfrm>
             <a:off x="0" y="6334200"/>
-            <a:ext cx="12191400" cy="65160"/>
+            <a:ext cx="12191040" cy="64800"/>
           </a:xfrm>
           <a:prstGeom prst="rect">
             <a:avLst/>
@@ -4977,7 +4978,7 @@
         <p:spPr>
           <a:xfrm>
             <a:off x="0" y="6400800"/>
-            <a:ext cx="12191400" cy="456480"/>
+            <a:ext cx="12191040" cy="456120"/>
           </a:xfrm>
           <a:prstGeom prst="rect">
             <a:avLst/>
@@ -5013,7 +5014,7 @@
         <p:spPr>
           <a:xfrm>
             <a:off x="0" y="6334200"/>
-            <a:ext cx="12191400" cy="65160"/>
+            <a:ext cx="12191040" cy="64800"/>
           </a:xfrm>
           <a:prstGeom prst="rect">
             <a:avLst/>
@@ -5086,7 +5087,7 @@
         <p:spPr>
           <a:xfrm>
             <a:off x="0" y="0"/>
-            <a:ext cx="4050000" cy="6857280"/>
+            <a:ext cx="4049640" cy="6856920"/>
           </a:xfrm>
           <a:prstGeom prst="rect">
             <a:avLst/>
@@ -5122,7 +5123,7 @@
         <p:spPr>
           <a:xfrm>
             <a:off x="4039920" y="0"/>
-            <a:ext cx="63360" cy="6857280"/>
+            <a:ext cx="63000" cy="6856920"/>
           </a:xfrm>
           <a:prstGeom prst="rect">
             <a:avLst/>
@@ -5411,7 +5412,7 @@
         <p:spPr>
           <a:xfrm>
             <a:off x="1523880" y="1122480"/>
-            <a:ext cx="9143280" cy="2305800"/>
+            <a:ext cx="9142920" cy="2305440"/>
           </a:xfrm>
           <a:prstGeom prst="rect">
             <a:avLst/>
@@ -5443,6 +5444,7 @@
                   <a:srgbClr val="262626"/>
                 </a:solidFill>
                 <a:latin typeface="Calibri Light"/>
+                <a:ea typeface="DejaVu Sans"/>
               </a:rPr>
               <a:t>Git et Github</a:t>
             </a:r>
@@ -5461,7 +5463,7 @@
         <p:spPr>
           <a:xfrm>
             <a:off x="1100160" y="4455720"/>
-            <a:ext cx="10057680" cy="1142280"/>
+            <a:ext cx="10057320" cy="1141920"/>
           </a:xfrm>
           <a:prstGeom prst="rect">
             <a:avLst/>
@@ -5497,11 +5499,12 @@
               </a:tabLst>
             </a:pPr>
             <a:r>
-              <a:rPr b="0" lang="de-DE" sz="2400" spc="197" strike="noStrike" cap="all">
+              <a:rPr b="0" lang="de-DE" sz="2400" spc="194" strike="noStrike" cap="all">
                 <a:solidFill>
                   <a:srgbClr val="637052"/>
                 </a:solidFill>
                 <a:latin typeface="Calibri Light"/>
+                <a:ea typeface="DejaVu Sans"/>
               </a:rPr>
               <a:t>Git, un LOGICIEL DE GESTION DE VERSIONS DÉCENTRALISÉ</a:t>
             </a:r>
@@ -5525,11 +5528,12 @@
               </a:tabLst>
             </a:pPr>
             <a:r>
-              <a:rPr b="0" lang="de-DE" sz="2400" spc="197" strike="noStrike" cap="all">
+              <a:rPr b="0" lang="de-DE" sz="2400" spc="194" strike="noStrike" cap="all">
                 <a:solidFill>
                   <a:srgbClr val="637052"/>
                 </a:solidFill>
                 <a:latin typeface="Calibri Light"/>
+                <a:ea typeface="DejaVu Sans"/>
               </a:rPr>
               <a:t>Github, Un service web d‘hébergement et de gestion de developpement git</a:t>
             </a:r>
@@ -5552,7 +5556,7 @@
         <p:spPr>
           <a:xfrm>
             <a:off x="1100160" y="651240"/>
-            <a:ext cx="1713960" cy="932760"/>
+            <a:ext cx="1713600" cy="932400"/>
           </a:xfrm>
           <a:prstGeom prst="rect">
             <a:avLst/>
@@ -5575,7 +5579,7 @@
         <p:spPr>
           <a:xfrm>
             <a:off x="5018040" y="655560"/>
-            <a:ext cx="2221920" cy="928080"/>
+            <a:ext cx="2221560" cy="927720"/>
           </a:xfrm>
           <a:prstGeom prst="rect">
             <a:avLst/>
@@ -5598,7 +5602,7 @@
         <p:spPr>
           <a:xfrm>
             <a:off x="9509760" y="656280"/>
-            <a:ext cx="1648080" cy="931680"/>
+            <a:ext cx="1647720" cy="931320"/>
           </a:xfrm>
           <a:prstGeom prst="rect">
             <a:avLst/>
@@ -5647,7 +5651,7 @@
         <p:spPr>
           <a:xfrm>
             <a:off x="457200" y="594360"/>
-            <a:ext cx="3199680" cy="1091160"/>
+            <a:ext cx="3199320" cy="1090800"/>
           </a:xfrm>
           <a:prstGeom prst="rect">
             <a:avLst/>
@@ -5679,6 +5683,7 @@
                   <a:srgbClr val="ffffff"/>
                 </a:solidFill>
                 <a:latin typeface="Calibri Light"/>
+                <a:ea typeface="DejaVu Sans"/>
               </a:rPr>
               <a:t>Travailler sur une branche</a:t>
             </a:r>
@@ -5696,13 +5701,13 @@
         </p:nvPicPr>
         <p:blipFill>
           <a:blip r:embed="rId1"/>
-          <a:srcRect l="26456" t="0" r="1479" b="0"/>
+          <a:srcRect l="26449" t="0" r="1479" b="0"/>
           <a:stretch/>
         </p:blipFill>
         <p:spPr>
           <a:xfrm>
             <a:off x="5821920" y="1284480"/>
-            <a:ext cx="4433760" cy="1091160"/>
+            <a:ext cx="4433400" cy="1090800"/>
           </a:xfrm>
           <a:prstGeom prst="rect">
             <a:avLst/>
@@ -5721,7 +5726,7 @@
         <p:spPr>
           <a:xfrm>
             <a:off x="457200" y="1870920"/>
-            <a:ext cx="3199680" cy="4433760"/>
+            <a:ext cx="3199320" cy="4433400"/>
           </a:xfrm>
           <a:prstGeom prst="rect">
             <a:avLst/>
@@ -5762,6 +5767,7 @@
                   <a:srgbClr val="ffffff"/>
                 </a:solidFill>
                 <a:latin typeface="Calibri"/>
+                <a:ea typeface="DejaVu Sans"/>
               </a:rPr>
               <a:t>Rendez vous au lien suivant : </a:t>
             </a:r>
@@ -5772,6 +5778,7 @@
                 </a:solidFill>
                 <a:uFillTx/>
                 <a:latin typeface="Calibri"/>
+                <a:ea typeface="DejaVu Sans"/>
                 <a:hlinkClick r:id="rId2"/>
               </a:rPr>
               <a:t>https://github.com/Ammeister/SupportGitGithub</a:t>
@@ -5801,6 +5808,7 @@
                   <a:srgbClr val="ffffff"/>
                 </a:solidFill>
                 <a:latin typeface="Calibri"/>
+                <a:ea typeface="DejaVu Sans"/>
               </a:rPr>
               <a:t>Cliquez sur </a:t>
             </a:r>
@@ -5810,6 +5818,7 @@
                   <a:srgbClr val="ffffff"/>
                 </a:solidFill>
                 <a:latin typeface="Calibri"/>
+                <a:ea typeface="DejaVu Sans"/>
               </a:rPr>
               <a:t>Fork</a:t>
             </a:r>
@@ -5819,6 +5828,7 @@
                   <a:srgbClr val="ffffff"/>
                 </a:solidFill>
                 <a:latin typeface="Calibri"/>
+                <a:ea typeface="DejaVu Sans"/>
               </a:rPr>
               <a:t> pour créer un </a:t>
             </a:r>
@@ -5828,6 +5838,7 @@
                   <a:srgbClr val="ffffff"/>
                 </a:solidFill>
                 <a:latin typeface="Calibri"/>
+                <a:ea typeface="DejaVu Sans"/>
               </a:rPr>
               <a:t>fork</a:t>
             </a:r>
@@ -5837,6 +5848,7 @@
                   <a:srgbClr val="ffffff"/>
                 </a:solidFill>
                 <a:latin typeface="Calibri"/>
+                <a:ea typeface="DejaVu Sans"/>
               </a:rPr>
               <a:t> (une branche). Il apparait désormais dans la liste de vos  repository et vous pouvez travailler dessus comme n‘importe quel autre dépot distant.</a:t>
             </a:r>
@@ -5865,6 +5877,7 @@
                   <a:srgbClr val="ffffff"/>
                 </a:solidFill>
                 <a:latin typeface="Calibri"/>
+                <a:ea typeface="DejaVu Sans"/>
               </a:rPr>
               <a:t>Si votre dépôt distant est un </a:t>
             </a:r>
@@ -5874,6 +5887,7 @@
                   <a:srgbClr val="ffffff"/>
                 </a:solidFill>
                 <a:latin typeface="Calibri"/>
+                <a:ea typeface="DejaVu Sans"/>
               </a:rPr>
               <a:t>fork</a:t>
             </a:r>
@@ -5883,6 +5897,7 @@
                   <a:srgbClr val="ffffff"/>
                 </a:solidFill>
                 <a:latin typeface="Calibri"/>
+                <a:ea typeface="DejaVu Sans"/>
               </a:rPr>
               <a:t>, la branche </a:t>
             </a:r>
@@ -5892,6 +5907,7 @@
                   <a:srgbClr val="ffffff"/>
                 </a:solidFill>
                 <a:latin typeface="Calibri"/>
+                <a:ea typeface="DejaVu Sans"/>
               </a:rPr>
               <a:t>main</a:t>
             </a:r>
@@ -5901,6 +5917,7 @@
                   <a:srgbClr val="ffffff"/>
                 </a:solidFill>
                 <a:latin typeface="Calibri"/>
+                <a:ea typeface="DejaVu Sans"/>
               </a:rPr>
               <a:t> dont il est issu apparaitra en-dessous de son nom.</a:t>
             </a:r>
@@ -5929,6 +5946,7 @@
                   <a:srgbClr val="ffffff"/>
                 </a:solidFill>
                 <a:latin typeface="Calibri"/>
+                <a:ea typeface="DejaVu Sans"/>
               </a:rPr>
               <a:t>À présent clonez votre dépôt distant (qui est une branche du mien) en local sur votre ordinateur.</a:t>
             </a:r>
@@ -5971,7 +5989,7 @@
         <p:spPr>
           <a:xfrm>
             <a:off x="5904000" y="2757240"/>
-            <a:ext cx="4433760" cy="986400"/>
+            <a:ext cx="4433400" cy="986040"/>
           </a:xfrm>
           <a:prstGeom prst="rect">
             <a:avLst/>
@@ -5994,7 +6012,7 @@
         <p:spPr>
           <a:xfrm>
             <a:off x="5832000" y="4464000"/>
-            <a:ext cx="4798080" cy="1151640"/>
+            <a:ext cx="4797720" cy="1151280"/>
           </a:xfrm>
           <a:prstGeom prst="rect">
             <a:avLst/>
@@ -6043,7 +6061,7 @@
         <p:spPr>
           <a:xfrm>
             <a:off x="457200" y="1800000"/>
-            <a:ext cx="3199680" cy="4936320"/>
+            <a:ext cx="3199320" cy="4935960"/>
           </a:xfrm>
           <a:prstGeom prst="rect">
             <a:avLst/>
@@ -6103,17 +6121,9 @@
                   <a:srgbClr val="ffffff"/>
                 </a:solidFill>
                 <a:latin typeface="Calibri"/>
-              </a:rPr>
-              <a:t>Pour vous authentifier sur </a:t>
-            </a:r>
-            <a:r>
-              <a:rPr b="0" lang="fr-FR" sz="1500" spc="-1" strike="noStrike">
-                <a:solidFill>
-                  <a:srgbClr val="ffffff"/>
-                </a:solidFill>
-                <a:latin typeface="Calibri"/>
-              </a:rPr>
-              <a:t>GitHub Desktop :</a:t>
+                <a:ea typeface="DejaVu Sans"/>
+              </a:rPr>
+              <a:t>Pour vous authentifier sur GitHub Desktop :</a:t>
             </a:r>
             <a:endParaRPr b="0" lang="fr-FR" sz="1500" spc="-1" strike="noStrike">
               <a:latin typeface="Arial"/>
@@ -6140,6 +6150,7 @@
                   <a:srgbClr val="ffffff"/>
                 </a:solidFill>
                 <a:latin typeface="Calibri"/>
+                <a:ea typeface="DejaVu Sans"/>
               </a:rPr>
               <a:t>File &gt; Options &gt; Accounts :</a:t>
             </a:r>
@@ -6168,6 +6179,7 @@
                   <a:srgbClr val="ffffff"/>
                 </a:solidFill>
                 <a:latin typeface="Calibri"/>
+                <a:ea typeface="DejaVu Sans"/>
               </a:rPr>
               <a:t>GitHub.com : </a:t>
             </a:r>
@@ -6196,17 +6208,9 @@
                   <a:srgbClr val="ffffff"/>
                 </a:solidFill>
                 <a:latin typeface="Calibri"/>
-              </a:rPr>
-              <a:t>Sign in &gt; Continue with </a:t>
-            </a:r>
-            <a:r>
-              <a:rPr b="0" lang="fr-FR" sz="1500" spc="-1" strike="noStrike">
-                <a:solidFill>
-                  <a:srgbClr val="ffffff"/>
-                </a:solidFill>
-                <a:latin typeface="Calibri"/>
-              </a:rPr>
-              <a:t>browser</a:t>
+                <a:ea typeface="DejaVu Sans"/>
+              </a:rPr>
+              <a:t>Sign in &gt; Continue with browser</a:t>
             </a:r>
             <a:endParaRPr b="0" lang="fr-FR" sz="1500" spc="-1" strike="noStrike">
               <a:latin typeface="Arial"/>
@@ -6233,44 +6237,9 @@
                   <a:srgbClr val="ffffff"/>
                 </a:solidFill>
                 <a:latin typeface="Calibri"/>
-              </a:rPr>
-              <a:t>Cette manipulation permettra </a:t>
-            </a:r>
-            <a:r>
-              <a:rPr b="0" lang="fr-FR" sz="1500" spc="-1" strike="noStrike">
-                <a:solidFill>
-                  <a:srgbClr val="ffffff"/>
-                </a:solidFill>
-                <a:latin typeface="Calibri"/>
-              </a:rPr>
-              <a:t>de vous authentifier </a:t>
-            </a:r>
-            <a:r>
-              <a:rPr b="0" lang="fr-FR" sz="1500" spc="-1" strike="noStrike">
-                <a:solidFill>
-                  <a:srgbClr val="ffffff"/>
-                </a:solidFill>
-                <a:latin typeface="Calibri"/>
-              </a:rPr>
-              <a:t>automatiquement si vous êtes </a:t>
-            </a:r>
-            <a:r>
-              <a:rPr b="0" lang="fr-FR" sz="1500" spc="-1" strike="noStrike">
-                <a:solidFill>
-                  <a:srgbClr val="ffffff"/>
-                </a:solidFill>
-                <a:latin typeface="Calibri"/>
-              </a:rPr>
-              <a:t>connectés à votre compte </a:t>
-            </a:r>
-            <a:r>
-              <a:rPr b="0" lang="fr-FR" sz="1500" spc="-1" strike="noStrike">
-                <a:solidFill>
-                  <a:srgbClr val="ffffff"/>
-                </a:solidFill>
-                <a:latin typeface="Calibri"/>
-              </a:rPr>
-              <a:t>GitHub sur votre navigateur. </a:t>
+                <a:ea typeface="DejaVu Sans"/>
+              </a:rPr>
+              <a:t>Cette manipulation permettra de vous authentifier automatiquement si vous êtes connectés à votre compte GitHub sur votre navigateur. </a:t>
             </a:r>
             <a:endParaRPr b="0" lang="fr-FR" sz="1500" spc="-1" strike="noStrike">
               <a:latin typeface="Arial"/>
@@ -6291,7 +6260,7 @@
         <p:spPr>
           <a:xfrm>
             <a:off x="5094720" y="2228760"/>
-            <a:ext cx="5705280" cy="3133440"/>
+            <a:ext cx="5704920" cy="3133080"/>
           </a:xfrm>
           <a:prstGeom prst="rect">
             <a:avLst/>
@@ -6310,7 +6279,7 @@
         <p:spPr>
           <a:xfrm>
             <a:off x="457200" y="774360"/>
-            <a:ext cx="3199680" cy="1091160"/>
+            <a:ext cx="3199320" cy="1090800"/>
           </a:xfrm>
           <a:prstGeom prst="rect">
             <a:avLst/>
@@ -6342,17 +6311,9 @@
                   <a:srgbClr val="ffffff"/>
                 </a:solidFill>
                 <a:latin typeface="Calibri Light"/>
-              </a:rPr>
-              <a:t>S’authentifier sur </a:t>
-            </a:r>
-            <a:r>
-              <a:rPr b="0" lang="de-DE" sz="3200" spc="-52" strike="noStrike">
-                <a:solidFill>
-                  <a:srgbClr val="ffffff"/>
-                </a:solidFill>
-                <a:latin typeface="Calibri Light"/>
-              </a:rPr>
-              <a:t>GitHub Desktop</a:t>
+                <a:ea typeface="DejaVu Sans"/>
+              </a:rPr>
+              <a:t>S’authentifier sur GitHub Desktop</a:t>
             </a:r>
             <a:endParaRPr b="0" lang="fr-FR" sz="3200" spc="-1" strike="noStrike">
               <a:latin typeface="Arial"/>
@@ -6399,7 +6360,7 @@
         <p:spPr>
           <a:xfrm>
             <a:off x="457200" y="594360"/>
-            <a:ext cx="3199680" cy="557640"/>
+            <a:ext cx="3199320" cy="557280"/>
           </a:xfrm>
           <a:prstGeom prst="rect">
             <a:avLst/>
@@ -6431,6 +6392,7 @@
                   <a:srgbClr val="ffffff"/>
                 </a:solidFill>
                 <a:latin typeface="Calibri Light"/>
+                <a:ea typeface="DejaVu Sans"/>
               </a:rPr>
               <a:t>Créer un </a:t>
             </a:r>
@@ -6440,6 +6402,7 @@
                   <a:srgbClr val="ffffff"/>
                 </a:solidFill>
                 <a:latin typeface="Calibri Light"/>
+                <a:ea typeface="DejaVu Sans"/>
               </a:rPr>
               <a:t>token</a:t>
             </a:r>
@@ -6458,7 +6421,7 @@
         <p:spPr>
           <a:xfrm>
             <a:off x="457200" y="1368000"/>
-            <a:ext cx="3199680" cy="4936320"/>
+            <a:ext cx="3199320" cy="4935960"/>
           </a:xfrm>
           <a:prstGeom prst="rect">
             <a:avLst/>
@@ -6499,6 +6462,7 @@
                   <a:srgbClr val="ffffff"/>
                 </a:solidFill>
                 <a:latin typeface="Calibri"/>
+                <a:ea typeface="DejaVu Sans"/>
               </a:rPr>
               <a:t>Cette manipulation est réservée aux utilisateurs qui emploient git en lignes de commande. </a:t>
             </a:r>
@@ -6527,6 +6491,7 @@
                   <a:srgbClr val="ffffff"/>
                 </a:solidFill>
                 <a:latin typeface="Calibri"/>
+                <a:ea typeface="DejaVu Sans"/>
               </a:rPr>
               <a:t>Le </a:t>
             </a:r>
@@ -6536,6 +6501,7 @@
                   <a:srgbClr val="ffffff"/>
                 </a:solidFill>
                 <a:latin typeface="Calibri"/>
+                <a:ea typeface="DejaVu Sans"/>
               </a:rPr>
               <a:t>token</a:t>
             </a:r>
@@ -6545,6 +6511,7 @@
                   <a:srgbClr val="ffffff"/>
                 </a:solidFill>
                 <a:latin typeface="Calibri"/>
+                <a:ea typeface="DejaVu Sans"/>
               </a:rPr>
               <a:t> (ou identificateur de session) n’est nécessaire que dans le cas où vous évoluez sans l’application GitHub Desktop.</a:t>
             </a:r>
@@ -6573,6 +6540,7 @@
                   <a:srgbClr val="ffffff"/>
                 </a:solidFill>
                 <a:latin typeface="Calibri"/>
+                <a:ea typeface="DejaVu Sans"/>
               </a:rPr>
               <a:t>Couplé à votre identifiant, il sert à vous authentifier lorsque vous envoyez les </a:t>
             </a:r>
@@ -6582,6 +6550,7 @@
                   <a:srgbClr val="ffffff"/>
                 </a:solidFill>
                 <a:latin typeface="Calibri"/>
+                <a:ea typeface="DejaVu Sans"/>
               </a:rPr>
               <a:t>commits</a:t>
             </a:r>
@@ -6591,6 +6560,7 @@
                   <a:srgbClr val="ffffff"/>
                 </a:solidFill>
                 <a:latin typeface="Calibri"/>
+                <a:ea typeface="DejaVu Sans"/>
               </a:rPr>
               <a:t> de votre dépôt local vers votre dépôt distant.</a:t>
             </a:r>
@@ -6619,6 +6589,7 @@
                   <a:srgbClr val="ffffff"/>
                 </a:solidFill>
                 <a:latin typeface="Calibri"/>
+                <a:ea typeface="DejaVu Sans"/>
               </a:rPr>
               <a:t>Les </a:t>
             </a:r>
@@ -6628,6 +6599,7 @@
                   <a:srgbClr val="ffffff"/>
                 </a:solidFill>
                 <a:latin typeface="Calibri"/>
+                <a:ea typeface="DejaVu Sans"/>
               </a:rPr>
               <a:t>tokens</a:t>
             </a:r>
@@ -6637,6 +6609,7 @@
                   <a:srgbClr val="ffffff"/>
                 </a:solidFill>
                 <a:latin typeface="Calibri"/>
+                <a:ea typeface="DejaVu Sans"/>
               </a:rPr>
               <a:t> ont remplacé définitivement les mots de passe il y a quelques mois sur GitHub.</a:t>
             </a:r>
@@ -6665,6 +6638,7 @@
                   <a:srgbClr val="ffffff"/>
                 </a:solidFill>
                 <a:latin typeface="Calibri"/>
+                <a:ea typeface="DejaVu Sans"/>
               </a:rPr>
               <a:t>Settings &gt; Developer settings &gt; Personal access tokens &gt; Generate new token.</a:t>
             </a:r>
@@ -6693,6 +6667,7 @@
                   <a:srgbClr val="ffffff"/>
                 </a:solidFill>
                 <a:latin typeface="Calibri"/>
+                <a:ea typeface="DejaVu Sans"/>
               </a:rPr>
               <a:t>Cochez au moins la case repo.</a:t>
             </a:r>
@@ -6753,7 +6728,7 @@
         <p:spPr>
           <a:xfrm>
             <a:off x="4248000" y="566280"/>
-            <a:ext cx="1944000" cy="5876280"/>
+            <a:ext cx="1943640" cy="5875920"/>
           </a:xfrm>
           <a:prstGeom prst="rect">
             <a:avLst/>
@@ -6777,7 +6752,7 @@
         <p:spPr>
           <a:xfrm>
             <a:off x="6208200" y="540000"/>
-            <a:ext cx="5959800" cy="1800000"/>
+            <a:ext cx="5959440" cy="1799640"/>
           </a:xfrm>
           <a:prstGeom prst="rect">
             <a:avLst/>
@@ -6800,7 +6775,7 @@
         <p:spPr>
           <a:xfrm>
             <a:off x="6192000" y="2336040"/>
-            <a:ext cx="5688000" cy="4094280"/>
+            <a:ext cx="5687640" cy="4093920"/>
           </a:xfrm>
           <a:prstGeom prst="rect">
             <a:avLst/>
@@ -6849,7 +6824,7 @@
         <p:spPr>
           <a:xfrm>
             <a:off x="457200" y="486360"/>
-            <a:ext cx="3199680" cy="1040760"/>
+            <a:ext cx="3199320" cy="1040400"/>
           </a:xfrm>
           <a:prstGeom prst="rect">
             <a:avLst/>
@@ -6881,6 +6856,7 @@
                   <a:srgbClr val="ffffff"/>
                 </a:solidFill>
                 <a:latin typeface="Calibri Light"/>
+                <a:ea typeface="DejaVu Sans"/>
               </a:rPr>
               <a:t>Cloner un dépôt distant</a:t>
             </a:r>
@@ -6903,7 +6879,7 @@
         <p:spPr>
           <a:xfrm>
             <a:off x="4440600" y="216000"/>
-            <a:ext cx="6789600" cy="2880000"/>
+            <a:ext cx="6789240" cy="2879640"/>
           </a:xfrm>
           <a:prstGeom prst="rect">
             <a:avLst/>
@@ -6922,7 +6898,7 @@
         <p:spPr>
           <a:xfrm>
             <a:off x="457200" y="1728000"/>
-            <a:ext cx="3199680" cy="4427640"/>
+            <a:ext cx="3199320" cy="4427280"/>
           </a:xfrm>
           <a:prstGeom prst="rect">
             <a:avLst/>
@@ -6963,6 +6939,7 @@
                   <a:srgbClr val="ffffff"/>
                 </a:solidFill>
                 <a:latin typeface="Calibri"/>
+                <a:ea typeface="DejaVu Sans"/>
               </a:rPr>
               <a:t>Cela revient à créer un dépôt local.</a:t>
             </a:r>
@@ -6991,6 +6968,7 @@
                   <a:srgbClr val="ffffff"/>
                 </a:solidFill>
                 <a:latin typeface="Calibri"/>
+                <a:ea typeface="DejaVu Sans"/>
               </a:rPr>
               <a:t>Ouvrez la page d‘accueil du </a:t>
             </a:r>
@@ -7000,6 +6978,7 @@
                   <a:srgbClr val="ffffff"/>
                 </a:solidFill>
                 <a:latin typeface="Calibri"/>
+                <a:ea typeface="DejaVu Sans"/>
               </a:rPr>
               <a:t>repository</a:t>
             </a:r>
@@ -7009,6 +6988,7 @@
                   <a:srgbClr val="ffffff"/>
                 </a:solidFill>
                 <a:latin typeface="Calibri"/>
+                <a:ea typeface="DejaVu Sans"/>
               </a:rPr>
               <a:t> que vous venez de créer.</a:t>
             </a:r>
@@ -7037,6 +7017,7 @@
                   <a:srgbClr val="ffffff"/>
                 </a:solidFill>
                 <a:latin typeface="Calibri"/>
+                <a:ea typeface="DejaVu Sans"/>
               </a:rPr>
               <a:t>Cliquez sur le menu déroulant „Code“ puis copiez l‘URL https.</a:t>
             </a:r>
@@ -7065,6 +7046,7 @@
                   <a:srgbClr val="ffffff"/>
                 </a:solidFill>
                 <a:latin typeface="Calibri"/>
+                <a:ea typeface="DejaVu Sans"/>
               </a:rPr>
               <a:t>Dans </a:t>
             </a:r>
@@ -7074,6 +7056,7 @@
                   <a:srgbClr val="ffffff"/>
                 </a:solidFill>
                 <a:latin typeface="Calibri"/>
+                <a:ea typeface="DejaVu Sans"/>
               </a:rPr>
               <a:t>Github Desktop</a:t>
             </a:r>
@@ -7083,6 +7066,7 @@
                   <a:srgbClr val="ffffff"/>
                 </a:solidFill>
                 <a:latin typeface="Calibri"/>
+                <a:ea typeface="DejaVu Sans"/>
               </a:rPr>
               <a:t> :</a:t>
             </a:r>
@@ -7111,6 +7095,7 @@
                   <a:srgbClr val="ffffff"/>
                 </a:solidFill>
                 <a:latin typeface="Calibri"/>
+                <a:ea typeface="DejaVu Sans"/>
               </a:rPr>
               <a:t>Ajoutez un nouveau Repository.</a:t>
             </a:r>
@@ -7139,6 +7124,7 @@
                   <a:srgbClr val="ffffff"/>
                 </a:solidFill>
                 <a:latin typeface="Calibri"/>
+                <a:ea typeface="DejaVu Sans"/>
               </a:rPr>
               <a:t>Choisissez le clonage par URL et collez le lien que vous avez copié sur Github.</a:t>
             </a:r>
@@ -7167,6 +7153,7 @@
                   <a:srgbClr val="ffffff"/>
                 </a:solidFill>
                 <a:latin typeface="Calibri"/>
+                <a:ea typeface="DejaVu Sans"/>
               </a:rPr>
               <a:t>Vous pouvez personnaliser le chemin au bout duquel se trouvera le dépôt local Git (c‘est-à-dire où le retrouver dans vos fichiers).</a:t>
             </a:r>
@@ -7189,7 +7176,7 @@
         <p:spPr>
           <a:xfrm>
             <a:off x="8424000" y="3312000"/>
-            <a:ext cx="3168000" cy="2315160"/>
+            <a:ext cx="3167640" cy="2314800"/>
           </a:xfrm>
           <a:prstGeom prst="rect">
             <a:avLst/>
@@ -7212,7 +7199,7 @@
         <p:spPr>
           <a:xfrm>
             <a:off x="4592520" y="3334680"/>
-            <a:ext cx="3675600" cy="2281320"/>
+            <a:ext cx="3675240" cy="2280960"/>
           </a:xfrm>
           <a:prstGeom prst="rect">
             <a:avLst/>
@@ -7261,7 +7248,7 @@
         <p:spPr>
           <a:xfrm>
             <a:off x="457200" y="594360"/>
-            <a:ext cx="3199680" cy="2285280"/>
+            <a:ext cx="3199320" cy="2284920"/>
           </a:xfrm>
           <a:prstGeom prst="rect">
             <a:avLst/>
@@ -7293,6 +7280,7 @@
                   <a:srgbClr val="ffffff"/>
                 </a:solidFill>
                 <a:latin typeface="Calibri Light"/>
+                <a:ea typeface="DejaVu Sans"/>
               </a:rPr>
               <a:t>Travailler dans son dépôt local</a:t>
             </a:r>
@@ -7315,7 +7303,7 @@
         <p:spPr>
           <a:xfrm>
             <a:off x="4728600" y="1965960"/>
-            <a:ext cx="6492240" cy="3796920"/>
+            <a:ext cx="6491880" cy="3796560"/>
           </a:xfrm>
           <a:prstGeom prst="rect">
             <a:avLst/>
@@ -7334,7 +7322,7 @@
         <p:spPr>
           <a:xfrm>
             <a:off x="457200" y="2926080"/>
-            <a:ext cx="3199680" cy="3378240"/>
+            <a:ext cx="3199320" cy="3377880"/>
           </a:xfrm>
           <a:prstGeom prst="rect">
             <a:avLst/>
@@ -7375,6 +7363,7 @@
                   <a:srgbClr val="ffffff"/>
                 </a:solidFill>
                 <a:latin typeface="Calibri"/>
+                <a:ea typeface="DejaVu Sans"/>
               </a:rPr>
               <a:t>Vous pouvez désormais travailler comme dans n‘importe quel dossier de votre ordinateur.</a:t>
             </a:r>
@@ -7403,6 +7392,7 @@
                   <a:srgbClr val="ffffff"/>
                 </a:solidFill>
                 <a:latin typeface="Calibri"/>
+                <a:ea typeface="DejaVu Sans"/>
               </a:rPr>
               <a:t>Vous pouvez organisez votre </a:t>
             </a:r>
@@ -7412,6 +7402,7 @@
                   <a:srgbClr val="ffffff"/>
                 </a:solidFill>
                 <a:latin typeface="Calibri"/>
+                <a:ea typeface="DejaVu Sans"/>
               </a:rPr>
               <a:t>repository</a:t>
             </a:r>
@@ -7421,6 +7412,7 @@
                   <a:srgbClr val="ffffff"/>
                 </a:solidFill>
                 <a:latin typeface="Calibri"/>
+                <a:ea typeface="DejaVu Sans"/>
               </a:rPr>
               <a:t> comme vous le feriez pour n‘importe quel projet.</a:t>
             </a:r>
@@ -7469,7 +7461,7 @@
         <p:spPr>
           <a:xfrm>
             <a:off x="457200" y="164880"/>
-            <a:ext cx="3199680" cy="1032480"/>
+            <a:ext cx="3199320" cy="1032120"/>
           </a:xfrm>
           <a:prstGeom prst="rect">
             <a:avLst/>
@@ -7501,6 +7493,7 @@
                   <a:srgbClr val="ffffff"/>
                 </a:solidFill>
                 <a:latin typeface="Calibri Light"/>
+                <a:ea typeface="DejaVu Sans"/>
               </a:rPr>
               <a:t>Faire son premier </a:t>
             </a:r>
@@ -7510,6 +7503,7 @@
                   <a:srgbClr val="ffffff"/>
                 </a:solidFill>
                 <a:latin typeface="Calibri Light"/>
+                <a:ea typeface="DejaVu Sans"/>
               </a:rPr>
               <a:t>commit</a:t>
             </a:r>
@@ -7528,7 +7522,7 @@
         <p:spPr>
           <a:xfrm>
             <a:off x="457200" y="1310040"/>
-            <a:ext cx="3199680" cy="2439000"/>
+            <a:ext cx="3199320" cy="2438640"/>
           </a:xfrm>
           <a:prstGeom prst="rect">
             <a:avLst/>
@@ -7569,6 +7563,7 @@
                   <a:srgbClr val="ffffff"/>
                 </a:solidFill>
                 <a:latin typeface="Calibri"/>
+                <a:ea typeface="DejaVu Sans"/>
               </a:rPr>
               <a:t>Ouvrir le bloc note.</a:t>
             </a:r>
@@ -7597,6 +7592,7 @@
                   <a:srgbClr val="ffffff"/>
                 </a:solidFill>
                 <a:latin typeface="Calibri"/>
+                <a:ea typeface="DejaVu Sans"/>
               </a:rPr>
               <a:t>Écrire „hello world“.</a:t>
             </a:r>
@@ -7625,6 +7621,7 @@
                   <a:srgbClr val="ffffff"/>
                 </a:solidFill>
                 <a:latin typeface="Calibri"/>
+                <a:ea typeface="DejaVu Sans"/>
               </a:rPr>
               <a:t>Enregistrez le fichier au format .txt dans votre dépôt local.</a:t>
             </a:r>
@@ -7653,6 +7650,7 @@
                   <a:srgbClr val="ffffff"/>
                 </a:solidFill>
                 <a:latin typeface="Calibri"/>
+                <a:ea typeface="DejaVu Sans"/>
               </a:rPr>
               <a:t>Donner un titre au commit (faites si possible figurer le titre du fichier modifié).</a:t>
             </a:r>
@@ -7681,6 +7679,7 @@
                   <a:srgbClr val="ffffff"/>
                 </a:solidFill>
                 <a:latin typeface="Calibri"/>
+                <a:ea typeface="DejaVu Sans"/>
               </a:rPr>
               <a:t>Rédigez un résumé concis des modifications effectuées.</a:t>
             </a:r>
@@ -7709,6 +7708,7 @@
                   <a:srgbClr val="ffffff"/>
                 </a:solidFill>
                 <a:latin typeface="Calibri"/>
+                <a:ea typeface="DejaVu Sans"/>
               </a:rPr>
               <a:t>Commit</a:t>
             </a:r>
@@ -7718,6 +7718,7 @@
                   <a:srgbClr val="ffffff"/>
                 </a:solidFill>
                 <a:latin typeface="Calibri"/>
+                <a:ea typeface="DejaVu Sans"/>
               </a:rPr>
               <a:t> vers la branche </a:t>
             </a:r>
@@ -7727,6 +7728,7 @@
                   <a:srgbClr val="ffffff"/>
                 </a:solidFill>
                 <a:latin typeface="Calibri"/>
+                <a:ea typeface="DejaVu Sans"/>
               </a:rPr>
               <a:t>main</a:t>
             </a:r>
@@ -7736,6 +7738,7 @@
                   <a:srgbClr val="ffffff"/>
                 </a:solidFill>
                 <a:latin typeface="Calibri"/>
+                <a:ea typeface="DejaVu Sans"/>
               </a:rPr>
               <a:t>.</a:t>
             </a:r>
@@ -7757,8 +7760,8 @@
         </p:blipFill>
         <p:spPr>
           <a:xfrm>
-            <a:off x="5923440" y="1829520"/>
-            <a:ext cx="3616560" cy="4734720"/>
+            <a:off x="4464000" y="1889640"/>
+            <a:ext cx="3616200" cy="4734360"/>
           </a:xfrm>
           <a:prstGeom prst="rect">
             <a:avLst/>
@@ -7781,7 +7784,7 @@
         <p:spPr>
           <a:xfrm>
             <a:off x="457200" y="3861720"/>
-            <a:ext cx="3310200" cy="689760"/>
+            <a:ext cx="3309840" cy="689400"/>
           </a:xfrm>
           <a:prstGeom prst="rect">
             <a:avLst/>
@@ -7800,7 +7803,7 @@
         <p:spPr>
           <a:xfrm>
             <a:off x="457200" y="4664520"/>
-            <a:ext cx="3199680" cy="1899720"/>
+            <a:ext cx="3199320" cy="1899360"/>
           </a:xfrm>
           <a:prstGeom prst="rect">
             <a:avLst/>
@@ -7914,6 +7917,312 @@
               </a:tabLst>
             </a:pPr>
             <a:endParaRPr b="0" lang="fr-FR" sz="1500" spc="-1" strike="noStrike">
+              <a:latin typeface="Arial"/>
+            </a:endParaRPr>
+          </a:p>
+        </p:txBody>
+      </p:sp>
+      <p:sp>
+        <p:nvSpPr>
+          <p:cNvPr id="190" name="CustomShape 4"/>
+          <p:cNvSpPr/>
+          <p:nvPr/>
+        </p:nvSpPr>
+        <p:spPr>
+          <a:xfrm>
+            <a:off x="4512240" y="407160"/>
+            <a:ext cx="6839640" cy="1040400"/>
+          </a:xfrm>
+          <a:prstGeom prst="rect">
+            <a:avLst/>
+          </a:prstGeom>
+          <a:noFill/>
+          <a:ln>
+            <a:noFill/>
+          </a:ln>
+        </p:spPr>
+        <p:style>
+          <a:lnRef idx="0"/>
+          <a:fillRef idx="0"/>
+          <a:effectRef idx="0"/>
+          <a:fontRef idx="minor"/>
+        </p:style>
+        <p:txBody>
+          <a:bodyPr lIns="90000" rIns="90000" tIns="45000" bIns="45000" anchor="b">
+            <a:noAutofit/>
+          </a:bodyPr>
+          <a:p>
+            <a:pPr>
+              <a:lnSpc>
+                <a:spcPct val="85000"/>
+              </a:lnSpc>
+            </a:pPr>
+            <a:r>
+              <a:rPr b="0" lang="de-DE" sz="2200" spc="-52" strike="noStrike">
+                <a:solidFill>
+                  <a:srgbClr val="000000"/>
+                </a:solidFill>
+                <a:latin typeface="Calibri Light"/>
+                <a:ea typeface="DejaVu Sans"/>
+              </a:rPr>
+              <a:t>Les commandes pour faire un </a:t>
+            </a:r>
+            <a:r>
+              <a:rPr b="0" i="1" lang="de-DE" sz="2200" spc="-52" strike="noStrike">
+                <a:solidFill>
+                  <a:srgbClr val="000000"/>
+                </a:solidFill>
+                <a:latin typeface="Calibri Light"/>
+                <a:ea typeface="DejaVu Sans"/>
+              </a:rPr>
+              <a:t>commit</a:t>
+            </a:r>
+            <a:r>
+              <a:rPr b="0" lang="de-DE" sz="2200" spc="-52" strike="noStrike">
+                <a:solidFill>
+                  <a:srgbClr val="000000"/>
+                </a:solidFill>
+                <a:latin typeface="Calibri Light"/>
+                <a:ea typeface="DejaVu Sans"/>
+              </a:rPr>
+              <a:t> en ligne de commande :</a:t>
+            </a:r>
+            <a:endParaRPr b="0" lang="fr-FR" sz="2200" spc="-1" strike="noStrike">
+              <a:latin typeface="Arial"/>
+            </a:endParaRPr>
+          </a:p>
+        </p:txBody>
+      </p:sp>
+      <p:sp>
+        <p:nvSpPr>
+          <p:cNvPr id="191" name="CustomShape 5"/>
+          <p:cNvSpPr/>
+          <p:nvPr/>
+        </p:nvSpPr>
+        <p:spPr>
+          <a:xfrm>
+            <a:off x="8208000" y="1944000"/>
+            <a:ext cx="3455640" cy="4176000"/>
+          </a:xfrm>
+          <a:prstGeom prst="rect">
+            <a:avLst/>
+          </a:prstGeom>
+          <a:noFill/>
+          <a:ln>
+            <a:noFill/>
+          </a:ln>
+        </p:spPr>
+        <p:style>
+          <a:lnRef idx="0"/>
+          <a:fillRef idx="0"/>
+          <a:effectRef idx="0"/>
+          <a:fontRef idx="minor"/>
+        </p:style>
+        <p:txBody>
+          <a:bodyPr lIns="90000" rIns="90000" tIns="45000" bIns="45000" anchor="b">
+            <a:noAutofit/>
+          </a:bodyPr>
+          <a:p>
+            <a:pPr marL="216000" indent="-216000">
+              <a:lnSpc>
+                <a:spcPct val="85000"/>
+              </a:lnSpc>
+              <a:buClr>
+                <a:srgbClr val="000000"/>
+              </a:buClr>
+              <a:buSzPct val="45000"/>
+              <a:buFont typeface="Symbol" charset="2"/>
+              <a:buChar char=""/>
+            </a:pPr>
+            <a:r>
+              <a:rPr b="0" i="1" lang="de-DE" sz="2200" spc="-52" strike="noStrike">
+                <a:solidFill>
+                  <a:srgbClr val="000000"/>
+                </a:solidFill>
+                <a:latin typeface="Arial"/>
+                <a:ea typeface="DejaVu Sans"/>
+              </a:rPr>
+              <a:t>git status</a:t>
+            </a:r>
+            <a:r>
+              <a:rPr b="0" lang="de-DE" sz="2200" spc="-52" strike="noStrike">
+                <a:solidFill>
+                  <a:srgbClr val="000000"/>
+                </a:solidFill>
+                <a:latin typeface="Arial"/>
+                <a:ea typeface="DejaVu Sans"/>
+              </a:rPr>
+              <a:t> : affiche les informations relatives aux statuts des documents du </a:t>
+            </a:r>
+            <a:r>
+              <a:rPr b="0" i="1" lang="de-DE" sz="2200" spc="-52" strike="noStrike">
+                <a:solidFill>
+                  <a:srgbClr val="000000"/>
+                </a:solidFill>
+                <a:latin typeface="Arial"/>
+                <a:ea typeface="DejaVu Sans"/>
+              </a:rPr>
+              <a:t>repository</a:t>
+            </a:r>
+            <a:r>
+              <a:rPr b="0" lang="de-DE" sz="2200" spc="-52" strike="noStrike">
+                <a:solidFill>
+                  <a:srgbClr val="000000"/>
+                </a:solidFill>
+                <a:latin typeface="Arial"/>
+                <a:ea typeface="DejaVu Sans"/>
+              </a:rPr>
+              <a:t>.</a:t>
+            </a:r>
+            <a:endParaRPr b="0" lang="fr-FR" sz="2200" spc="-1" strike="noStrike">
+              <a:latin typeface="Arial"/>
+            </a:endParaRPr>
+          </a:p>
+          <a:p>
+            <a:pPr marL="216000" indent="-216000">
+              <a:lnSpc>
+                <a:spcPct val="85000"/>
+              </a:lnSpc>
+              <a:buClr>
+                <a:srgbClr val="000000"/>
+              </a:buClr>
+              <a:buSzPct val="45000"/>
+              <a:buFont typeface="Symbol" charset="2"/>
+              <a:buChar char=""/>
+            </a:pPr>
+            <a:r>
+              <a:rPr b="0" i="1" lang="de-DE" sz="2200" spc="-52" strike="noStrike">
+                <a:solidFill>
+                  <a:srgbClr val="000000"/>
+                </a:solidFill>
+                <a:latin typeface="Arial"/>
+                <a:ea typeface="DejaVu Sans"/>
+              </a:rPr>
+              <a:t>git add &lt;nom du fichier&gt;</a:t>
+            </a:r>
+            <a:r>
+              <a:rPr b="0" lang="de-DE" sz="2200" spc="-52" strike="noStrike">
+                <a:solidFill>
+                  <a:srgbClr val="000000"/>
+                </a:solidFill>
+                <a:latin typeface="Arial"/>
+                <a:ea typeface="DejaVu Sans"/>
+              </a:rPr>
+              <a:t> : ajouter un fichier à la </a:t>
+            </a:r>
+            <a:r>
+              <a:rPr b="0" i="1" lang="de-DE" sz="2200" spc="-52" strike="noStrike">
+                <a:solidFill>
+                  <a:srgbClr val="000000"/>
+                </a:solidFill>
+                <a:latin typeface="Arial"/>
+                <a:ea typeface="DejaVu Sans"/>
+              </a:rPr>
+              <a:t>staging area</a:t>
+            </a:r>
+            <a:r>
+              <a:rPr b="0" lang="de-DE" sz="2200" spc="-52" strike="noStrike">
+                <a:solidFill>
+                  <a:srgbClr val="000000"/>
+                </a:solidFill>
+                <a:latin typeface="Arial"/>
+                <a:ea typeface="DejaVu Sans"/>
+              </a:rPr>
+              <a:t>.</a:t>
+            </a:r>
+            <a:endParaRPr b="0" lang="fr-FR" sz="2200" spc="-1" strike="noStrike">
+              <a:latin typeface="Arial"/>
+            </a:endParaRPr>
+          </a:p>
+          <a:p>
+            <a:pPr marL="216000" indent="-216000">
+              <a:lnSpc>
+                <a:spcPct val="85000"/>
+              </a:lnSpc>
+              <a:buClr>
+                <a:srgbClr val="000000"/>
+              </a:buClr>
+              <a:buSzPct val="45000"/>
+              <a:buFont typeface="Symbol" charset="2"/>
+              <a:buChar char=""/>
+            </a:pPr>
+            <a:r>
+              <a:rPr b="0" i="1" lang="de-DE" sz="2200" spc="-52" strike="noStrike">
+                <a:solidFill>
+                  <a:srgbClr val="000000"/>
+                </a:solidFill>
+                <a:latin typeface="Arial"/>
+                <a:ea typeface="DejaVu Sans"/>
+              </a:rPr>
+              <a:t>git commit</a:t>
+            </a:r>
+            <a:r>
+              <a:rPr b="0" lang="de-DE" sz="2200" spc="-52" strike="noStrike">
+                <a:solidFill>
+                  <a:srgbClr val="000000"/>
+                </a:solidFill>
+                <a:latin typeface="Arial"/>
+                <a:ea typeface="DejaVu Sans"/>
+              </a:rPr>
+              <a:t> : faire un commit de tout ce qui se trouve dans la </a:t>
+            </a:r>
+            <a:r>
+              <a:rPr b="0" i="1" lang="de-DE" sz="2200" spc="-52" strike="noStrike">
+                <a:solidFill>
+                  <a:srgbClr val="000000"/>
+                </a:solidFill>
+                <a:latin typeface="Arial"/>
+                <a:ea typeface="DejaVu Sans"/>
+              </a:rPr>
+              <a:t>staging area</a:t>
+            </a:r>
+            <a:r>
+              <a:rPr b="0" lang="de-DE" sz="2200" spc="-52" strike="noStrike">
+                <a:solidFill>
+                  <a:srgbClr val="000000"/>
+                </a:solidFill>
+                <a:latin typeface="Arial"/>
+                <a:ea typeface="DejaVu Sans"/>
+              </a:rPr>
+              <a:t>.</a:t>
+            </a:r>
+            <a:endParaRPr b="0" lang="fr-FR" sz="2200" spc="-1" strike="noStrike">
+              <a:latin typeface="Arial"/>
+            </a:endParaRPr>
+          </a:p>
+          <a:p>
+            <a:pPr marL="216000" indent="-216000">
+              <a:lnSpc>
+                <a:spcPct val="85000"/>
+              </a:lnSpc>
+              <a:buClr>
+                <a:srgbClr val="000000"/>
+              </a:buClr>
+              <a:buSzPct val="45000"/>
+              <a:buFont typeface="Symbol" charset="2"/>
+              <a:buChar char=""/>
+            </a:pPr>
+            <a:r>
+              <a:rPr b="0" i="1" lang="de-DE" sz="2200" spc="-52" strike="noStrike">
+                <a:solidFill>
+                  <a:srgbClr val="000000"/>
+                </a:solidFill>
+                <a:latin typeface="Arial"/>
+                <a:ea typeface="DejaVu Sans"/>
+              </a:rPr>
+              <a:t>git push</a:t>
+            </a:r>
+            <a:r>
+              <a:rPr b="0" lang="de-DE" sz="2200" spc="-52" strike="noStrike">
+                <a:solidFill>
+                  <a:srgbClr val="000000"/>
+                </a:solidFill>
+                <a:latin typeface="Arial"/>
+                <a:ea typeface="DejaVu Sans"/>
+              </a:rPr>
+              <a:t> : envoyer les commits locaux vers le dépôt distant.</a:t>
+            </a:r>
+            <a:endParaRPr b="0" lang="fr-FR" sz="2200" spc="-1" strike="noStrike">
               <a:latin typeface="Arial"/>
             </a:endParaRPr>
           </a:p>
@@ -7951,14 +8260,14 @@
       </p:grpSpPr>
       <p:sp>
         <p:nvSpPr>
-          <p:cNvPr id="190" name="CustomShape 1"/>
+          <p:cNvPr id="192" name="CustomShape 1"/>
           <p:cNvSpPr/>
           <p:nvPr/>
         </p:nvSpPr>
         <p:spPr>
           <a:xfrm>
             <a:off x="4392000" y="471240"/>
-            <a:ext cx="6840000" cy="1040760"/>
+            <a:ext cx="6839640" cy="1040400"/>
           </a:xfrm>
           <a:prstGeom prst="rect">
             <a:avLst/>
@@ -7990,1678 +8299,11 @@
                   <a:srgbClr val="000000"/>
                 </a:solidFill>
                 <a:latin typeface="Calibri Light"/>
-              </a:rPr>
-              <a:t>T</a:t>
-            </a:r>
-            <a:r>
-              <a:rPr b="0" lang="de-DE" sz="2200" spc="-52" strike="noStrike">
-                <a:solidFill>
-                  <a:srgbClr val="000000"/>
-                </a:solidFill>
-                <a:latin typeface="Calibri Light"/>
-              </a:rPr>
-              <a:t>r</a:t>
-            </a:r>
-            <a:r>
-              <a:rPr b="0" lang="de-DE" sz="2200" spc="-52" strike="noStrike">
-                <a:solidFill>
-                  <a:srgbClr val="000000"/>
-                </a:solidFill>
-                <a:latin typeface="Calibri Light"/>
-              </a:rPr>
-              <a:t>a</a:t>
-            </a:r>
-            <a:r>
-              <a:rPr b="0" lang="de-DE" sz="2200" spc="-52" strike="noStrike">
-                <a:solidFill>
-                  <a:srgbClr val="000000"/>
-                </a:solidFill>
-                <a:latin typeface="Calibri Light"/>
-              </a:rPr>
-              <a:t>v</a:t>
-            </a:r>
-            <a:r>
-              <a:rPr b="0" lang="de-DE" sz="2200" spc="-52" strike="noStrike">
-                <a:solidFill>
-                  <a:srgbClr val="000000"/>
-                </a:solidFill>
-                <a:latin typeface="Calibri Light"/>
-              </a:rPr>
-              <a:t>a</a:t>
-            </a:r>
-            <a:r>
-              <a:rPr b="0" lang="de-DE" sz="2200" spc="-52" strike="noStrike">
-                <a:solidFill>
-                  <a:srgbClr val="000000"/>
-                </a:solidFill>
-                <a:latin typeface="Calibri Light"/>
-              </a:rPr>
-              <a:t>i</a:t>
-            </a:r>
-            <a:r>
-              <a:rPr b="0" lang="de-DE" sz="2200" spc="-52" strike="noStrike">
-                <a:solidFill>
-                  <a:srgbClr val="000000"/>
-                </a:solidFill>
-                <a:latin typeface="Calibri Light"/>
-              </a:rPr>
-              <a:t>l</a:t>
-            </a:r>
-            <a:r>
-              <a:rPr b="0" lang="de-DE" sz="2200" spc="-52" strike="noStrike">
-                <a:solidFill>
-                  <a:srgbClr val="000000"/>
-                </a:solidFill>
-                <a:latin typeface="Calibri Light"/>
-              </a:rPr>
-              <a:t>l</a:t>
-            </a:r>
-            <a:r>
-              <a:rPr b="0" lang="de-DE" sz="2200" spc="-52" strike="noStrike">
-                <a:solidFill>
-                  <a:srgbClr val="000000"/>
-                </a:solidFill>
-                <a:latin typeface="Calibri Light"/>
-              </a:rPr>
-              <a:t>e</a:t>
-            </a:r>
-            <a:r>
-              <a:rPr b="0" lang="de-DE" sz="2200" spc="-52" strike="noStrike">
-                <a:solidFill>
-                  <a:srgbClr val="000000"/>
-                </a:solidFill>
-                <a:latin typeface="Calibri Light"/>
-              </a:rPr>
-              <a:t>r</a:t>
-            </a:r>
-            <a:r>
-              <a:rPr b="0" lang="de-DE" sz="2200" spc="-52" strike="noStrike">
-                <a:solidFill>
-                  <a:srgbClr val="000000"/>
-                </a:solidFill>
-                <a:latin typeface="Calibri Light"/>
-              </a:rPr>
-              <a:t> </a:t>
-            </a:r>
-            <a:r>
-              <a:rPr b="0" lang="de-DE" sz="2200" spc="-52" strike="noStrike">
-                <a:solidFill>
-                  <a:srgbClr val="000000"/>
-                </a:solidFill>
-                <a:latin typeface="Calibri Light"/>
-              </a:rPr>
-              <a:t>s</a:t>
-            </a:r>
-            <a:r>
-              <a:rPr b="0" lang="de-DE" sz="2200" spc="-52" strike="noStrike">
-                <a:solidFill>
-                  <a:srgbClr val="000000"/>
-                </a:solidFill>
-                <a:latin typeface="Calibri Light"/>
-              </a:rPr>
-              <a:t>u</a:t>
-            </a:r>
-            <a:r>
-              <a:rPr b="0" lang="de-DE" sz="2200" spc="-52" strike="noStrike">
-                <a:solidFill>
-                  <a:srgbClr val="000000"/>
-                </a:solidFill>
-                <a:latin typeface="Calibri Light"/>
-              </a:rPr>
-              <a:t>r</a:t>
-            </a:r>
-            <a:r>
-              <a:rPr b="0" lang="de-DE" sz="2200" spc="-52" strike="noStrike">
-                <a:solidFill>
-                  <a:srgbClr val="000000"/>
-                </a:solidFill>
-                <a:latin typeface="Calibri Light"/>
-              </a:rPr>
-              <a:t> </a:t>
-            </a:r>
-            <a:r>
-              <a:rPr b="0" lang="de-DE" sz="2200" spc="-52" strike="noStrike">
-                <a:solidFill>
-                  <a:srgbClr val="000000"/>
-                </a:solidFill>
-                <a:latin typeface="Calibri Light"/>
-              </a:rPr>
-              <a:t>u</a:t>
-            </a:r>
-            <a:r>
-              <a:rPr b="0" lang="de-DE" sz="2200" spc="-52" strike="noStrike">
-                <a:solidFill>
-                  <a:srgbClr val="000000"/>
-                </a:solidFill>
-                <a:latin typeface="Calibri Light"/>
-              </a:rPr>
-              <a:t>n</a:t>
-            </a:r>
-            <a:r>
-              <a:rPr b="0" lang="de-DE" sz="2200" spc="-52" strike="noStrike">
-                <a:solidFill>
-                  <a:srgbClr val="000000"/>
-                </a:solidFill>
-                <a:latin typeface="Calibri Light"/>
-              </a:rPr>
-              <a:t>e</a:t>
-            </a:r>
-            <a:r>
-              <a:rPr b="0" lang="de-DE" sz="2200" spc="-52" strike="noStrike">
-                <a:solidFill>
-                  <a:srgbClr val="000000"/>
-                </a:solidFill>
-                <a:latin typeface="Calibri Light"/>
-              </a:rPr>
-              <a:t> </a:t>
-            </a:r>
-            <a:r>
-              <a:rPr b="0" lang="de-DE" sz="2200" spc="-52" strike="noStrike">
-                <a:solidFill>
-                  <a:srgbClr val="000000"/>
-                </a:solidFill>
-                <a:latin typeface="Calibri Light"/>
-              </a:rPr>
-              <a:t>b</a:t>
-            </a:r>
-            <a:r>
-              <a:rPr b="0" lang="de-DE" sz="2200" spc="-52" strike="noStrike">
-                <a:solidFill>
-                  <a:srgbClr val="000000"/>
-                </a:solidFill>
-                <a:latin typeface="Calibri Light"/>
-              </a:rPr>
-              <a:t>r</a:t>
-            </a:r>
-            <a:r>
-              <a:rPr b="0" lang="de-DE" sz="2200" spc="-52" strike="noStrike">
-                <a:solidFill>
-                  <a:srgbClr val="000000"/>
-                </a:solidFill>
-                <a:latin typeface="Calibri Light"/>
-              </a:rPr>
-              <a:t>a</a:t>
-            </a:r>
-            <a:r>
-              <a:rPr b="0" lang="de-DE" sz="2200" spc="-52" strike="noStrike">
-                <a:solidFill>
-                  <a:srgbClr val="000000"/>
-                </a:solidFill>
-                <a:latin typeface="Calibri Light"/>
-              </a:rPr>
-              <a:t>n</a:t>
-            </a:r>
-            <a:r>
-              <a:rPr b="0" lang="de-DE" sz="2200" spc="-52" strike="noStrike">
-                <a:solidFill>
-                  <a:srgbClr val="000000"/>
-                </a:solidFill>
-                <a:latin typeface="Calibri Light"/>
-              </a:rPr>
-              <a:t>c</a:t>
-            </a:r>
-            <a:r>
-              <a:rPr b="0" lang="de-DE" sz="2200" spc="-52" strike="noStrike">
-                <a:solidFill>
-                  <a:srgbClr val="000000"/>
-                </a:solidFill>
-                <a:latin typeface="Calibri Light"/>
-              </a:rPr>
-              <a:t>h</a:t>
-            </a:r>
-            <a:r>
-              <a:rPr b="0" lang="de-DE" sz="2200" spc="-52" strike="noStrike">
-                <a:solidFill>
-                  <a:srgbClr val="000000"/>
-                </a:solidFill>
-                <a:latin typeface="Calibri Light"/>
-              </a:rPr>
-              <a:t>e</a:t>
-            </a:r>
-            <a:r>
-              <a:rPr b="0" lang="de-DE" sz="2200" spc="-52" strike="noStrike">
-                <a:solidFill>
-                  <a:srgbClr val="000000"/>
-                </a:solidFill>
-                <a:latin typeface="Calibri Light"/>
-              </a:rPr>
-              <a:t> </a:t>
-            </a:r>
-            <a:r>
-              <a:rPr b="0" lang="de-DE" sz="2200" spc="-52" strike="noStrike">
-                <a:solidFill>
-                  <a:srgbClr val="000000"/>
-                </a:solidFill>
-                <a:latin typeface="Calibri Light"/>
-              </a:rPr>
-              <a:t>p</a:t>
-            </a:r>
-            <a:r>
-              <a:rPr b="0" lang="de-DE" sz="2200" spc="-52" strike="noStrike">
-                <a:solidFill>
-                  <a:srgbClr val="000000"/>
-                </a:solidFill>
-                <a:latin typeface="Calibri Light"/>
-              </a:rPr>
-              <a:t>e</a:t>
-            </a:r>
-            <a:r>
-              <a:rPr b="0" lang="de-DE" sz="2200" spc="-52" strike="noStrike">
-                <a:solidFill>
-                  <a:srgbClr val="000000"/>
-                </a:solidFill>
-                <a:latin typeface="Calibri Light"/>
-              </a:rPr>
-              <a:t>r</a:t>
-            </a:r>
-            <a:r>
-              <a:rPr b="0" lang="de-DE" sz="2200" spc="-52" strike="noStrike">
-                <a:solidFill>
-                  <a:srgbClr val="000000"/>
-                </a:solidFill>
-                <a:latin typeface="Calibri Light"/>
-              </a:rPr>
-              <a:t>m</a:t>
-            </a:r>
-            <a:r>
-              <a:rPr b="0" lang="de-DE" sz="2200" spc="-52" strike="noStrike">
-                <a:solidFill>
-                  <a:srgbClr val="000000"/>
-                </a:solidFill>
-                <a:latin typeface="Calibri Light"/>
-              </a:rPr>
-              <a:t>e</a:t>
-            </a:r>
-            <a:r>
-              <a:rPr b="0" lang="de-DE" sz="2200" spc="-52" strike="noStrike">
-                <a:solidFill>
-                  <a:srgbClr val="000000"/>
-                </a:solidFill>
-                <a:latin typeface="Calibri Light"/>
-              </a:rPr>
-              <a:t>t</a:t>
-            </a:r>
-            <a:r>
-              <a:rPr b="0" lang="de-DE" sz="2200" spc="-52" strike="noStrike">
-                <a:solidFill>
-                  <a:srgbClr val="000000"/>
-                </a:solidFill>
-                <a:latin typeface="Calibri Light"/>
-              </a:rPr>
-              <a:t> </a:t>
-            </a:r>
-            <a:r>
-              <a:rPr b="0" lang="de-DE" sz="2200" spc="-52" strike="noStrike">
-                <a:solidFill>
-                  <a:srgbClr val="000000"/>
-                </a:solidFill>
-                <a:latin typeface="Calibri Light"/>
-              </a:rPr>
-              <a:t>d</a:t>
-            </a:r>
-            <a:r>
-              <a:rPr b="0" lang="de-DE" sz="2200" spc="-52" strike="noStrike">
-                <a:solidFill>
-                  <a:srgbClr val="000000"/>
-                </a:solidFill>
-                <a:latin typeface="Calibri Light"/>
-              </a:rPr>
-              <a:t>e</a:t>
-            </a:r>
-            <a:r>
-              <a:rPr b="0" lang="de-DE" sz="2200" spc="-52" strike="noStrike">
-                <a:solidFill>
-                  <a:srgbClr val="000000"/>
-                </a:solidFill>
-                <a:latin typeface="Calibri Light"/>
-              </a:rPr>
-              <a:t> </a:t>
-            </a:r>
-            <a:r>
-              <a:rPr b="0" lang="de-DE" sz="2200" spc="-52" strike="noStrike">
-                <a:solidFill>
-                  <a:srgbClr val="000000"/>
-                </a:solidFill>
-                <a:latin typeface="Calibri Light"/>
-              </a:rPr>
-              <a:t>c</a:t>
-            </a:r>
-            <a:r>
-              <a:rPr b="0" lang="de-DE" sz="2200" spc="-52" strike="noStrike">
-                <a:solidFill>
-                  <a:srgbClr val="000000"/>
-                </a:solidFill>
-                <a:latin typeface="Calibri Light"/>
-              </a:rPr>
-              <a:t>o</a:t>
-            </a:r>
-            <a:r>
-              <a:rPr b="0" lang="de-DE" sz="2200" spc="-52" strike="noStrike">
-                <a:solidFill>
-                  <a:srgbClr val="000000"/>
-                </a:solidFill>
-                <a:latin typeface="Calibri Light"/>
-              </a:rPr>
-              <a:t>n</a:t>
-            </a:r>
-            <a:r>
-              <a:rPr b="0" lang="de-DE" sz="2200" spc="-52" strike="noStrike">
-                <a:solidFill>
-                  <a:srgbClr val="000000"/>
-                </a:solidFill>
-                <a:latin typeface="Calibri Light"/>
-              </a:rPr>
-              <a:t>s</a:t>
-            </a:r>
-            <a:r>
-              <a:rPr b="0" lang="de-DE" sz="2200" spc="-52" strike="noStrike">
-                <a:solidFill>
-                  <a:srgbClr val="000000"/>
-                </a:solidFill>
-                <a:latin typeface="Calibri Light"/>
-              </a:rPr>
-              <a:t>e</a:t>
-            </a:r>
-            <a:r>
-              <a:rPr b="0" lang="de-DE" sz="2200" spc="-52" strike="noStrike">
-                <a:solidFill>
-                  <a:srgbClr val="000000"/>
-                </a:solidFill>
-                <a:latin typeface="Calibri Light"/>
-              </a:rPr>
-              <a:t>r</a:t>
-            </a:r>
-            <a:r>
-              <a:rPr b="0" lang="de-DE" sz="2200" spc="-52" strike="noStrike">
-                <a:solidFill>
-                  <a:srgbClr val="000000"/>
-                </a:solidFill>
-                <a:latin typeface="Calibri Light"/>
-              </a:rPr>
-              <a:t>v</a:t>
-            </a:r>
-            <a:r>
-              <a:rPr b="0" lang="de-DE" sz="2200" spc="-52" strike="noStrike">
-                <a:solidFill>
-                  <a:srgbClr val="000000"/>
-                </a:solidFill>
-                <a:latin typeface="Calibri Light"/>
-              </a:rPr>
-              <a:t>e</a:t>
-            </a:r>
-            <a:r>
-              <a:rPr b="0" lang="de-DE" sz="2200" spc="-52" strike="noStrike">
-                <a:solidFill>
-                  <a:srgbClr val="000000"/>
-                </a:solidFill>
-                <a:latin typeface="Calibri Light"/>
-              </a:rPr>
-              <a:t>r</a:t>
-            </a:r>
-            <a:r>
-              <a:rPr b="0" lang="de-DE" sz="2200" spc="-52" strike="noStrike">
-                <a:solidFill>
-                  <a:srgbClr val="000000"/>
-                </a:solidFill>
-                <a:latin typeface="Calibri Light"/>
-              </a:rPr>
-              <a:t> </a:t>
-            </a:r>
-            <a:r>
-              <a:rPr b="0" lang="de-DE" sz="2200" spc="-52" strike="noStrike">
-                <a:solidFill>
-                  <a:srgbClr val="000000"/>
-                </a:solidFill>
-                <a:latin typeface="Calibri Light"/>
-              </a:rPr>
-              <a:t>p</a:t>
-            </a:r>
-            <a:r>
-              <a:rPr b="0" lang="de-DE" sz="2200" spc="-52" strike="noStrike">
-                <a:solidFill>
-                  <a:srgbClr val="000000"/>
-                </a:solidFill>
-                <a:latin typeface="Calibri Light"/>
-              </a:rPr>
-              <a:t>l</a:t>
-            </a:r>
-            <a:r>
-              <a:rPr b="0" lang="de-DE" sz="2200" spc="-52" strike="noStrike">
-                <a:solidFill>
-                  <a:srgbClr val="000000"/>
-                </a:solidFill>
-                <a:latin typeface="Calibri Light"/>
-              </a:rPr>
-              <a:t>u</a:t>
-            </a:r>
-            <a:r>
-              <a:rPr b="0" lang="de-DE" sz="2200" spc="-52" strike="noStrike">
-                <a:solidFill>
-                  <a:srgbClr val="000000"/>
-                </a:solidFill>
-                <a:latin typeface="Calibri Light"/>
-              </a:rPr>
-              <a:t>s</a:t>
-            </a:r>
-            <a:r>
-              <a:rPr b="0" lang="de-DE" sz="2200" spc="-52" strike="noStrike">
-                <a:solidFill>
-                  <a:srgbClr val="000000"/>
-                </a:solidFill>
-                <a:latin typeface="Calibri Light"/>
-              </a:rPr>
-              <a:t>i</a:t>
-            </a:r>
-            <a:r>
-              <a:rPr b="0" lang="de-DE" sz="2200" spc="-52" strike="noStrike">
-                <a:solidFill>
-                  <a:srgbClr val="000000"/>
-                </a:solidFill>
-                <a:latin typeface="Calibri Light"/>
-              </a:rPr>
-              <a:t>e</a:t>
-            </a:r>
-            <a:r>
-              <a:rPr b="0" lang="de-DE" sz="2200" spc="-52" strike="noStrike">
-                <a:solidFill>
-                  <a:srgbClr val="000000"/>
-                </a:solidFill>
-                <a:latin typeface="Calibri Light"/>
-              </a:rPr>
-              <a:t>u</a:t>
-            </a:r>
-            <a:r>
-              <a:rPr b="0" lang="de-DE" sz="2200" spc="-52" strike="noStrike">
-                <a:solidFill>
-                  <a:srgbClr val="000000"/>
-                </a:solidFill>
-                <a:latin typeface="Calibri Light"/>
-              </a:rPr>
-              <a:t>r</a:t>
-            </a:r>
-            <a:r>
-              <a:rPr b="0" lang="de-DE" sz="2200" spc="-52" strike="noStrike">
-                <a:solidFill>
-                  <a:srgbClr val="000000"/>
-                </a:solidFill>
-                <a:latin typeface="Calibri Light"/>
-              </a:rPr>
-              <a:t>s</a:t>
-            </a:r>
-            <a:r>
-              <a:rPr b="0" lang="de-DE" sz="2200" spc="-52" strike="noStrike">
-                <a:solidFill>
-                  <a:srgbClr val="000000"/>
-                </a:solidFill>
-                <a:latin typeface="Calibri Light"/>
-              </a:rPr>
-              <a:t> </a:t>
-            </a:r>
-            <a:r>
-              <a:rPr b="0" lang="de-DE" sz="2200" spc="-52" strike="noStrike">
-                <a:solidFill>
-                  <a:srgbClr val="000000"/>
-                </a:solidFill>
-                <a:latin typeface="Calibri Light"/>
-              </a:rPr>
-              <a:t>v</a:t>
-            </a:r>
-            <a:r>
-              <a:rPr b="0" lang="de-DE" sz="2200" spc="-52" strike="noStrike">
-                <a:solidFill>
-                  <a:srgbClr val="000000"/>
-                </a:solidFill>
-                <a:latin typeface="Calibri Light"/>
-              </a:rPr>
-              <a:t>e</a:t>
-            </a:r>
-            <a:r>
-              <a:rPr b="0" lang="de-DE" sz="2200" spc="-52" strike="noStrike">
-                <a:solidFill>
-                  <a:srgbClr val="000000"/>
-                </a:solidFill>
-                <a:latin typeface="Calibri Light"/>
-              </a:rPr>
-              <a:t>r</a:t>
-            </a:r>
-            <a:r>
-              <a:rPr b="0" lang="de-DE" sz="2200" spc="-52" strike="noStrike">
-                <a:solidFill>
-                  <a:srgbClr val="000000"/>
-                </a:solidFill>
-                <a:latin typeface="Calibri Light"/>
-              </a:rPr>
-              <a:t>s</a:t>
-            </a:r>
-            <a:r>
-              <a:rPr b="0" lang="de-DE" sz="2200" spc="-52" strike="noStrike">
-                <a:solidFill>
-                  <a:srgbClr val="000000"/>
-                </a:solidFill>
-                <a:latin typeface="Calibri Light"/>
-              </a:rPr>
-              <a:t>i</a:t>
-            </a:r>
-            <a:r>
-              <a:rPr b="0" lang="de-DE" sz="2200" spc="-52" strike="noStrike">
-                <a:solidFill>
-                  <a:srgbClr val="000000"/>
-                </a:solidFill>
-                <a:latin typeface="Calibri Light"/>
-              </a:rPr>
-              <a:t>o</a:t>
-            </a:r>
-            <a:r>
-              <a:rPr b="0" lang="de-DE" sz="2200" spc="-52" strike="noStrike">
-                <a:solidFill>
-                  <a:srgbClr val="000000"/>
-                </a:solidFill>
-                <a:latin typeface="Calibri Light"/>
-              </a:rPr>
-              <a:t>n</a:t>
-            </a:r>
-            <a:r>
-              <a:rPr b="0" lang="de-DE" sz="2200" spc="-52" strike="noStrike">
-                <a:solidFill>
-                  <a:srgbClr val="000000"/>
-                </a:solidFill>
-                <a:latin typeface="Calibri Light"/>
-              </a:rPr>
-              <a:t>s</a:t>
-            </a:r>
-            <a:r>
-              <a:rPr b="0" lang="de-DE" sz="2200" spc="-52" strike="noStrike">
-                <a:solidFill>
-                  <a:srgbClr val="000000"/>
-                </a:solidFill>
-                <a:latin typeface="Calibri Light"/>
-              </a:rPr>
-              <a:t> </a:t>
-            </a:r>
-            <a:r>
-              <a:rPr b="0" lang="de-DE" sz="2200" spc="-52" strike="noStrike">
-                <a:solidFill>
-                  <a:srgbClr val="000000"/>
-                </a:solidFill>
-                <a:latin typeface="Calibri Light"/>
-              </a:rPr>
-              <a:t>d</a:t>
-            </a:r>
-            <a:r>
-              <a:rPr b="0" lang="de-DE" sz="2200" spc="-52" strike="noStrike">
-                <a:solidFill>
-                  <a:srgbClr val="000000"/>
-                </a:solidFill>
-                <a:latin typeface="Calibri Light"/>
-              </a:rPr>
-              <a:t>e</a:t>
-            </a:r>
-            <a:r>
-              <a:rPr b="0" lang="de-DE" sz="2200" spc="-52" strike="noStrike">
-                <a:solidFill>
-                  <a:srgbClr val="000000"/>
-                </a:solidFill>
-                <a:latin typeface="Calibri Light"/>
-              </a:rPr>
-              <a:t>s</a:t>
-            </a:r>
-            <a:r>
-              <a:rPr b="0" lang="de-DE" sz="2200" spc="-52" strike="noStrike">
-                <a:solidFill>
-                  <a:srgbClr val="000000"/>
-                </a:solidFill>
-                <a:latin typeface="Calibri Light"/>
-              </a:rPr>
-              <a:t> </a:t>
-            </a:r>
-            <a:r>
-              <a:rPr b="0" lang="de-DE" sz="2200" spc="-52" strike="noStrike">
-                <a:solidFill>
-                  <a:srgbClr val="000000"/>
-                </a:solidFill>
-                <a:latin typeface="Calibri Light"/>
-              </a:rPr>
-              <a:t>f</a:t>
-            </a:r>
-            <a:r>
-              <a:rPr b="0" lang="de-DE" sz="2200" spc="-52" strike="noStrike">
-                <a:solidFill>
-                  <a:srgbClr val="000000"/>
-                </a:solidFill>
-                <a:latin typeface="Calibri Light"/>
-              </a:rPr>
-              <a:t>i</a:t>
-            </a:r>
-            <a:r>
-              <a:rPr b="0" lang="de-DE" sz="2200" spc="-52" strike="noStrike">
-                <a:solidFill>
-                  <a:srgbClr val="000000"/>
-                </a:solidFill>
-                <a:latin typeface="Calibri Light"/>
-              </a:rPr>
-              <a:t>c</a:t>
-            </a:r>
-            <a:r>
-              <a:rPr b="0" lang="de-DE" sz="2200" spc="-52" strike="noStrike">
-                <a:solidFill>
-                  <a:srgbClr val="000000"/>
-                </a:solidFill>
-                <a:latin typeface="Calibri Light"/>
-              </a:rPr>
-              <a:t>h</a:t>
-            </a:r>
-            <a:r>
-              <a:rPr b="0" lang="de-DE" sz="2200" spc="-52" strike="noStrike">
-                <a:solidFill>
-                  <a:srgbClr val="000000"/>
-                </a:solidFill>
-                <a:latin typeface="Calibri Light"/>
-              </a:rPr>
-              <a:t>i</a:t>
-            </a:r>
-            <a:r>
-              <a:rPr b="0" lang="de-DE" sz="2200" spc="-52" strike="noStrike">
-                <a:solidFill>
-                  <a:srgbClr val="000000"/>
-                </a:solidFill>
-                <a:latin typeface="Calibri Light"/>
-              </a:rPr>
-              <a:t>e</a:t>
-            </a:r>
-            <a:r>
-              <a:rPr b="0" lang="de-DE" sz="2200" spc="-52" strike="noStrike">
-                <a:solidFill>
-                  <a:srgbClr val="000000"/>
-                </a:solidFill>
-                <a:latin typeface="Calibri Light"/>
-              </a:rPr>
-              <a:t>r</a:t>
-            </a:r>
-            <a:r>
-              <a:rPr b="0" lang="de-DE" sz="2200" spc="-52" strike="noStrike">
-                <a:solidFill>
-                  <a:srgbClr val="000000"/>
-                </a:solidFill>
-                <a:latin typeface="Calibri Light"/>
-              </a:rPr>
-              <a:t>s</a:t>
-            </a:r>
-            <a:r>
-              <a:rPr b="0" lang="de-DE" sz="2200" spc="-52" strike="noStrike">
-                <a:solidFill>
-                  <a:srgbClr val="000000"/>
-                </a:solidFill>
-                <a:latin typeface="Calibri Light"/>
-              </a:rPr>
-              <a:t> </a:t>
-            </a:r>
-            <a:r>
-              <a:rPr b="0" lang="de-DE" sz="2200" spc="-52" strike="noStrike">
-                <a:solidFill>
-                  <a:srgbClr val="000000"/>
-                </a:solidFill>
-                <a:latin typeface="Calibri Light"/>
-              </a:rPr>
-              <a:t>d</a:t>
-            </a:r>
-            <a:r>
-              <a:rPr b="0" lang="de-DE" sz="2200" spc="-52" strike="noStrike">
-                <a:solidFill>
-                  <a:srgbClr val="000000"/>
-                </a:solidFill>
-                <a:latin typeface="Calibri Light"/>
-              </a:rPr>
-              <a:t>’</a:t>
-            </a:r>
-            <a:r>
-              <a:rPr b="0" lang="de-DE" sz="2200" spc="-52" strike="noStrike">
-                <a:solidFill>
-                  <a:srgbClr val="000000"/>
-                </a:solidFill>
-                <a:latin typeface="Calibri Light"/>
-              </a:rPr>
-              <a:t>u</a:t>
-            </a:r>
-            <a:r>
-              <a:rPr b="0" lang="de-DE" sz="2200" spc="-52" strike="noStrike">
-                <a:solidFill>
-                  <a:srgbClr val="000000"/>
-                </a:solidFill>
-                <a:latin typeface="Calibri Light"/>
-              </a:rPr>
-              <a:t>n</a:t>
-            </a:r>
-            <a:r>
-              <a:rPr b="0" lang="de-DE" sz="2200" spc="-52" strike="noStrike">
-                <a:solidFill>
-                  <a:srgbClr val="000000"/>
-                </a:solidFill>
-                <a:latin typeface="Calibri Light"/>
-              </a:rPr>
-              <a:t> </a:t>
-            </a:r>
-            <a:r>
-              <a:rPr b="0" lang="de-DE" sz="2200" spc="-52" strike="noStrike">
-                <a:solidFill>
-                  <a:srgbClr val="000000"/>
-                </a:solidFill>
-                <a:latin typeface="Calibri Light"/>
-              </a:rPr>
-              <a:t>m</a:t>
-            </a:r>
-            <a:r>
-              <a:rPr b="0" lang="de-DE" sz="2200" spc="-52" strike="noStrike">
-                <a:solidFill>
-                  <a:srgbClr val="000000"/>
-                </a:solidFill>
-                <a:latin typeface="Calibri Light"/>
-              </a:rPr>
-              <a:t>ê</a:t>
-            </a:r>
-            <a:r>
-              <a:rPr b="0" lang="de-DE" sz="2200" spc="-52" strike="noStrike">
-                <a:solidFill>
-                  <a:srgbClr val="000000"/>
-                </a:solidFill>
-                <a:latin typeface="Calibri Light"/>
-              </a:rPr>
-              <a:t>m</a:t>
-            </a:r>
-            <a:r>
-              <a:rPr b="0" lang="de-DE" sz="2200" spc="-52" strike="noStrike">
-                <a:solidFill>
-                  <a:srgbClr val="000000"/>
-                </a:solidFill>
-                <a:latin typeface="Calibri Light"/>
-              </a:rPr>
-              <a:t>e</a:t>
-            </a:r>
-            <a:r>
-              <a:rPr b="0" lang="de-DE" sz="2200" spc="-52" strike="noStrike">
-                <a:solidFill>
-                  <a:srgbClr val="000000"/>
-                </a:solidFill>
-                <a:latin typeface="Calibri Light"/>
-              </a:rPr>
-              <a:t> </a:t>
-            </a:r>
-            <a:r>
-              <a:rPr b="0" lang="de-DE" sz="2200" spc="-52" strike="noStrike">
-                <a:solidFill>
-                  <a:srgbClr val="000000"/>
-                </a:solidFill>
-                <a:latin typeface="Calibri Light"/>
-              </a:rPr>
-              <a:t>d</a:t>
-            </a:r>
-            <a:r>
-              <a:rPr b="0" lang="de-DE" sz="2200" spc="-52" strike="noStrike">
-                <a:solidFill>
-                  <a:srgbClr val="000000"/>
-                </a:solidFill>
-                <a:latin typeface="Calibri Light"/>
-              </a:rPr>
-              <a:t>o</a:t>
-            </a:r>
-            <a:r>
-              <a:rPr b="0" lang="de-DE" sz="2200" spc="-52" strike="noStrike">
-                <a:solidFill>
-                  <a:srgbClr val="000000"/>
-                </a:solidFill>
-                <a:latin typeface="Calibri Light"/>
-              </a:rPr>
-              <a:t>s</a:t>
-            </a:r>
-            <a:r>
-              <a:rPr b="0" lang="de-DE" sz="2200" spc="-52" strike="noStrike">
-                <a:solidFill>
-                  <a:srgbClr val="000000"/>
-                </a:solidFill>
-                <a:latin typeface="Calibri Light"/>
-              </a:rPr>
-              <a:t>s</a:t>
-            </a:r>
-            <a:r>
-              <a:rPr b="0" lang="de-DE" sz="2200" spc="-52" strike="noStrike">
-                <a:solidFill>
-                  <a:srgbClr val="000000"/>
-                </a:solidFill>
-                <a:latin typeface="Calibri Light"/>
-              </a:rPr>
-              <a:t>i</a:t>
-            </a:r>
-            <a:r>
-              <a:rPr b="0" lang="de-DE" sz="2200" spc="-52" strike="noStrike">
-                <a:solidFill>
-                  <a:srgbClr val="000000"/>
-                </a:solidFill>
-                <a:latin typeface="Calibri Light"/>
-              </a:rPr>
-              <a:t>e</a:t>
-            </a:r>
-            <a:r>
-              <a:rPr b="0" lang="de-DE" sz="2200" spc="-52" strike="noStrike">
-                <a:solidFill>
-                  <a:srgbClr val="000000"/>
-                </a:solidFill>
-                <a:latin typeface="Calibri Light"/>
-              </a:rPr>
-              <a:t>r</a:t>
-            </a:r>
-            <a:r>
-              <a:rPr b="0" lang="de-DE" sz="2200" spc="-52" strike="noStrike">
-                <a:solidFill>
-                  <a:srgbClr val="000000"/>
-                </a:solidFill>
-                <a:latin typeface="Calibri Light"/>
-              </a:rPr>
-              <a:t> </a:t>
-            </a:r>
-            <a:r>
-              <a:rPr b="0" lang="de-DE" sz="2200" spc="-52" strike="noStrike">
-                <a:solidFill>
-                  <a:srgbClr val="000000"/>
-                </a:solidFill>
-                <a:latin typeface="Calibri Light"/>
-              </a:rPr>
-              <a:t>p</a:t>
-            </a:r>
-            <a:r>
-              <a:rPr b="0" lang="de-DE" sz="2200" spc="-52" strike="noStrike">
-                <a:solidFill>
-                  <a:srgbClr val="000000"/>
-                </a:solidFill>
-                <a:latin typeface="Calibri Light"/>
-              </a:rPr>
-              <a:t>u</a:t>
-            </a:r>
-            <a:r>
-              <a:rPr b="0" lang="de-DE" sz="2200" spc="-52" strike="noStrike">
-                <a:solidFill>
-                  <a:srgbClr val="000000"/>
-                </a:solidFill>
-                <a:latin typeface="Calibri Light"/>
-              </a:rPr>
-              <a:t>i</a:t>
-            </a:r>
-            <a:r>
-              <a:rPr b="0" lang="de-DE" sz="2200" spc="-52" strike="noStrike">
-                <a:solidFill>
-                  <a:srgbClr val="000000"/>
-                </a:solidFill>
-                <a:latin typeface="Calibri Light"/>
-              </a:rPr>
-              <a:t>s</a:t>
-            </a:r>
-            <a:r>
-              <a:rPr b="0" lang="de-DE" sz="2200" spc="-52" strike="noStrike">
-                <a:solidFill>
-                  <a:srgbClr val="000000"/>
-                </a:solidFill>
-                <a:latin typeface="Calibri Light"/>
-              </a:rPr>
-              <a:t>q</a:t>
-            </a:r>
-            <a:r>
-              <a:rPr b="0" lang="de-DE" sz="2200" spc="-52" strike="noStrike">
-                <a:solidFill>
-                  <a:srgbClr val="000000"/>
-                </a:solidFill>
-                <a:latin typeface="Calibri Light"/>
-              </a:rPr>
-              <a:t>u</a:t>
-            </a:r>
-            <a:r>
-              <a:rPr b="0" lang="de-DE" sz="2200" spc="-52" strike="noStrike">
-                <a:solidFill>
-                  <a:srgbClr val="000000"/>
-                </a:solidFill>
-                <a:latin typeface="Calibri Light"/>
-              </a:rPr>
-              <a:t>e</a:t>
-            </a:r>
-            <a:r>
-              <a:rPr b="0" lang="de-DE" sz="2200" spc="-52" strike="noStrike">
-                <a:solidFill>
-                  <a:srgbClr val="000000"/>
-                </a:solidFill>
-                <a:latin typeface="Calibri Light"/>
-              </a:rPr>
-              <a:t> </a:t>
-            </a:r>
-            <a:r>
-              <a:rPr b="0" lang="de-DE" sz="2200" spc="-52" strike="noStrike">
-                <a:solidFill>
-                  <a:srgbClr val="000000"/>
-                </a:solidFill>
-                <a:latin typeface="Calibri Light"/>
-              </a:rPr>
-              <a:t>l</a:t>
-            </a:r>
-            <a:r>
-              <a:rPr b="0" lang="de-DE" sz="2200" spc="-52" strike="noStrike">
-                <a:solidFill>
-                  <a:srgbClr val="000000"/>
-                </a:solidFill>
-                <a:latin typeface="Calibri Light"/>
-              </a:rPr>
-              <a:t>e</a:t>
-            </a:r>
-            <a:r>
-              <a:rPr b="0" lang="de-DE" sz="2200" spc="-52" strike="noStrike">
-                <a:solidFill>
-                  <a:srgbClr val="000000"/>
-                </a:solidFill>
-                <a:latin typeface="Calibri Light"/>
-              </a:rPr>
-              <a:t>s</a:t>
-            </a:r>
-            <a:r>
-              <a:rPr b="0" lang="de-DE" sz="2200" spc="-52" strike="noStrike">
-                <a:solidFill>
-                  <a:srgbClr val="000000"/>
-                </a:solidFill>
-                <a:latin typeface="Calibri Light"/>
-              </a:rPr>
-              <a:t> </a:t>
-            </a:r>
-            <a:r>
-              <a:rPr b="0" lang="de-DE" sz="2200" spc="-52" strike="noStrike">
-                <a:solidFill>
-                  <a:srgbClr val="000000"/>
-                </a:solidFill>
-                <a:latin typeface="Calibri Light"/>
-              </a:rPr>
-              <a:t>m</a:t>
-            </a:r>
-            <a:r>
-              <a:rPr b="0" lang="de-DE" sz="2200" spc="-52" strike="noStrike">
-                <a:solidFill>
-                  <a:srgbClr val="000000"/>
-                </a:solidFill>
-                <a:latin typeface="Calibri Light"/>
-              </a:rPr>
-              <a:t>o</a:t>
-            </a:r>
-            <a:r>
-              <a:rPr b="0" lang="de-DE" sz="2200" spc="-52" strike="noStrike">
-                <a:solidFill>
-                  <a:srgbClr val="000000"/>
-                </a:solidFill>
-                <a:latin typeface="Calibri Light"/>
-              </a:rPr>
-              <a:t>d</a:t>
-            </a:r>
-            <a:r>
-              <a:rPr b="0" lang="de-DE" sz="2200" spc="-52" strike="noStrike">
-                <a:solidFill>
-                  <a:srgbClr val="000000"/>
-                </a:solidFill>
-                <a:latin typeface="Calibri Light"/>
-              </a:rPr>
-              <a:t>i</a:t>
-            </a:r>
-            <a:r>
-              <a:rPr b="0" lang="de-DE" sz="2200" spc="-52" strike="noStrike">
-                <a:solidFill>
-                  <a:srgbClr val="000000"/>
-                </a:solidFill>
-                <a:latin typeface="Calibri Light"/>
-              </a:rPr>
-              <a:t>f</a:t>
-            </a:r>
-            <a:r>
-              <a:rPr b="0" lang="de-DE" sz="2200" spc="-52" strike="noStrike">
-                <a:solidFill>
-                  <a:srgbClr val="000000"/>
-                </a:solidFill>
-                <a:latin typeface="Calibri Light"/>
-              </a:rPr>
-              <a:t>i</a:t>
-            </a:r>
-            <a:r>
-              <a:rPr b="0" lang="de-DE" sz="2200" spc="-52" strike="noStrike">
-                <a:solidFill>
-                  <a:srgbClr val="000000"/>
-                </a:solidFill>
-                <a:latin typeface="Calibri Light"/>
-              </a:rPr>
-              <a:t>c</a:t>
-            </a:r>
-            <a:r>
-              <a:rPr b="0" lang="de-DE" sz="2200" spc="-52" strike="noStrike">
-                <a:solidFill>
-                  <a:srgbClr val="000000"/>
-                </a:solidFill>
-                <a:latin typeface="Calibri Light"/>
-              </a:rPr>
-              <a:t>a</a:t>
-            </a:r>
-            <a:r>
-              <a:rPr b="0" lang="de-DE" sz="2200" spc="-52" strike="noStrike">
-                <a:solidFill>
-                  <a:srgbClr val="000000"/>
-                </a:solidFill>
-                <a:latin typeface="Calibri Light"/>
-              </a:rPr>
-              <a:t>t</a:t>
-            </a:r>
-            <a:r>
-              <a:rPr b="0" lang="de-DE" sz="2200" spc="-52" strike="noStrike">
-                <a:solidFill>
-                  <a:srgbClr val="000000"/>
-                </a:solidFill>
-                <a:latin typeface="Calibri Light"/>
-              </a:rPr>
-              <a:t>i</a:t>
-            </a:r>
-            <a:r>
-              <a:rPr b="0" lang="de-DE" sz="2200" spc="-52" strike="noStrike">
-                <a:solidFill>
-                  <a:srgbClr val="000000"/>
-                </a:solidFill>
-                <a:latin typeface="Calibri Light"/>
-              </a:rPr>
-              <a:t>o</a:t>
-            </a:r>
-            <a:r>
-              <a:rPr b="0" lang="de-DE" sz="2200" spc="-52" strike="noStrike">
-                <a:solidFill>
-                  <a:srgbClr val="000000"/>
-                </a:solidFill>
-                <a:latin typeface="Calibri Light"/>
-              </a:rPr>
-              <a:t>n</a:t>
-            </a:r>
-            <a:r>
-              <a:rPr b="0" lang="de-DE" sz="2200" spc="-52" strike="noStrike">
-                <a:solidFill>
-                  <a:srgbClr val="000000"/>
-                </a:solidFill>
-                <a:latin typeface="Calibri Light"/>
-              </a:rPr>
-              <a:t>s</a:t>
-            </a:r>
-            <a:r>
-              <a:rPr b="0" lang="de-DE" sz="2200" spc="-52" strike="noStrike">
-                <a:solidFill>
-                  <a:srgbClr val="000000"/>
-                </a:solidFill>
-                <a:latin typeface="Calibri Light"/>
-              </a:rPr>
-              <a:t> </a:t>
-            </a:r>
-            <a:r>
-              <a:rPr b="0" lang="de-DE" sz="2200" spc="-52" strike="noStrike">
-                <a:solidFill>
-                  <a:srgbClr val="000000"/>
-                </a:solidFill>
-                <a:latin typeface="Calibri Light"/>
-              </a:rPr>
-              <a:t>e</a:t>
-            </a:r>
-            <a:r>
-              <a:rPr b="0" lang="de-DE" sz="2200" spc="-52" strike="noStrike">
-                <a:solidFill>
-                  <a:srgbClr val="000000"/>
-                </a:solidFill>
-                <a:latin typeface="Calibri Light"/>
-              </a:rPr>
-              <a:t>f</a:t>
-            </a:r>
-            <a:r>
-              <a:rPr b="0" lang="de-DE" sz="2200" spc="-52" strike="noStrike">
-                <a:solidFill>
-                  <a:srgbClr val="000000"/>
-                </a:solidFill>
-                <a:latin typeface="Calibri Light"/>
-              </a:rPr>
-              <a:t>f</a:t>
-            </a:r>
-            <a:r>
-              <a:rPr b="0" lang="de-DE" sz="2200" spc="-52" strike="noStrike">
-                <a:solidFill>
-                  <a:srgbClr val="000000"/>
-                </a:solidFill>
-                <a:latin typeface="Calibri Light"/>
-              </a:rPr>
-              <a:t>e</a:t>
-            </a:r>
-            <a:r>
-              <a:rPr b="0" lang="de-DE" sz="2200" spc="-52" strike="noStrike">
-                <a:solidFill>
-                  <a:srgbClr val="000000"/>
-                </a:solidFill>
-                <a:latin typeface="Calibri Light"/>
-              </a:rPr>
-              <a:t>c</a:t>
-            </a:r>
-            <a:r>
-              <a:rPr b="0" lang="de-DE" sz="2200" spc="-52" strike="noStrike">
-                <a:solidFill>
-                  <a:srgbClr val="000000"/>
-                </a:solidFill>
-                <a:latin typeface="Calibri Light"/>
-              </a:rPr>
-              <a:t>t</a:t>
-            </a:r>
-            <a:r>
-              <a:rPr b="0" lang="de-DE" sz="2200" spc="-52" strike="noStrike">
-                <a:solidFill>
-                  <a:srgbClr val="000000"/>
-                </a:solidFill>
-                <a:latin typeface="Calibri Light"/>
-              </a:rPr>
-              <a:t>u</a:t>
-            </a:r>
-            <a:r>
-              <a:rPr b="0" lang="de-DE" sz="2200" spc="-52" strike="noStrike">
-                <a:solidFill>
-                  <a:srgbClr val="000000"/>
-                </a:solidFill>
-                <a:latin typeface="Calibri Light"/>
-              </a:rPr>
-              <a:t>é</a:t>
-            </a:r>
-            <a:r>
-              <a:rPr b="0" lang="de-DE" sz="2200" spc="-52" strike="noStrike">
-                <a:solidFill>
-                  <a:srgbClr val="000000"/>
-                </a:solidFill>
-                <a:latin typeface="Calibri Light"/>
-              </a:rPr>
-              <a:t>e</a:t>
-            </a:r>
-            <a:r>
-              <a:rPr b="0" lang="de-DE" sz="2200" spc="-52" strike="noStrike">
-                <a:solidFill>
-                  <a:srgbClr val="000000"/>
-                </a:solidFill>
-                <a:latin typeface="Calibri Light"/>
-              </a:rPr>
-              <a:t>s</a:t>
-            </a:r>
-            <a:r>
-              <a:rPr b="0" lang="de-DE" sz="2200" spc="-52" strike="noStrike">
-                <a:solidFill>
-                  <a:srgbClr val="000000"/>
-                </a:solidFill>
-                <a:latin typeface="Calibri Light"/>
-              </a:rPr>
-              <a:t> </a:t>
-            </a:r>
-            <a:r>
-              <a:rPr b="0" lang="de-DE" sz="2200" spc="-52" strike="noStrike">
-                <a:solidFill>
-                  <a:srgbClr val="000000"/>
-                </a:solidFill>
-                <a:latin typeface="Calibri Light"/>
-              </a:rPr>
-              <a:t>s</a:t>
-            </a:r>
-            <a:r>
-              <a:rPr b="0" lang="de-DE" sz="2200" spc="-52" strike="noStrike">
-                <a:solidFill>
-                  <a:srgbClr val="000000"/>
-                </a:solidFill>
-                <a:latin typeface="Calibri Light"/>
-              </a:rPr>
-              <a:t>u</a:t>
-            </a:r>
-            <a:r>
-              <a:rPr b="0" lang="de-DE" sz="2200" spc="-52" strike="noStrike">
-                <a:solidFill>
-                  <a:srgbClr val="000000"/>
-                </a:solidFill>
-                <a:latin typeface="Calibri Light"/>
-              </a:rPr>
-              <a:t>r</a:t>
-            </a:r>
-            <a:r>
-              <a:rPr b="0" lang="de-DE" sz="2200" spc="-52" strike="noStrike">
-                <a:solidFill>
-                  <a:srgbClr val="000000"/>
-                </a:solidFill>
-                <a:latin typeface="Calibri Light"/>
-              </a:rPr>
-              <a:t> </a:t>
-            </a:r>
-            <a:r>
-              <a:rPr b="0" lang="de-DE" sz="2200" spc="-52" strike="noStrike">
-                <a:solidFill>
-                  <a:srgbClr val="000000"/>
-                </a:solidFill>
-                <a:latin typeface="Calibri Light"/>
-              </a:rPr>
-              <a:t>u</a:t>
-            </a:r>
-            <a:r>
-              <a:rPr b="0" lang="de-DE" sz="2200" spc="-52" strike="noStrike">
-                <a:solidFill>
-                  <a:srgbClr val="000000"/>
-                </a:solidFill>
-                <a:latin typeface="Calibri Light"/>
-              </a:rPr>
-              <a:t>n</a:t>
-            </a:r>
-            <a:r>
-              <a:rPr b="0" lang="de-DE" sz="2200" spc="-52" strike="noStrike">
-                <a:solidFill>
-                  <a:srgbClr val="000000"/>
-                </a:solidFill>
-                <a:latin typeface="Calibri Light"/>
-              </a:rPr>
-              <a:t>e</a:t>
-            </a:r>
-            <a:r>
-              <a:rPr b="0" lang="de-DE" sz="2200" spc="-52" strike="noStrike">
-                <a:solidFill>
-                  <a:srgbClr val="000000"/>
-                </a:solidFill>
-                <a:latin typeface="Calibri Light"/>
-              </a:rPr>
-              <a:t> </a:t>
-            </a:r>
-            <a:r>
-              <a:rPr b="0" lang="de-DE" sz="2200" spc="-52" strike="noStrike">
-                <a:solidFill>
-                  <a:srgbClr val="000000"/>
-                </a:solidFill>
-                <a:latin typeface="Calibri Light"/>
-              </a:rPr>
-              <a:t>b</a:t>
-            </a:r>
-            <a:r>
-              <a:rPr b="0" lang="de-DE" sz="2200" spc="-52" strike="noStrike">
-                <a:solidFill>
-                  <a:srgbClr val="000000"/>
-                </a:solidFill>
-                <a:latin typeface="Calibri Light"/>
-              </a:rPr>
-              <a:t>r</a:t>
-            </a:r>
-            <a:r>
-              <a:rPr b="0" lang="de-DE" sz="2200" spc="-52" strike="noStrike">
-                <a:solidFill>
-                  <a:srgbClr val="000000"/>
-                </a:solidFill>
-                <a:latin typeface="Calibri Light"/>
-              </a:rPr>
-              <a:t>a</a:t>
-            </a:r>
-            <a:r>
-              <a:rPr b="0" lang="de-DE" sz="2200" spc="-52" strike="noStrike">
-                <a:solidFill>
-                  <a:srgbClr val="000000"/>
-                </a:solidFill>
-                <a:latin typeface="Calibri Light"/>
-              </a:rPr>
-              <a:t>n</a:t>
-            </a:r>
-            <a:r>
-              <a:rPr b="0" lang="de-DE" sz="2200" spc="-52" strike="noStrike">
-                <a:solidFill>
-                  <a:srgbClr val="000000"/>
-                </a:solidFill>
-                <a:latin typeface="Calibri Light"/>
-              </a:rPr>
-              <a:t>c</a:t>
-            </a:r>
-            <a:r>
-              <a:rPr b="0" lang="de-DE" sz="2200" spc="-52" strike="noStrike">
-                <a:solidFill>
-                  <a:srgbClr val="000000"/>
-                </a:solidFill>
-                <a:latin typeface="Calibri Light"/>
-              </a:rPr>
-              <a:t>h</a:t>
-            </a:r>
-            <a:r>
-              <a:rPr b="0" lang="de-DE" sz="2200" spc="-52" strike="noStrike">
-                <a:solidFill>
-                  <a:srgbClr val="000000"/>
-                </a:solidFill>
-                <a:latin typeface="Calibri Light"/>
-              </a:rPr>
-              <a:t>e</a:t>
-            </a:r>
-            <a:r>
-              <a:rPr b="0" lang="de-DE" sz="2200" spc="-52" strike="noStrike">
-                <a:solidFill>
-                  <a:srgbClr val="000000"/>
-                </a:solidFill>
-                <a:latin typeface="Calibri Light"/>
-              </a:rPr>
-              <a:t> </a:t>
-            </a:r>
-            <a:r>
-              <a:rPr b="0" lang="de-DE" sz="2200" spc="-52" strike="noStrike">
-                <a:solidFill>
-                  <a:srgbClr val="000000"/>
-                </a:solidFill>
-                <a:latin typeface="Calibri Light"/>
-              </a:rPr>
-              <a:t>n</a:t>
-            </a:r>
-            <a:r>
-              <a:rPr b="0" lang="de-DE" sz="2200" spc="-52" strike="noStrike">
-                <a:solidFill>
-                  <a:srgbClr val="000000"/>
-                </a:solidFill>
-                <a:latin typeface="Calibri Light"/>
-              </a:rPr>
-              <a:t>e</a:t>
-            </a:r>
-            <a:r>
-              <a:rPr b="0" lang="de-DE" sz="2200" spc="-52" strike="noStrike">
-                <a:solidFill>
-                  <a:srgbClr val="000000"/>
-                </a:solidFill>
-                <a:latin typeface="Calibri Light"/>
-              </a:rPr>
-              <a:t> </a:t>
-            </a:r>
-            <a:r>
-              <a:rPr b="0" lang="de-DE" sz="2200" spc="-52" strike="noStrike">
-                <a:solidFill>
-                  <a:srgbClr val="000000"/>
-                </a:solidFill>
-                <a:latin typeface="Calibri Light"/>
-              </a:rPr>
-              <a:t>s</a:t>
-            </a:r>
-            <a:r>
-              <a:rPr b="0" lang="de-DE" sz="2200" spc="-52" strike="noStrike">
-                <a:solidFill>
-                  <a:srgbClr val="000000"/>
-                </a:solidFill>
-                <a:latin typeface="Calibri Light"/>
-              </a:rPr>
-              <a:t>e</a:t>
-            </a:r>
-            <a:r>
-              <a:rPr b="0" lang="de-DE" sz="2200" spc="-52" strike="noStrike">
-                <a:solidFill>
-                  <a:srgbClr val="000000"/>
-                </a:solidFill>
-                <a:latin typeface="Calibri Light"/>
-              </a:rPr>
-              <a:t> </a:t>
-            </a:r>
-            <a:r>
-              <a:rPr b="0" lang="de-DE" sz="2200" spc="-52" strike="noStrike">
-                <a:solidFill>
-                  <a:srgbClr val="000000"/>
-                </a:solidFill>
-                <a:latin typeface="Calibri Light"/>
-              </a:rPr>
-              <a:t>r</a:t>
-            </a:r>
-            <a:r>
-              <a:rPr b="0" lang="de-DE" sz="2200" spc="-52" strike="noStrike">
-                <a:solidFill>
-                  <a:srgbClr val="000000"/>
-                </a:solidFill>
-                <a:latin typeface="Calibri Light"/>
-              </a:rPr>
-              <a:t>e</a:t>
-            </a:r>
-            <a:r>
-              <a:rPr b="0" lang="de-DE" sz="2200" spc="-52" strike="noStrike">
-                <a:solidFill>
-                  <a:srgbClr val="000000"/>
-                </a:solidFill>
-                <a:latin typeface="Calibri Light"/>
-              </a:rPr>
-              <a:t>t</a:t>
-            </a:r>
-            <a:r>
-              <a:rPr b="0" lang="de-DE" sz="2200" spc="-52" strike="noStrike">
-                <a:solidFill>
-                  <a:srgbClr val="000000"/>
-                </a:solidFill>
-                <a:latin typeface="Calibri Light"/>
-              </a:rPr>
-              <a:t>r</a:t>
-            </a:r>
-            <a:r>
-              <a:rPr b="0" lang="de-DE" sz="2200" spc="-52" strike="noStrike">
-                <a:solidFill>
-                  <a:srgbClr val="000000"/>
-                </a:solidFill>
-                <a:latin typeface="Calibri Light"/>
-              </a:rPr>
-              <a:t>o</a:t>
-            </a:r>
-            <a:r>
-              <a:rPr b="0" lang="de-DE" sz="2200" spc="-52" strike="noStrike">
-                <a:solidFill>
-                  <a:srgbClr val="000000"/>
-                </a:solidFill>
-                <a:latin typeface="Calibri Light"/>
-              </a:rPr>
-              <a:t>u</a:t>
-            </a:r>
-            <a:r>
-              <a:rPr b="0" lang="de-DE" sz="2200" spc="-52" strike="noStrike">
-                <a:solidFill>
-                  <a:srgbClr val="000000"/>
-                </a:solidFill>
-                <a:latin typeface="Calibri Light"/>
-              </a:rPr>
-              <a:t>v</a:t>
-            </a:r>
-            <a:r>
-              <a:rPr b="0" lang="de-DE" sz="2200" spc="-52" strike="noStrike">
-                <a:solidFill>
-                  <a:srgbClr val="000000"/>
-                </a:solidFill>
-                <a:latin typeface="Calibri Light"/>
-              </a:rPr>
-              <a:t>e</a:t>
-            </a:r>
-            <a:r>
-              <a:rPr b="0" lang="de-DE" sz="2200" spc="-52" strike="noStrike">
-                <a:solidFill>
-                  <a:srgbClr val="000000"/>
-                </a:solidFill>
-                <a:latin typeface="Calibri Light"/>
-              </a:rPr>
-              <a:t>n</a:t>
-            </a:r>
-            <a:r>
-              <a:rPr b="0" lang="de-DE" sz="2200" spc="-52" strike="noStrike">
-                <a:solidFill>
-                  <a:srgbClr val="000000"/>
-                </a:solidFill>
-                <a:latin typeface="Calibri Light"/>
-              </a:rPr>
-              <a:t>t</a:t>
-            </a:r>
-            <a:r>
-              <a:rPr b="0" lang="de-DE" sz="2200" spc="-52" strike="noStrike">
-                <a:solidFill>
-                  <a:srgbClr val="000000"/>
-                </a:solidFill>
-                <a:latin typeface="Calibri Light"/>
-              </a:rPr>
-              <a:t> </a:t>
-            </a:r>
-            <a:r>
-              <a:rPr b="0" lang="de-DE" sz="2200" spc="-52" strike="noStrike">
-                <a:solidFill>
-                  <a:srgbClr val="000000"/>
-                </a:solidFill>
-                <a:latin typeface="Calibri Light"/>
-              </a:rPr>
-              <a:t>p</a:t>
-            </a:r>
-            <a:r>
-              <a:rPr b="0" lang="de-DE" sz="2200" spc="-52" strike="noStrike">
-                <a:solidFill>
-                  <a:srgbClr val="000000"/>
-                </a:solidFill>
-                <a:latin typeface="Calibri Light"/>
-              </a:rPr>
-              <a:t>a</a:t>
-            </a:r>
-            <a:r>
-              <a:rPr b="0" lang="de-DE" sz="2200" spc="-52" strike="noStrike">
-                <a:solidFill>
-                  <a:srgbClr val="000000"/>
-                </a:solidFill>
-                <a:latin typeface="Calibri Light"/>
-              </a:rPr>
-              <a:t>s</a:t>
-            </a:r>
-            <a:r>
-              <a:rPr b="0" lang="de-DE" sz="2200" spc="-52" strike="noStrike">
-                <a:solidFill>
-                  <a:srgbClr val="000000"/>
-                </a:solidFill>
-                <a:latin typeface="Calibri Light"/>
-              </a:rPr>
-              <a:t> </a:t>
-            </a:r>
-            <a:r>
-              <a:rPr b="0" lang="de-DE" sz="2200" spc="-52" strike="noStrike">
-                <a:solidFill>
-                  <a:srgbClr val="000000"/>
-                </a:solidFill>
-                <a:latin typeface="Calibri Light"/>
-              </a:rPr>
-              <a:t>s</a:t>
-            </a:r>
-            <a:r>
-              <a:rPr b="0" lang="de-DE" sz="2200" spc="-52" strike="noStrike">
-                <a:solidFill>
-                  <a:srgbClr val="000000"/>
-                </a:solidFill>
-                <a:latin typeface="Calibri Light"/>
-              </a:rPr>
-              <a:t>u</a:t>
-            </a:r>
-            <a:r>
-              <a:rPr b="0" lang="de-DE" sz="2200" spc="-52" strike="noStrike">
-                <a:solidFill>
-                  <a:srgbClr val="000000"/>
-                </a:solidFill>
-                <a:latin typeface="Calibri Light"/>
-              </a:rPr>
-              <a:t>r</a:t>
-            </a:r>
-            <a:r>
-              <a:rPr b="0" lang="de-DE" sz="2200" spc="-52" strike="noStrike">
-                <a:solidFill>
-                  <a:srgbClr val="000000"/>
-                </a:solidFill>
-                <a:latin typeface="Calibri Light"/>
-              </a:rPr>
-              <a:t> </a:t>
-            </a:r>
-            <a:r>
-              <a:rPr b="0" lang="de-DE" sz="2200" spc="-52" strike="noStrike">
-                <a:solidFill>
-                  <a:srgbClr val="000000"/>
-                </a:solidFill>
-                <a:latin typeface="Calibri Light"/>
-              </a:rPr>
-              <a:t>l</a:t>
-            </a:r>
-            <a:r>
-              <a:rPr b="0" lang="de-DE" sz="2200" spc="-52" strike="noStrike">
-                <a:solidFill>
-                  <a:srgbClr val="000000"/>
-                </a:solidFill>
-                <a:latin typeface="Calibri Light"/>
-              </a:rPr>
-              <a:t>e</a:t>
-            </a:r>
-            <a:r>
-              <a:rPr b="0" lang="de-DE" sz="2200" spc="-52" strike="noStrike">
-                <a:solidFill>
-                  <a:srgbClr val="000000"/>
-                </a:solidFill>
-                <a:latin typeface="Calibri Light"/>
-              </a:rPr>
-              <a:t>s</a:t>
-            </a:r>
-            <a:r>
-              <a:rPr b="0" lang="de-DE" sz="2200" spc="-52" strike="noStrike">
-                <a:solidFill>
-                  <a:srgbClr val="000000"/>
-                </a:solidFill>
-                <a:latin typeface="Calibri Light"/>
-              </a:rPr>
-              <a:t> </a:t>
-            </a:r>
-            <a:r>
-              <a:rPr b="0" lang="de-DE" sz="2200" spc="-52" strike="noStrike">
-                <a:solidFill>
-                  <a:srgbClr val="000000"/>
-                </a:solidFill>
-                <a:latin typeface="Calibri Light"/>
-              </a:rPr>
-              <a:t>a</a:t>
-            </a:r>
-            <a:r>
-              <a:rPr b="0" lang="de-DE" sz="2200" spc="-52" strike="noStrike">
-                <a:solidFill>
-                  <a:srgbClr val="000000"/>
-                </a:solidFill>
-                <a:latin typeface="Calibri Light"/>
-              </a:rPr>
-              <a:t>u</a:t>
-            </a:r>
-            <a:r>
-              <a:rPr b="0" lang="de-DE" sz="2200" spc="-52" strike="noStrike">
-                <a:solidFill>
-                  <a:srgbClr val="000000"/>
-                </a:solidFill>
-                <a:latin typeface="Calibri Light"/>
-              </a:rPr>
-              <a:t>t</a:t>
-            </a:r>
-            <a:r>
-              <a:rPr b="0" lang="de-DE" sz="2200" spc="-52" strike="noStrike">
-                <a:solidFill>
-                  <a:srgbClr val="000000"/>
-                </a:solidFill>
-                <a:latin typeface="Calibri Light"/>
-              </a:rPr>
-              <a:t>r</a:t>
-            </a:r>
-            <a:r>
-              <a:rPr b="0" lang="de-DE" sz="2200" spc="-52" strike="noStrike">
-                <a:solidFill>
-                  <a:srgbClr val="000000"/>
-                </a:solidFill>
-                <a:latin typeface="Calibri Light"/>
-              </a:rPr>
-              <a:t>e</a:t>
-            </a:r>
-            <a:r>
-              <a:rPr b="0" lang="de-DE" sz="2200" spc="-52" strike="noStrike">
-                <a:solidFill>
-                  <a:srgbClr val="000000"/>
-                </a:solidFill>
-                <a:latin typeface="Calibri Light"/>
-              </a:rPr>
-              <a:t>s</a:t>
-            </a:r>
-            <a:r>
-              <a:rPr b="0" lang="de-DE" sz="2200" spc="-52" strike="noStrike">
-                <a:solidFill>
-                  <a:srgbClr val="000000"/>
-                </a:solidFill>
-                <a:latin typeface="Calibri Light"/>
-              </a:rPr>
-              <a:t>.</a:t>
+                <a:ea typeface="DejaVu Sans"/>
+              </a:rPr>
+              <a:t>Travailler sur une branche permet de conserver plusieurs versions des fichiers d’un même dossier puisque les modifications effectuées sur une branche ne se retrouvent pas sur les autres.</a:t>
             </a:r>
             <a:endParaRPr b="0" lang="fr-FR" sz="2200" spc="-1" strike="noStrike">
-              <a:solidFill>
-                <a:srgbClr val="000000"/>
-              </a:solidFill>
               <a:latin typeface="Arial"/>
             </a:endParaRPr>
           </a:p>
@@ -9669,7 +8311,7 @@
       </p:sp>
       <p:pic>
         <p:nvPicPr>
-          <p:cNvPr id="191" name="Inhaltsplatzhalter 4" descr=""/>
+          <p:cNvPr id="193" name="Inhaltsplatzhalter 4" descr=""/>
           <p:cNvPicPr/>
           <p:nvPr/>
         </p:nvPicPr>
@@ -9681,7 +8323,7 @@
         <p:spPr>
           <a:xfrm>
             <a:off x="4436640" y="1958040"/>
-            <a:ext cx="3519000" cy="1710360"/>
+            <a:ext cx="3518640" cy="1710000"/>
           </a:xfrm>
           <a:prstGeom prst="rect">
             <a:avLst/>
@@ -9693,14 +8335,14 @@
       </p:pic>
       <p:sp>
         <p:nvSpPr>
-          <p:cNvPr id="192" name="CustomShape 2"/>
+          <p:cNvPr id="194" name="CustomShape 2"/>
           <p:cNvSpPr/>
           <p:nvPr/>
         </p:nvSpPr>
         <p:spPr>
           <a:xfrm>
             <a:off x="457200" y="1815840"/>
-            <a:ext cx="3199680" cy="4668480"/>
+            <a:ext cx="3199320" cy="4668120"/>
           </a:xfrm>
           <a:prstGeom prst="rect">
             <a:avLst/>
@@ -9741,8 +8383,19 @@
                   <a:srgbClr val="ffffff"/>
                 </a:solidFill>
                 <a:latin typeface="Calibri"/>
-              </a:rPr>
-              <a:t>Créez une nouvelle branche (ici </a:t>
+                <a:ea typeface="DejaVu Sans"/>
+              </a:rPr>
+              <a:t>Créez une nouvelle branche (ici appelée </a:t>
+            </a:r>
+            <a:r>
+              <a:rPr b="0" i="1" lang="de-DE" sz="1500" spc="-1" strike="noStrike">
+                <a:solidFill>
+                  <a:srgbClr val="ffffff"/>
+                </a:solidFill>
+                <a:latin typeface="Calibri"/>
+                <a:ea typeface="DejaVu Sans"/>
+              </a:rPr>
+              <a:t>InitialsUpperCase</a:t>
             </a:r>
             <a:r>
               <a:rPr b="0" lang="de-DE" sz="1500" spc="-1" strike="noStrike">
@@ -9750,53 +8403,9 @@
                   <a:srgbClr val="ffffff"/>
                 </a:solidFill>
                 <a:latin typeface="Calibri"/>
-              </a:rPr>
-              <a:t>appelée </a:t>
-            </a:r>
-            <a:r>
-              <a:rPr b="0" i="1" lang="de-DE" sz="1500" spc="-1" strike="noStrike">
-                <a:solidFill>
-                  <a:srgbClr val="ffffff"/>
-                </a:solidFill>
-                <a:latin typeface="Calibri"/>
-              </a:rPr>
-              <a:t>InitialsUpperCase</a:t>
-            </a:r>
-            <a:r>
-              <a:rPr b="0" lang="de-DE" sz="1500" spc="-1" strike="noStrike">
-                <a:solidFill>
-                  <a:srgbClr val="ffffff"/>
-                </a:solidFill>
-                <a:latin typeface="Calibri"/>
-              </a:rPr>
-              <a:t>, </a:t>
-            </a:r>
-            <a:r>
-              <a:rPr b="0" lang="de-DE" sz="1500" spc="-1" strike="noStrike">
-                <a:solidFill>
-                  <a:srgbClr val="ffffff"/>
-                </a:solidFill>
-                <a:latin typeface="Calibri"/>
-              </a:rPr>
-              <a:t>mais elle peut porter le nom </a:t>
-            </a:r>
-            <a:r>
-              <a:rPr b="0" lang="de-DE" sz="1500" spc="-1" strike="noStrike">
-                <a:solidFill>
-                  <a:srgbClr val="ffffff"/>
-                </a:solidFill>
-                <a:latin typeface="Calibri"/>
-              </a:rPr>
-              <a:t>que vous souhaitez lui donner)</a:t>
-            </a:r>
-            <a:r>
-              <a:rPr b="0" lang="de-DE" sz="1500" spc="-1" strike="noStrike">
-                <a:solidFill>
-                  <a:srgbClr val="ffffff"/>
-                </a:solidFill>
-                <a:latin typeface="Calibri"/>
-              </a:rPr>
-              <a:t>.</a:t>
+                <a:ea typeface="DejaVu Sans"/>
+              </a:rPr>
+              <a:t>, mais elle peut porter le nom que vous souhaitez lui donner).</a:t>
             </a:r>
             <a:endParaRPr b="0" lang="fr-FR" sz="1500" spc="-1" strike="noStrike">
               <a:latin typeface="Arial"/>
@@ -9823,8 +8432,19 @@
                   <a:srgbClr val="ffffff"/>
                 </a:solidFill>
                 <a:latin typeface="Calibri"/>
-              </a:rPr>
-              <a:t>Les modifications apportées au </a:t>
+                <a:ea typeface="DejaVu Sans"/>
+              </a:rPr>
+              <a:t>Les modifications apportées au fichier seront désormais prise en compte par la branche </a:t>
+            </a:r>
+            <a:r>
+              <a:rPr b="0" i="1" lang="de-DE" sz="1500" spc="-1" strike="noStrike">
+                <a:solidFill>
+                  <a:srgbClr val="ffffff"/>
+                </a:solidFill>
+                <a:latin typeface="Calibri"/>
+                <a:ea typeface="DejaVu Sans"/>
+              </a:rPr>
+              <a:t>InitialsUpperCase</a:t>
             </a:r>
             <a:r>
               <a:rPr b="0" lang="de-DE" sz="1500" spc="-1" strike="noStrike">
@@ -9832,8 +8452,19 @@
                   <a:srgbClr val="ffffff"/>
                 </a:solidFill>
                 <a:latin typeface="Calibri"/>
-              </a:rPr>
-              <a:t>fichier seront désormais prise </a:t>
+                <a:ea typeface="DejaVu Sans"/>
+              </a:rPr>
+              <a:t> et non plus par la branche </a:t>
+            </a:r>
+            <a:r>
+              <a:rPr b="0" i="1" lang="de-DE" sz="1500" spc="-1" strike="noStrike">
+                <a:solidFill>
+                  <a:srgbClr val="ffffff"/>
+                </a:solidFill>
+                <a:latin typeface="Calibri"/>
+                <a:ea typeface="DejaVu Sans"/>
+              </a:rPr>
+              <a:t>main</a:t>
             </a:r>
             <a:r>
               <a:rPr b="0" lang="de-DE" sz="1500" spc="-1" strike="noStrike">
@@ -9841,51 +8472,7 @@
                   <a:srgbClr val="ffffff"/>
                 </a:solidFill>
                 <a:latin typeface="Calibri"/>
-              </a:rPr>
-              <a:t>en compte par la branche </a:t>
-            </a:r>
-            <a:r>
-              <a:rPr b="0" i="1" lang="de-DE" sz="1500" spc="-1" strike="noStrike">
-                <a:solidFill>
-                  <a:srgbClr val="ffffff"/>
-                </a:solidFill>
-                <a:latin typeface="Calibri"/>
-              </a:rPr>
-              <a:t>InitialsUpperCase</a:t>
-            </a:r>
-            <a:r>
-              <a:rPr b="0" lang="de-DE" sz="1500" spc="-1" strike="noStrike">
-                <a:solidFill>
-                  <a:srgbClr val="ffffff"/>
-                </a:solidFill>
-                <a:latin typeface="Calibri"/>
-              </a:rPr>
-              <a:t> et non plus </a:t>
-            </a:r>
-            <a:r>
-              <a:rPr b="0" lang="de-DE" sz="1500" spc="-1" strike="noStrike">
-                <a:solidFill>
-                  <a:srgbClr val="ffffff"/>
-                </a:solidFill>
-                <a:latin typeface="Calibri"/>
-              </a:rPr>
-              <a:t>par la branche </a:t>
-            </a:r>
-            <a:r>
-              <a:rPr b="0" i="1" lang="de-DE" sz="1500" spc="-1" strike="noStrike">
-                <a:solidFill>
-                  <a:srgbClr val="ffffff"/>
-                </a:solidFill>
-                <a:latin typeface="Calibri"/>
-              </a:rPr>
-              <a:t>main</a:t>
-            </a:r>
-            <a:r>
-              <a:rPr b="0" lang="de-DE" sz="1500" spc="-1" strike="noStrike">
-                <a:solidFill>
-                  <a:srgbClr val="ffffff"/>
-                </a:solidFill>
-                <a:latin typeface="Calibri"/>
+                <a:ea typeface="DejaVu Sans"/>
               </a:rPr>
               <a:t>.</a:t>
             </a:r>
@@ -9914,17 +8501,9 @@
                   <a:srgbClr val="ffffff"/>
                 </a:solidFill>
                 <a:latin typeface="Calibri"/>
-              </a:rPr>
-              <a:t>On peut changer de branche à </a:t>
-            </a:r>
-            <a:r>
-              <a:rPr b="0" lang="de-DE" sz="1500" spc="-1" strike="noStrike">
-                <a:solidFill>
-                  <a:srgbClr val="ffffff"/>
-                </a:solidFill>
-                <a:latin typeface="Calibri"/>
-              </a:rPr>
-              <a:t>tout moment.</a:t>
+                <a:ea typeface="DejaVu Sans"/>
+              </a:rPr>
+              <a:t>On peut changer de branche à tout moment.</a:t>
             </a:r>
             <a:endParaRPr b="0" lang="fr-FR" sz="1500" spc="-1" strike="noStrike">
               <a:latin typeface="Arial"/>
@@ -9951,44 +8530,9 @@
                   <a:srgbClr val="ffffff"/>
                 </a:solidFill>
                 <a:latin typeface="Calibri"/>
-              </a:rPr>
-              <a:t>Modifiez la casse des initiales </a:t>
-            </a:r>
-            <a:r>
-              <a:rPr b="0" lang="de-DE" sz="1500" spc="-1" strike="noStrike">
-                <a:solidFill>
-                  <a:srgbClr val="ffffff"/>
-                </a:solidFill>
-                <a:latin typeface="Calibri"/>
-              </a:rPr>
-              <a:t>dans votre fichier .txt, </a:t>
-            </a:r>
-            <a:r>
-              <a:rPr b="0" lang="de-DE" sz="1500" spc="-1" strike="noStrike">
-                <a:solidFill>
-                  <a:srgbClr val="ffffff"/>
-                </a:solidFill>
-                <a:latin typeface="Calibri"/>
-              </a:rPr>
-              <a:t>sauvegardez et fermez le. </a:t>
-            </a:r>
-            <a:r>
-              <a:rPr b="0" lang="de-DE" sz="1500" spc="-1" strike="noStrike">
-                <a:solidFill>
-                  <a:srgbClr val="ffffff"/>
-                </a:solidFill>
-                <a:latin typeface="Calibri"/>
-              </a:rPr>
-              <a:t>Rédigez un commit sur la </a:t>
-            </a:r>
-            <a:r>
-              <a:rPr b="0" lang="de-DE" sz="1500" spc="-1" strike="noStrike">
-                <a:solidFill>
-                  <a:srgbClr val="ffffff"/>
-                </a:solidFill>
-                <a:latin typeface="Calibri"/>
-              </a:rPr>
-              <a:t>même branche.</a:t>
+                <a:ea typeface="DejaVu Sans"/>
+              </a:rPr>
+              <a:t>Modifiez la casse des initiales dans votre fichier .txt, sauvegardez et fermez le. Rédigez un commit sur la même branche.</a:t>
             </a:r>
             <a:endParaRPr b="0" lang="fr-FR" sz="1500" spc="-1" strike="noStrike">
               <a:latin typeface="Arial"/>
@@ -10015,35 +8559,9 @@
                   <a:srgbClr val="ffffff"/>
                 </a:solidFill>
                 <a:latin typeface="Calibri"/>
-              </a:rPr>
-              <a:t>Publiez la branche. Cela envoie </a:t>
-            </a:r>
-            <a:r>
-              <a:rPr b="0" lang="de-DE" sz="1500" spc="-1" strike="noStrike">
-                <a:solidFill>
-                  <a:srgbClr val="ffffff"/>
-                </a:solidFill>
-                <a:latin typeface="Calibri"/>
-              </a:rPr>
-              <a:t>la branche nouvellement créée </a:t>
-            </a:r>
-            <a:r>
-              <a:rPr b="0" lang="de-DE" sz="1500" spc="-1" strike="noStrike">
-                <a:solidFill>
-                  <a:srgbClr val="ffffff"/>
-                </a:solidFill>
-                <a:latin typeface="Calibri"/>
-              </a:rPr>
-              <a:t>en local sur votre dépôt </a:t>
-            </a:r>
-            <a:r>
-              <a:rPr b="0" lang="de-DE" sz="1500" spc="-1" strike="noStrike">
-                <a:solidFill>
-                  <a:srgbClr val="ffffff"/>
-                </a:solidFill>
-                <a:latin typeface="Calibri"/>
-              </a:rPr>
-              <a:t>distant.</a:t>
+                <a:ea typeface="DejaVu Sans"/>
+              </a:rPr>
+              <a:t>Publiez la branche. Cela envoie la branche nouvellement créée en local sur votre dépôt distant.</a:t>
             </a:r>
             <a:endParaRPr b="0" lang="fr-FR" sz="1500" spc="-1" strike="noStrike">
               <a:latin typeface="Arial"/>
@@ -10070,8 +8588,19 @@
                   <a:srgbClr val="ffffff"/>
                 </a:solidFill>
                 <a:latin typeface="Calibri"/>
-              </a:rPr>
-              <a:t>Si l‘on souhaite conserver le </a:t>
+                <a:ea typeface="DejaVu Sans"/>
+              </a:rPr>
+              <a:t>Si l‘on souhaite conserver le contenu de la branche en la versant dans notre branche principale (</a:t>
+            </a:r>
+            <a:r>
+              <a:rPr b="0" i="1" lang="de-DE" sz="1500" spc="-1" strike="noStrike">
+                <a:solidFill>
+                  <a:srgbClr val="ffffff"/>
+                </a:solidFill>
+                <a:latin typeface="Calibri"/>
+                <a:ea typeface="DejaVu Sans"/>
+              </a:rPr>
+              <a:t>main</a:t>
             </a:r>
             <a:r>
               <a:rPr b="0" lang="de-DE" sz="1500" spc="-1" strike="noStrike">
@@ -10079,8 +8608,19 @@
                   <a:srgbClr val="ffffff"/>
                 </a:solidFill>
                 <a:latin typeface="Calibri"/>
-              </a:rPr>
-              <a:t>contenu de la branche en la </a:t>
+                <a:ea typeface="DejaVu Sans"/>
+              </a:rPr>
+              <a:t>), il suffit de se mettre dans la branche </a:t>
+            </a:r>
+            <a:r>
+              <a:rPr b="0" i="1" lang="de-DE" sz="1500" spc="-1" strike="noStrike">
+                <a:solidFill>
+                  <a:srgbClr val="ffffff"/>
+                </a:solidFill>
+                <a:latin typeface="Calibri"/>
+                <a:ea typeface="DejaVu Sans"/>
+              </a:rPr>
+              <a:t>main</a:t>
             </a:r>
             <a:r>
               <a:rPr b="0" lang="de-DE" sz="1500" spc="-1" strike="noStrike">
@@ -10088,8 +8628,19 @@
                   <a:srgbClr val="ffffff"/>
                 </a:solidFill>
                 <a:latin typeface="Calibri"/>
-              </a:rPr>
-              <a:t>versant dans notre branche </a:t>
+                <a:ea typeface="DejaVu Sans"/>
+              </a:rPr>
+              <a:t> et d‘y verser la branche </a:t>
+            </a:r>
+            <a:r>
+              <a:rPr b="0" i="1" lang="de-DE" sz="1500" spc="-1" strike="noStrike">
+                <a:solidFill>
+                  <a:srgbClr val="ffffff"/>
+                </a:solidFill>
+                <a:latin typeface="Calibri"/>
+                <a:ea typeface="DejaVu Sans"/>
+              </a:rPr>
+              <a:t>InitialsUpperCase</a:t>
             </a:r>
             <a:r>
               <a:rPr b="0" lang="de-DE" sz="1500" spc="-1" strike="noStrike">
@@ -10097,107 +8648,9 @@
                   <a:srgbClr val="ffffff"/>
                 </a:solidFill>
                 <a:latin typeface="Calibri"/>
-              </a:rPr>
-              <a:t>principale (</a:t>
-            </a:r>
-            <a:r>
-              <a:rPr b="0" i="1" lang="de-DE" sz="1500" spc="-1" strike="noStrike">
-                <a:solidFill>
-                  <a:srgbClr val="ffffff"/>
-                </a:solidFill>
-                <a:latin typeface="Calibri"/>
-              </a:rPr>
-              <a:t>main</a:t>
-            </a:r>
-            <a:r>
-              <a:rPr b="0" lang="de-DE" sz="1500" spc="-1" strike="noStrike">
-                <a:solidFill>
-                  <a:srgbClr val="ffffff"/>
-                </a:solidFill>
-                <a:latin typeface="Calibri"/>
-              </a:rPr>
-              <a:t>), il suffit de se </a:t>
-            </a:r>
-            <a:r>
-              <a:rPr b="0" lang="de-DE" sz="1500" spc="-1" strike="noStrike">
-                <a:solidFill>
-                  <a:srgbClr val="ffffff"/>
-                </a:solidFill>
-                <a:latin typeface="Calibri"/>
-              </a:rPr>
-              <a:t>mettre dans la branche </a:t>
-            </a:r>
-            <a:r>
-              <a:rPr b="0" i="1" lang="de-DE" sz="1500" spc="-1" strike="noStrike">
-                <a:solidFill>
-                  <a:srgbClr val="ffffff"/>
-                </a:solidFill>
-                <a:latin typeface="Calibri"/>
-              </a:rPr>
-              <a:t>main</a:t>
-            </a:r>
-            <a:r>
-              <a:rPr b="0" lang="de-DE" sz="1500" spc="-1" strike="noStrike">
-                <a:solidFill>
-                  <a:srgbClr val="ffffff"/>
-                </a:solidFill>
-                <a:latin typeface="Calibri"/>
-              </a:rPr>
-              <a:t> et </a:t>
-            </a:r>
-            <a:r>
-              <a:rPr b="0" lang="de-DE" sz="1500" spc="-1" strike="noStrike">
-                <a:solidFill>
-                  <a:srgbClr val="ffffff"/>
-                </a:solidFill>
-                <a:latin typeface="Calibri"/>
-              </a:rPr>
-              <a:t>d‘y verser la branche </a:t>
-            </a:r>
-            <a:r>
-              <a:rPr b="0" i="1" lang="de-DE" sz="1500" spc="-1" strike="noStrike">
-                <a:solidFill>
-                  <a:srgbClr val="ffffff"/>
-                </a:solidFill>
-                <a:latin typeface="Calibri"/>
-              </a:rPr>
-              <a:t>InitialsUpperCase</a:t>
-            </a:r>
-            <a:r>
-              <a:rPr b="0" lang="de-DE" sz="1500" spc="-1" strike="noStrike">
-                <a:solidFill>
-                  <a:srgbClr val="ffffff"/>
-                </a:solidFill>
-                <a:latin typeface="Calibri"/>
-              </a:rPr>
-              <a:t> (Branch &gt; </a:t>
-            </a:r>
-            <a:r>
-              <a:rPr b="0" lang="de-DE" sz="1500" spc="-1" strike="noStrike">
-                <a:solidFill>
-                  <a:srgbClr val="ffffff"/>
-                </a:solidFill>
-                <a:latin typeface="Calibri"/>
-              </a:rPr>
-              <a:t>Choose a branch to merge into </a:t>
-            </a:r>
-            <a:r>
-              <a:rPr b="0" lang="de-DE" sz="1500" spc="-1" strike="noStrike">
-                <a:solidFill>
-                  <a:srgbClr val="ffffff"/>
-                </a:solidFill>
-                <a:latin typeface="Calibri"/>
-              </a:rPr>
-              <a:t>main &gt; Create a merge </a:t>
-            </a:r>
-            <a:r>
-              <a:rPr b="0" lang="de-DE" sz="1500" spc="-1" strike="noStrike">
-                <a:solidFill>
-                  <a:srgbClr val="ffffff"/>
-                </a:solidFill>
-                <a:latin typeface="Calibri"/>
-              </a:rPr>
-              <a:t>commit).</a:t>
+                <a:ea typeface="DejaVu Sans"/>
+              </a:rPr>
+              <a:t> (Branch &gt; Choose a branch to merge into main &gt; Create a merge commit).</a:t>
             </a:r>
             <a:endParaRPr b="0" lang="fr-FR" sz="1500" spc="-1" strike="noStrike">
               <a:latin typeface="Arial"/>
@@ -10207,7 +8660,7 @@
       </p:sp>
       <p:pic>
         <p:nvPicPr>
-          <p:cNvPr id="193" name="Grafik 5" descr=""/>
+          <p:cNvPr id="195" name="Grafik 5" descr=""/>
           <p:cNvPicPr/>
           <p:nvPr/>
         </p:nvPicPr>
@@ -10218,7 +8671,7 @@
         <p:spPr>
           <a:xfrm>
             <a:off x="4436640" y="3923280"/>
-            <a:ext cx="3519000" cy="1670040"/>
+            <a:ext cx="3518640" cy="1669680"/>
           </a:xfrm>
           <a:prstGeom prst="rect">
             <a:avLst/>
@@ -10230,7 +8683,7 @@
       </p:pic>
       <p:pic>
         <p:nvPicPr>
-          <p:cNvPr id="194" name="Grafik 7" descr=""/>
+          <p:cNvPr id="196" name="Grafik 7" descr=""/>
           <p:cNvPicPr/>
           <p:nvPr/>
         </p:nvPicPr>
@@ -10242,7 +8695,7 @@
         <p:spPr>
           <a:xfrm>
             <a:off x="8188920" y="1944000"/>
-            <a:ext cx="3547080" cy="3638520"/>
+            <a:ext cx="3546720" cy="3638160"/>
           </a:xfrm>
           <a:prstGeom prst="rect">
             <a:avLst/>
@@ -10254,14 +8707,14 @@
       </p:pic>
       <p:sp>
         <p:nvSpPr>
-          <p:cNvPr id="195" name="CustomShape 3"/>
+          <p:cNvPr id="197" name="CustomShape 3"/>
           <p:cNvSpPr/>
           <p:nvPr/>
         </p:nvSpPr>
         <p:spPr>
           <a:xfrm>
             <a:off x="457200" y="549720"/>
-            <a:ext cx="3199680" cy="1040760"/>
+            <a:ext cx="3199320" cy="1040400"/>
           </a:xfrm>
           <a:prstGeom prst="rect">
             <a:avLst/>
@@ -10293,6 +8746,7 @@
                   <a:srgbClr val="ffffff"/>
                 </a:solidFill>
                 <a:latin typeface="Calibri Light"/>
+                <a:ea typeface="DejaVu Sans"/>
               </a:rPr>
               <a:t>Travailler sur une branche locale</a:t>
             </a:r>
@@ -10334,14 +8788,14 @@
       </p:grpSpPr>
       <p:sp>
         <p:nvSpPr>
-          <p:cNvPr id="196" name="CustomShape 1"/>
+          <p:cNvPr id="198" name="CustomShape 1"/>
           <p:cNvSpPr/>
           <p:nvPr/>
         </p:nvSpPr>
         <p:spPr>
           <a:xfrm>
-            <a:off x="457200" y="1815840"/>
-            <a:ext cx="3199680" cy="4668480"/>
+            <a:off x="4432680" y="1944000"/>
+            <a:ext cx="6727320" cy="4668120"/>
           </a:xfrm>
           <a:prstGeom prst="rect">
             <a:avLst/>
@@ -10377,24 +8831,280 @@
               </a:tabLst>
             </a:pPr>
             <a:r>
-              <a:rPr b="0" lang="de-DE" sz="1200" spc="-1" strike="noStrike">
-                <a:solidFill>
-                  <a:srgbClr val="ffffff"/>
-                </a:solidFill>
-                <a:latin typeface="Calibri"/>
-              </a:rPr>
-              <a:t>Pour travailler de concert, il faut </a:t>
-            </a:r>
-            <a:r>
-              <a:rPr b="0" lang="de-DE" sz="1200" spc="-1" strike="noStrike">
-                <a:solidFill>
-                  <a:srgbClr val="ffffff"/>
-                </a:solidFill>
-                <a:latin typeface="Calibri"/>
-              </a:rPr>
-              <a:t>pouvoir s’organiser.</a:t>
-            </a:r>
-            <a:endParaRPr b="0" lang="fr-FR" sz="1200" spc="-1" strike="noStrike">
+              <a:rPr b="0" lang="de-DE" sz="1800" spc="-1" strike="noStrike">
+                <a:solidFill>
+                  <a:srgbClr val="000000"/>
+                </a:solidFill>
+                <a:latin typeface="Arial"/>
+                <a:ea typeface="DejaVu Sans"/>
+              </a:rPr>
+              <a:t>Voici les commandes à </a:t>
+            </a:r>
+            <a:r>
+              <a:rPr b="0" lang="de-DE" sz="1800" spc="-1" strike="noStrike">
+                <a:solidFill>
+                  <a:srgbClr val="000000"/>
+                </a:solidFill>
+                <a:latin typeface="Arial"/>
+                <a:ea typeface="DejaVu Sans"/>
+              </a:rPr>
+              <a:t>utiliser dans la console pour </a:t>
+            </a:r>
+            <a:r>
+              <a:rPr b="0" lang="de-DE" sz="1800" spc="-1" strike="noStrike">
+                <a:solidFill>
+                  <a:srgbClr val="000000"/>
+                </a:solidFill>
+                <a:latin typeface="Arial"/>
+                <a:ea typeface="DejaVu Sans"/>
+              </a:rPr>
+              <a:t>travailler en lignes de </a:t>
+            </a:r>
+            <a:r>
+              <a:rPr b="0" lang="de-DE" sz="1800" spc="-1" strike="noStrike">
+                <a:solidFill>
+                  <a:srgbClr val="000000"/>
+                </a:solidFill>
+                <a:latin typeface="Arial"/>
+                <a:ea typeface="DejaVu Sans"/>
+              </a:rPr>
+              <a:t>commande :</a:t>
+            </a:r>
+            <a:endParaRPr b="0" lang="fr-FR" sz="1800" spc="-1" strike="noStrike">
+              <a:solidFill>
+                <a:srgbClr val="000000"/>
+              </a:solidFill>
+              <a:latin typeface="Arial"/>
+            </a:endParaRPr>
+          </a:p>
+          <a:p>
+            <a:pPr marL="216000" indent="-216000">
+              <a:lnSpc>
+                <a:spcPct val="90000"/>
+              </a:lnSpc>
+              <a:spcBef>
+                <a:spcPts val="1199"/>
+              </a:spcBef>
+              <a:spcAft>
+                <a:spcPts val="201"/>
+              </a:spcAft>
+              <a:buClr>
+                <a:srgbClr val="ffffff"/>
+              </a:buClr>
+              <a:buFont typeface="Wingdings" charset="2"/>
+              <a:buChar char=""/>
+              <a:tabLst>
+                <a:tab algn="l" pos="0"/>
+              </a:tabLst>
+            </a:pPr>
+            <a:r>
+              <a:rPr b="0" i="1" lang="de-DE" sz="1800" spc="-1" strike="noStrike">
+                <a:solidFill>
+                  <a:srgbClr val="000000"/>
+                </a:solidFill>
+                <a:latin typeface="Arial"/>
+                <a:ea typeface="DejaVu Sans"/>
+              </a:rPr>
+              <a:t>git checkout -b &lt;nom de la </a:t>
+            </a:r>
+            <a:r>
+              <a:rPr b="0" i="1" lang="de-DE" sz="1800" spc="-1" strike="noStrike">
+                <a:solidFill>
+                  <a:srgbClr val="000000"/>
+                </a:solidFill>
+                <a:latin typeface="Arial"/>
+                <a:ea typeface="DejaVu Sans"/>
+              </a:rPr>
+              <a:t>nouvelle branche&gt;</a:t>
+            </a:r>
+            <a:r>
+              <a:rPr b="0" lang="de-DE" sz="1800" spc="-1" strike="noStrike">
+                <a:solidFill>
+                  <a:srgbClr val="000000"/>
+                </a:solidFill>
+                <a:latin typeface="Arial"/>
+                <a:ea typeface="DejaVu Sans"/>
+              </a:rPr>
+              <a:t> : créer </a:t>
+            </a:r>
+            <a:r>
+              <a:rPr b="0" lang="de-DE" sz="1800" spc="-1" strike="noStrike">
+                <a:solidFill>
+                  <a:srgbClr val="000000"/>
+                </a:solidFill>
+                <a:latin typeface="Arial"/>
+                <a:ea typeface="DejaVu Sans"/>
+              </a:rPr>
+              <a:t>une branche et s’y </a:t>
+            </a:r>
+            <a:r>
+              <a:rPr b="0" lang="de-DE" sz="1800" spc="-1" strike="noStrike">
+                <a:solidFill>
+                  <a:srgbClr val="000000"/>
+                </a:solidFill>
+                <a:latin typeface="Arial"/>
+                <a:ea typeface="DejaVu Sans"/>
+              </a:rPr>
+              <a:t>déplacer.</a:t>
+            </a:r>
+            <a:endParaRPr b="0" lang="fr-FR" sz="1800" spc="-1" strike="noStrike">
+              <a:solidFill>
+                <a:srgbClr val="000000"/>
+              </a:solidFill>
+              <a:latin typeface="Arial"/>
+            </a:endParaRPr>
+          </a:p>
+          <a:p>
+            <a:pPr marL="216000" indent="-216000">
+              <a:lnSpc>
+                <a:spcPct val="90000"/>
+              </a:lnSpc>
+              <a:spcBef>
+                <a:spcPts val="1199"/>
+              </a:spcBef>
+              <a:spcAft>
+                <a:spcPts val="201"/>
+              </a:spcAft>
+              <a:buClr>
+                <a:srgbClr val="ffffff"/>
+              </a:buClr>
+              <a:buFont typeface="Wingdings" charset="2"/>
+              <a:buChar char=""/>
+              <a:tabLst>
+                <a:tab algn="l" pos="0"/>
+              </a:tabLst>
+            </a:pPr>
+            <a:r>
+              <a:rPr b="0" i="1" lang="de-DE" sz="1800" spc="-1" strike="noStrike">
+                <a:solidFill>
+                  <a:srgbClr val="000000"/>
+                </a:solidFill>
+                <a:latin typeface="Arial"/>
+                <a:ea typeface="DejaVu Sans"/>
+              </a:rPr>
+              <a:t>git push origin new-feature</a:t>
+            </a:r>
+            <a:r>
+              <a:rPr b="0" lang="de-DE" sz="1800" spc="-1" strike="noStrike">
+                <a:solidFill>
+                  <a:srgbClr val="000000"/>
+                </a:solidFill>
+                <a:latin typeface="Arial"/>
+                <a:ea typeface="DejaVu Sans"/>
+              </a:rPr>
+              <a:t> : </a:t>
+            </a:r>
+            <a:r>
+              <a:rPr b="0" lang="de-DE" sz="1800" spc="-1" strike="noStrike">
+                <a:solidFill>
+                  <a:srgbClr val="000000"/>
+                </a:solidFill>
+                <a:latin typeface="Arial"/>
+                <a:ea typeface="DejaVu Sans"/>
+              </a:rPr>
+              <a:t>envoyer les changement </a:t>
+            </a:r>
+            <a:r>
+              <a:rPr b="0" lang="de-DE" sz="1800" spc="-1" strike="noStrike">
+                <a:solidFill>
+                  <a:srgbClr val="000000"/>
+                </a:solidFill>
+                <a:latin typeface="Arial"/>
+                <a:ea typeface="DejaVu Sans"/>
+              </a:rPr>
+              <a:t>faits sur la branche « new-</a:t>
+            </a:r>
+            <a:r>
+              <a:rPr b="0" lang="de-DE" sz="1800" spc="-1" strike="noStrike">
+                <a:solidFill>
+                  <a:srgbClr val="000000"/>
+                </a:solidFill>
+                <a:latin typeface="Arial"/>
+                <a:ea typeface="DejaVu Sans"/>
+              </a:rPr>
+              <a:t>feature » sur le repository </a:t>
+            </a:r>
+            <a:r>
+              <a:rPr b="0" lang="de-DE" sz="1800" spc="-1" strike="noStrike">
+                <a:solidFill>
+                  <a:srgbClr val="000000"/>
+                </a:solidFill>
+                <a:latin typeface="Arial"/>
+                <a:ea typeface="DejaVu Sans"/>
+              </a:rPr>
+              <a:t>GitHub.</a:t>
+            </a:r>
+            <a:endParaRPr b="0" lang="fr-FR" sz="1800" spc="-1" strike="noStrike">
+              <a:solidFill>
+                <a:srgbClr val="000000"/>
+              </a:solidFill>
+              <a:latin typeface="Arial"/>
+            </a:endParaRPr>
+          </a:p>
+          <a:p>
+            <a:pPr marL="216000" indent="-216000">
+              <a:lnSpc>
+                <a:spcPct val="90000"/>
+              </a:lnSpc>
+              <a:spcBef>
+                <a:spcPts val="1199"/>
+              </a:spcBef>
+              <a:spcAft>
+                <a:spcPts val="201"/>
+              </a:spcAft>
+              <a:buClr>
+                <a:srgbClr val="ffffff"/>
+              </a:buClr>
+              <a:buFont typeface="Wingdings" charset="2"/>
+              <a:buChar char=""/>
+              <a:tabLst>
+                <a:tab algn="l" pos="0"/>
+              </a:tabLst>
+            </a:pPr>
+            <a:r>
+              <a:rPr b="0" i="1" lang="de-DE" sz="1800" spc="-1" strike="noStrike">
+                <a:solidFill>
+                  <a:srgbClr val="000000"/>
+                </a:solidFill>
+                <a:latin typeface="Arial"/>
+                <a:ea typeface="DejaVu Sans"/>
+              </a:rPr>
+              <a:t>git branch -d &lt;nom de la </a:t>
+            </a:r>
+            <a:r>
+              <a:rPr b="0" i="1" lang="de-DE" sz="1800" spc="-1" strike="noStrike">
+                <a:solidFill>
+                  <a:srgbClr val="000000"/>
+                </a:solidFill>
+                <a:latin typeface="Arial"/>
+                <a:ea typeface="DejaVu Sans"/>
+              </a:rPr>
+              <a:t>branche&gt;</a:t>
+            </a:r>
+            <a:r>
+              <a:rPr b="0" lang="de-DE" sz="1800" spc="-1" strike="noStrike">
+                <a:solidFill>
+                  <a:srgbClr val="000000"/>
+                </a:solidFill>
+                <a:latin typeface="Arial"/>
+                <a:ea typeface="DejaVu Sans"/>
+              </a:rPr>
+              <a:t> : supprimer une </a:t>
+            </a:r>
+            <a:r>
+              <a:rPr b="0" lang="de-DE" sz="1800" spc="-1" strike="noStrike">
+                <a:solidFill>
+                  <a:srgbClr val="000000"/>
+                </a:solidFill>
+                <a:latin typeface="Arial"/>
+                <a:ea typeface="DejaVu Sans"/>
+              </a:rPr>
+              <a:t>branche.</a:t>
+            </a:r>
+            <a:endParaRPr b="0" lang="fr-FR" sz="1800" spc="-1" strike="noStrike">
+              <a:solidFill>
+                <a:srgbClr val="000000"/>
+              </a:solidFill>
               <a:latin typeface="Arial"/>
             </a:endParaRPr>
           </a:p>
@@ -10414,42 +9124,123 @@
               </a:tabLst>
             </a:pPr>
             <a:r>
-              <a:rPr b="0" lang="de-DE" sz="1200" spc="-1" strike="noStrike">
-                <a:solidFill>
-                  <a:srgbClr val="ffffff"/>
-                </a:solidFill>
-                <a:latin typeface="Calibri"/>
-              </a:rPr>
-              <a:t>GitHub propose à cet effet la </a:t>
-            </a:r>
-            <a:r>
-              <a:rPr b="0" lang="de-DE" sz="1200" spc="-1" strike="noStrike">
-                <a:solidFill>
-                  <a:srgbClr val="ffffff"/>
-                </a:solidFill>
-                <a:latin typeface="Calibri"/>
-              </a:rPr>
-              <a:t>fonctionnalité des </a:t>
-            </a:r>
-            <a:r>
-              <a:rPr b="0" i="1" lang="de-DE" sz="1200" spc="-1" strike="noStrike">
-                <a:solidFill>
-                  <a:srgbClr val="ffffff"/>
-                </a:solidFill>
-                <a:latin typeface="Calibri"/>
-              </a:rPr>
-              <a:t>issues</a:t>
-            </a:r>
-            <a:r>
-              <a:rPr b="0" lang="de-DE" sz="1200" spc="-1" strike="noStrike">
-                <a:solidFill>
-                  <a:srgbClr val="ffffff"/>
-                </a:solidFill>
-                <a:latin typeface="Calibri"/>
-              </a:rPr>
-              <a:t>.</a:t>
-            </a:r>
-            <a:endParaRPr b="0" lang="fr-FR" sz="1200" spc="-1" strike="noStrike">
+              <a:rPr b="0" lang="de-DE" sz="1800" spc="-1" strike="noStrike">
+                <a:solidFill>
+                  <a:srgbClr val="000000"/>
+                </a:solidFill>
+                <a:latin typeface="Arial"/>
+                <a:ea typeface="DejaVu Sans"/>
+              </a:rPr>
+              <a:t>Et pour rester à jour avec le </a:t>
+            </a:r>
+            <a:r>
+              <a:rPr b="0" lang="de-DE" sz="1800" spc="-1" strike="noStrike">
+                <a:solidFill>
+                  <a:srgbClr val="000000"/>
+                </a:solidFill>
+                <a:latin typeface="Arial"/>
+                <a:ea typeface="DejaVu Sans"/>
+              </a:rPr>
+              <a:t>repository principal, on va </a:t>
+            </a:r>
+            <a:r>
+              <a:rPr b="0" lang="de-DE" sz="1800" spc="-1" strike="noStrike">
+                <a:solidFill>
+                  <a:srgbClr val="000000"/>
+                </a:solidFill>
+                <a:latin typeface="Arial"/>
+                <a:ea typeface="DejaVu Sans"/>
+              </a:rPr>
+              <a:t>utiliser les commandes </a:t>
+            </a:r>
+            <a:r>
+              <a:rPr b="0" lang="de-DE" sz="1800" spc="-1" strike="noStrike">
+                <a:solidFill>
+                  <a:srgbClr val="000000"/>
+                </a:solidFill>
+                <a:latin typeface="Arial"/>
+                <a:ea typeface="DejaVu Sans"/>
+              </a:rPr>
+              <a:t>suivantes :</a:t>
+            </a:r>
+            <a:endParaRPr b="0" lang="fr-FR" sz="1800" spc="-1" strike="noStrike">
+              <a:solidFill>
+                <a:srgbClr val="000000"/>
+              </a:solidFill>
+              <a:latin typeface="Arial"/>
+            </a:endParaRPr>
+          </a:p>
+          <a:p>
+            <a:pPr marL="216000" indent="-216000">
+              <a:lnSpc>
+                <a:spcPct val="90000"/>
+              </a:lnSpc>
+              <a:spcBef>
+                <a:spcPts val="1199"/>
+              </a:spcBef>
+              <a:spcAft>
+                <a:spcPts val="201"/>
+              </a:spcAft>
+              <a:buClr>
+                <a:srgbClr val="ffffff"/>
+              </a:buClr>
+              <a:buFont typeface="Wingdings" charset="2"/>
+              <a:buChar char=""/>
+              <a:tabLst>
+                <a:tab algn="l" pos="0"/>
+              </a:tabLst>
+            </a:pPr>
+            <a:r>
+              <a:rPr b="0" i="1" lang="de-DE" sz="1800" spc="-1" strike="noStrike">
+                <a:solidFill>
+                  <a:srgbClr val="000000"/>
+                </a:solidFill>
+                <a:latin typeface="Arial"/>
+                <a:ea typeface="DejaVu Sans"/>
+              </a:rPr>
+              <a:t>git pull upstream master</a:t>
+            </a:r>
+            <a:endParaRPr b="0" lang="fr-FR" sz="1800" spc="-1" strike="noStrike">
+              <a:solidFill>
+                <a:srgbClr val="000000"/>
+              </a:solidFill>
+              <a:latin typeface="Arial"/>
+            </a:endParaRPr>
+          </a:p>
+          <a:p>
+            <a:pPr marL="216000" indent="-216000">
+              <a:lnSpc>
+                <a:spcPct val="90000"/>
+              </a:lnSpc>
+              <a:spcBef>
+                <a:spcPts val="1199"/>
+              </a:spcBef>
+              <a:spcAft>
+                <a:spcPts val="201"/>
+              </a:spcAft>
+              <a:buClr>
+                <a:srgbClr val="ffffff"/>
+              </a:buClr>
+              <a:buFont typeface="Wingdings" charset="2"/>
+              <a:buChar char=""/>
+              <a:tabLst>
+                <a:tab algn="l" pos="0"/>
+              </a:tabLst>
+            </a:pPr>
+            <a:r>
+              <a:rPr b="0" i="1" lang="de-DE" sz="1800" spc="-1" strike="noStrike">
+                <a:solidFill>
+                  <a:srgbClr val="000000"/>
+                </a:solidFill>
+                <a:latin typeface="Arial"/>
+                <a:ea typeface="DejaVu Sans"/>
+              </a:rPr>
+              <a:t>git push origin master</a:t>
+            </a:r>
+            <a:endParaRPr b="0" lang="fr-FR" sz="1800" spc="-1" strike="noStrike">
+              <a:solidFill>
+                <a:srgbClr val="000000"/>
+              </a:solidFill>
               <a:latin typeface="Arial"/>
             </a:endParaRPr>
           </a:p>
@@ -10468,37 +9259,125 @@
                 <a:tab algn="l" pos="0"/>
               </a:tabLst>
             </a:pPr>
-            <a:r>
-              <a:rPr b="0" lang="de-DE" sz="1200" spc="-1" strike="noStrike">
+            <a:endParaRPr b="0" lang="fr-FR" sz="1800" spc="-1" strike="noStrike">
+              <a:solidFill>
+                <a:srgbClr val="000000"/>
+              </a:solidFill>
+              <a:latin typeface="Arial"/>
+            </a:endParaRPr>
+          </a:p>
+        </p:txBody>
+      </p:sp>
+      <p:sp>
+        <p:nvSpPr>
+          <p:cNvPr id="199" name="CustomShape 2"/>
+          <p:cNvSpPr/>
+          <p:nvPr/>
+        </p:nvSpPr>
+        <p:spPr>
+          <a:xfrm>
+            <a:off x="457200" y="549720"/>
+            <a:ext cx="3199320" cy="3482280"/>
+          </a:xfrm>
+          <a:prstGeom prst="rect">
+            <a:avLst/>
+          </a:prstGeom>
+          <a:noFill/>
+          <a:ln>
+            <a:noFill/>
+          </a:ln>
+        </p:spPr>
+        <p:style>
+          <a:lnRef idx="0"/>
+          <a:fillRef idx="0"/>
+          <a:effectRef idx="0"/>
+          <a:fontRef idx="minor"/>
+        </p:style>
+        <p:txBody>
+          <a:bodyPr lIns="90000" rIns="90000" tIns="45000" bIns="45000" anchor="b">
+            <a:noAutofit/>
+          </a:bodyPr>
+          <a:p>
+            <a:pPr>
+              <a:lnSpc>
+                <a:spcPct val="85000"/>
+              </a:lnSpc>
+            </a:pPr>
+            <a:r>
+              <a:rPr b="0" lang="de-DE" sz="3600" spc="-52" strike="noStrike">
                 <a:solidFill>
                   <a:srgbClr val="ffffff"/>
                 </a:solidFill>
-                <a:latin typeface="Calibri"/>
-              </a:rPr>
-              <a:t>Il s’agit de problème à résoudre et ces </a:t>
-            </a:r>
-            <a:r>
-              <a:rPr b="0" lang="de-DE" sz="1200" spc="-1" strike="noStrike">
-                <a:solidFill>
-                  <a:srgbClr val="ffffff"/>
-                </a:solidFill>
-                <a:latin typeface="Calibri"/>
-              </a:rPr>
-              <a:t>problèmes peuvent être soulevés par </a:t>
-            </a:r>
-            <a:r>
-              <a:rPr b="0" lang="de-DE" sz="1200" spc="-1" strike="noStrike">
-                <a:solidFill>
-                  <a:srgbClr val="ffffff"/>
-                </a:solidFill>
-                <a:latin typeface="Calibri"/>
-              </a:rPr>
-              <a:t>tous les utilisateurs / collaborateurs.</a:t>
-            </a:r>
-            <a:endParaRPr b="0" lang="fr-FR" sz="1200" spc="-1" strike="noStrike">
-              <a:latin typeface="Arial"/>
-            </a:endParaRPr>
-          </a:p>
+                <a:latin typeface="Calibri Light"/>
+                <a:ea typeface="DejaVu Sans"/>
+              </a:rPr>
+              <a:t>Travailler sur une branche locale</a:t>
+            </a:r>
+            <a:endParaRPr b="0" lang="fr-FR" sz="3600" spc="-1" strike="noStrike">
+              <a:latin typeface="Arial"/>
+            </a:endParaRPr>
+          </a:p>
+        </p:txBody>
+      </p:sp>
+    </p:spTree>
+  </p:cSld>
+  <mc:AlternateContent>
+    <mc:Choice Requires="p14">
+      <p:transition spd="slow" p14:dur="2000"/>
+    </mc:Choice>
+    <mc:Fallback>
+      <p:transition spd="slow"/>
+    </mc:Fallback>
+  </mc:AlternateContent>
+</p:sld>
+</file>
+
+<file path=ppt/slides/slide18.xml><?xml version="1.0" encoding="utf-8"?>
+<p:sld xmlns:a="http://schemas.openxmlformats.org/drawingml/2006/main" xmlns:p="http://schemas.openxmlformats.org/presentationml/2006/main" xmlns:r="http://schemas.openxmlformats.org/officeDocument/2006/relationships" xmlns:p14="http://schemas.microsoft.com/office/powerpoint/2010/main" xmlns:p15="http://schemas.microsoft.com/office/powerpoint/2012/main" xmlns:mc="http://schemas.openxmlformats.org/markup-compatibility/2006">
+  <p:cSld>
+    <p:spTree>
+      <p:nvGrpSpPr>
+        <p:cNvPr id="1" name=""/>
+        <p:cNvGrpSpPr/>
+        <p:nvPr/>
+      </p:nvGrpSpPr>
+      <p:grpSpPr>
+        <a:xfrm>
+          <a:off x="0" y="0"/>
+          <a:ext cx="0" cy="0"/>
+          <a:chOff x="0" y="0"/>
+          <a:chExt cx="0" cy="0"/>
+        </a:xfrm>
+      </p:grpSpPr>
+      <p:sp>
+        <p:nvSpPr>
+          <p:cNvPr id="200" name="CustomShape 1"/>
+          <p:cNvSpPr/>
+          <p:nvPr/>
+        </p:nvSpPr>
+        <p:spPr>
+          <a:xfrm>
+            <a:off x="457200" y="1815840"/>
+            <a:ext cx="3199320" cy="4668120"/>
+          </a:xfrm>
+          <a:prstGeom prst="rect">
+            <a:avLst/>
+          </a:prstGeom>
+          <a:noFill/>
+          <a:ln>
+            <a:noFill/>
+          </a:ln>
+        </p:spPr>
+        <p:style>
+          <a:lnRef idx="0"/>
+          <a:fillRef idx="0"/>
+          <a:effectRef idx="0"/>
+          <a:fontRef idx="minor"/>
+        </p:style>
+        <p:txBody>
+          <a:bodyPr lIns="90000" rIns="90000" tIns="45000" bIns="45000">
+            <a:normAutofit/>
+          </a:bodyPr>
           <a:p>
             <a:pPr>
               <a:lnSpc>
@@ -10520,6 +9399,114 @@
                   <a:srgbClr val="ffffff"/>
                 </a:solidFill>
                 <a:latin typeface="Calibri"/>
+                <a:ea typeface="DejaVu Sans"/>
+              </a:rPr>
+              <a:t>Pour travailler de concert, il faut pouvoir s’organiser.</a:t>
+            </a:r>
+            <a:endParaRPr b="0" lang="fr-FR" sz="1200" spc="-1" strike="noStrike">
+              <a:latin typeface="Arial"/>
+            </a:endParaRPr>
+          </a:p>
+          <a:p>
+            <a:pPr>
+              <a:lnSpc>
+                <a:spcPct val="90000"/>
+              </a:lnSpc>
+              <a:spcBef>
+                <a:spcPts val="1199"/>
+              </a:spcBef>
+              <a:spcAft>
+                <a:spcPts val="201"/>
+              </a:spcAft>
+              <a:tabLst>
+                <a:tab algn="l" pos="0"/>
+              </a:tabLst>
+            </a:pPr>
+            <a:r>
+              <a:rPr b="0" lang="de-DE" sz="1200" spc="-1" strike="noStrike">
+                <a:solidFill>
+                  <a:srgbClr val="ffffff"/>
+                </a:solidFill>
+                <a:latin typeface="Calibri"/>
+                <a:ea typeface="DejaVu Sans"/>
+              </a:rPr>
+              <a:t>GitHub propose à cet effet la fonctionnalité des </a:t>
+            </a:r>
+            <a:r>
+              <a:rPr b="0" i="1" lang="de-DE" sz="1200" spc="-1" strike="noStrike">
+                <a:solidFill>
+                  <a:srgbClr val="ffffff"/>
+                </a:solidFill>
+                <a:latin typeface="Calibri"/>
+                <a:ea typeface="DejaVu Sans"/>
+              </a:rPr>
+              <a:t>issues</a:t>
+            </a:r>
+            <a:r>
+              <a:rPr b="0" lang="de-DE" sz="1200" spc="-1" strike="noStrike">
+                <a:solidFill>
+                  <a:srgbClr val="ffffff"/>
+                </a:solidFill>
+                <a:latin typeface="Calibri"/>
+                <a:ea typeface="DejaVu Sans"/>
+              </a:rPr>
+              <a:t>.</a:t>
+            </a:r>
+            <a:endParaRPr b="0" lang="fr-FR" sz="1200" spc="-1" strike="noStrike">
+              <a:latin typeface="Arial"/>
+            </a:endParaRPr>
+          </a:p>
+          <a:p>
+            <a:pPr>
+              <a:lnSpc>
+                <a:spcPct val="90000"/>
+              </a:lnSpc>
+              <a:spcBef>
+                <a:spcPts val="1199"/>
+              </a:spcBef>
+              <a:spcAft>
+                <a:spcPts val="201"/>
+              </a:spcAft>
+              <a:tabLst>
+                <a:tab algn="l" pos="0"/>
+              </a:tabLst>
+            </a:pPr>
+            <a:r>
+              <a:rPr b="0" lang="de-DE" sz="1200" spc="-1" strike="noStrike">
+                <a:solidFill>
+                  <a:srgbClr val="ffffff"/>
+                </a:solidFill>
+                <a:latin typeface="Calibri"/>
+                <a:ea typeface="DejaVu Sans"/>
+              </a:rPr>
+              <a:t>Il s’agit de problème à résoudre et ces problèmes peuvent être soulevés par tous les utilisateurs / collaborateurs.</a:t>
+            </a:r>
+            <a:endParaRPr b="0" lang="fr-FR" sz="1200" spc="-1" strike="noStrike">
+              <a:latin typeface="Arial"/>
+            </a:endParaRPr>
+          </a:p>
+          <a:p>
+            <a:pPr>
+              <a:lnSpc>
+                <a:spcPct val="90000"/>
+              </a:lnSpc>
+              <a:spcBef>
+                <a:spcPts val="1199"/>
+              </a:spcBef>
+              <a:spcAft>
+                <a:spcPts val="201"/>
+              </a:spcAft>
+              <a:tabLst>
+                <a:tab algn="l" pos="0"/>
+              </a:tabLst>
+            </a:pPr>
+            <a:r>
+              <a:rPr b="0" lang="de-DE" sz="1200" spc="-1" strike="noStrike">
+                <a:solidFill>
+                  <a:srgbClr val="ffffff"/>
+                </a:solidFill>
+                <a:latin typeface="Calibri"/>
+                <a:ea typeface="DejaVu Sans"/>
               </a:rPr>
               <a:t>Une bonne </a:t>
             </a:r>
@@ -10529,6 +9516,7 @@
                   <a:srgbClr val="ffffff"/>
                 </a:solidFill>
                 <a:latin typeface="Calibri"/>
+                <a:ea typeface="DejaVu Sans"/>
               </a:rPr>
               <a:t>issue</a:t>
             </a:r>
@@ -10538,6 +9526,7 @@
                   <a:srgbClr val="ffffff"/>
                 </a:solidFill>
                 <a:latin typeface="Calibri"/>
+                <a:ea typeface="DejaVu Sans"/>
               </a:rPr>
               <a:t> doit comporter :</a:t>
             </a:r>
@@ -10546,7 +9535,7 @@
             </a:endParaRPr>
           </a:p>
           <a:p>
-            <a:pPr lvl="1" marL="432000" indent="-216000">
+            <a:pPr lvl="1" marL="432000" indent="-215640">
               <a:lnSpc>
                 <a:spcPct val="90000"/>
               </a:lnSpc>
@@ -10572,24 +9561,16 @@
                   <a:srgbClr val="ffffff"/>
                 </a:solidFill>
                 <a:latin typeface="Calibri"/>
-              </a:rPr>
-              <a:t>Le nom du document/fichier </a:t>
-            </a:r>
-            <a:r>
-              <a:rPr b="0" lang="de-DE" sz="1200" spc="-1" strike="noStrike">
-                <a:solidFill>
-                  <a:srgbClr val="ffffff"/>
-                </a:solidFill>
-                <a:latin typeface="Calibri"/>
-              </a:rPr>
-              <a:t>concerné</a:t>
+                <a:ea typeface="DejaVu Sans"/>
+              </a:rPr>
+              <a:t>Le nom du document/fichier concerné</a:t>
             </a:r>
             <a:endParaRPr b="0" lang="fr-FR" sz="1200" spc="-1" strike="noStrike">
               <a:latin typeface="Arial"/>
             </a:endParaRPr>
           </a:p>
           <a:p>
-            <a:pPr lvl="1" marL="432000" indent="-216000">
+            <a:pPr lvl="1" marL="432000" indent="-215640">
               <a:lnSpc>
                 <a:spcPct val="90000"/>
               </a:lnSpc>
@@ -10615,6 +9596,7 @@
                   <a:srgbClr val="ffffff"/>
                 </a:solidFill>
                 <a:latin typeface="Calibri"/>
+                <a:ea typeface="DejaVu Sans"/>
               </a:rPr>
               <a:t>Le problème détaillé.</a:t>
             </a:r>
@@ -10623,7 +9605,7 @@
             </a:endParaRPr>
           </a:p>
           <a:p>
-            <a:pPr lvl="1" marL="432000" indent="-216000">
+            <a:pPr lvl="1" marL="432000" indent="-215640">
               <a:lnSpc>
                 <a:spcPct val="90000"/>
               </a:lnSpc>
@@ -10649,24 +9631,16 @@
                   <a:srgbClr val="ffffff"/>
                 </a:solidFill>
                 <a:latin typeface="Calibri"/>
-              </a:rPr>
-              <a:t>[Optionnel] Des propositions de </a:t>
-            </a:r>
-            <a:r>
-              <a:rPr b="0" lang="de-DE" sz="1200" spc="-1" strike="noStrike">
-                <a:solidFill>
-                  <a:srgbClr val="ffffff"/>
-                </a:solidFill>
-                <a:latin typeface="Calibri"/>
-              </a:rPr>
-              <a:t>solution.</a:t>
+                <a:ea typeface="DejaVu Sans"/>
+              </a:rPr>
+              <a:t>[Optionnel] Des propositions de solution.</a:t>
             </a:r>
             <a:endParaRPr b="0" lang="fr-FR" sz="1200" spc="-1" strike="noStrike">
               <a:latin typeface="Arial"/>
             </a:endParaRPr>
           </a:p>
           <a:p>
-            <a:pPr lvl="1" marL="432000" indent="-216000">
+            <a:pPr lvl="1" marL="432000" indent="-215640">
               <a:lnSpc>
                 <a:spcPct val="90000"/>
               </a:lnSpc>
@@ -10692,8 +9666,19 @@
                   <a:srgbClr val="ffffff"/>
                 </a:solidFill>
                 <a:latin typeface="Calibri"/>
-              </a:rPr>
-              <a:t>[Optionnel] Des tags pour </a:t>
+                <a:ea typeface="DejaVu Sans"/>
+              </a:rPr>
+              <a:t>[Optionnel] Des tags pour catégoriser les </a:t>
+            </a:r>
+            <a:r>
+              <a:rPr b="0" i="1" lang="de-DE" sz="1200" spc="-1" strike="noStrike">
+                <a:solidFill>
+                  <a:srgbClr val="ffffff"/>
+                </a:solidFill>
+                <a:latin typeface="Calibri"/>
+                <a:ea typeface="DejaVu Sans"/>
+              </a:rPr>
+              <a:t>issues</a:t>
             </a:r>
             <a:r>
               <a:rPr b="0" lang="de-DE" sz="1200" spc="-1" strike="noStrike">
@@ -10701,24 +9686,7 @@
                   <a:srgbClr val="ffffff"/>
                 </a:solidFill>
                 <a:latin typeface="Calibri"/>
-              </a:rPr>
-              <a:t>catégoriser les </a:t>
-            </a:r>
-            <a:r>
-              <a:rPr b="0" i="1" lang="de-DE" sz="1200" spc="-1" strike="noStrike">
-                <a:solidFill>
-                  <a:srgbClr val="ffffff"/>
-                </a:solidFill>
-                <a:latin typeface="Calibri"/>
-              </a:rPr>
-              <a:t>issues</a:t>
-            </a:r>
-            <a:r>
-              <a:rPr b="0" lang="de-DE" sz="1200" spc="-1" strike="noStrike">
-                <a:solidFill>
-                  <a:srgbClr val="ffffff"/>
-                </a:solidFill>
-                <a:latin typeface="Calibri"/>
+                <a:ea typeface="DejaVu Sans"/>
               </a:rPr>
               <a:t>.</a:t>
             </a:r>
@@ -10747,6 +9715,7 @@
                   <a:srgbClr val="ffffff"/>
                 </a:solidFill>
                 <a:latin typeface="Calibri"/>
+                <a:ea typeface="DejaVu Sans"/>
               </a:rPr>
               <a:t>Une fois le problème résolu par une </a:t>
             </a:r>
@@ -10756,6 +9725,7 @@
                   <a:srgbClr val="ffffff"/>
                 </a:solidFill>
                 <a:latin typeface="Calibri"/>
+                <a:ea typeface="DejaVu Sans"/>
               </a:rPr>
               <a:t>pull request</a:t>
             </a:r>
@@ -10765,24 +9735,17 @@
                   <a:srgbClr val="ffffff"/>
                 </a:solidFill>
                 <a:latin typeface="Calibri"/>
-              </a:rPr>
-              <a:t>, un administrateur peut </a:t>
-            </a:r>
-            <a:r>
-              <a:rPr b="0" lang="de-DE" sz="1200" spc="-1" strike="noStrike">
+                <a:ea typeface="DejaVu Sans"/>
+              </a:rPr>
+              <a:t>, un administrateur peut clore l’</a:t>
+            </a:r>
+            <a:r>
+              <a:rPr b="0" i="1" lang="de-DE" sz="1200" spc="-1" strike="noStrike">
                 <a:solidFill>
                   <a:srgbClr val="ffffff"/>
                 </a:solidFill>
                 <a:latin typeface="Calibri"/>
-              </a:rPr>
-              <a:t>clore l’</a:t>
-            </a:r>
-            <a:r>
-              <a:rPr b="0" i="1" lang="de-DE" sz="1200" spc="-1" strike="noStrike">
-                <a:solidFill>
-                  <a:srgbClr val="ffffff"/>
-                </a:solidFill>
-                <a:latin typeface="Calibri"/>
+                <a:ea typeface="DejaVu Sans"/>
               </a:rPr>
               <a:t>issue.</a:t>
             </a:r>
@@ -10794,14 +9757,14 @@
       </p:sp>
       <p:sp>
         <p:nvSpPr>
-          <p:cNvPr id="197" name="CustomShape 2"/>
+          <p:cNvPr id="201" name="CustomShape 2"/>
           <p:cNvSpPr/>
           <p:nvPr/>
         </p:nvSpPr>
         <p:spPr>
           <a:xfrm>
             <a:off x="457200" y="693720"/>
-            <a:ext cx="3199680" cy="1040760"/>
+            <a:ext cx="3199320" cy="1040400"/>
           </a:xfrm>
           <a:prstGeom prst="rect">
             <a:avLst/>
@@ -10833,395 +9796,9 @@
                   <a:srgbClr val="ffffff"/>
                 </a:solidFill>
                 <a:latin typeface="Calibri Light"/>
-              </a:rPr>
-              <a:t>P</a:t>
-            </a:r>
-            <a:r>
-              <a:rPr b="0" lang="de-DE" sz="2800" spc="-52" strike="noStrike">
-                <a:solidFill>
-                  <a:srgbClr val="ffffff"/>
-                </a:solidFill>
-                <a:latin typeface="Calibri Light"/>
-              </a:rPr>
-              <a:t>r</a:t>
-            </a:r>
-            <a:r>
-              <a:rPr b="0" lang="de-DE" sz="2800" spc="-52" strike="noStrike">
-                <a:solidFill>
-                  <a:srgbClr val="ffffff"/>
-                </a:solidFill>
-                <a:latin typeface="Calibri Light"/>
-              </a:rPr>
-              <a:t>a</a:t>
-            </a:r>
-            <a:r>
-              <a:rPr b="0" lang="de-DE" sz="2800" spc="-52" strike="noStrike">
-                <a:solidFill>
-                  <a:srgbClr val="ffffff"/>
-                </a:solidFill>
-                <a:latin typeface="Calibri Light"/>
-              </a:rPr>
-              <a:t>t</a:t>
-            </a:r>
-            <a:r>
-              <a:rPr b="0" lang="de-DE" sz="2800" spc="-52" strike="noStrike">
-                <a:solidFill>
-                  <a:srgbClr val="ffffff"/>
-                </a:solidFill>
-                <a:latin typeface="Calibri Light"/>
-              </a:rPr>
-              <a:t>i</a:t>
-            </a:r>
-            <a:r>
-              <a:rPr b="0" lang="de-DE" sz="2800" spc="-52" strike="noStrike">
-                <a:solidFill>
-                  <a:srgbClr val="ffffff"/>
-                </a:solidFill>
-                <a:latin typeface="Calibri Light"/>
-              </a:rPr>
-              <a:t>q</a:t>
-            </a:r>
-            <a:r>
-              <a:rPr b="0" lang="de-DE" sz="2800" spc="-52" strike="noStrike">
-                <a:solidFill>
-                  <a:srgbClr val="ffffff"/>
-                </a:solidFill>
-                <a:latin typeface="Calibri Light"/>
-              </a:rPr>
-              <a:t>u</a:t>
-            </a:r>
-            <a:r>
-              <a:rPr b="0" lang="de-DE" sz="2800" spc="-52" strike="noStrike">
-                <a:solidFill>
-                  <a:srgbClr val="ffffff"/>
-                </a:solidFill>
-                <a:latin typeface="Calibri Light"/>
-              </a:rPr>
-              <a:t>e</a:t>
-            </a:r>
-            <a:r>
-              <a:rPr b="0" lang="de-DE" sz="2800" spc="-52" strike="noStrike">
-                <a:solidFill>
-                  <a:srgbClr val="ffffff"/>
-                </a:solidFill>
-                <a:latin typeface="Calibri Light"/>
-              </a:rPr>
-              <a:t> </a:t>
-            </a:r>
-            <a:r>
-              <a:rPr b="0" lang="de-DE" sz="2800" spc="-52" strike="noStrike">
-                <a:solidFill>
-                  <a:srgbClr val="ffffff"/>
-                </a:solidFill>
-                <a:latin typeface="Calibri Light"/>
-              </a:rPr>
-              <a:t>:</a:t>
-            </a:r>
-            <a:r>
-              <a:rPr b="0" lang="de-DE" sz="2800" spc="-52" strike="noStrike">
-                <a:solidFill>
-                  <a:srgbClr val="ffffff"/>
-                </a:solidFill>
-                <a:latin typeface="Calibri Light"/>
-              </a:rPr>
-              <a:t> </a:t>
-            </a:r>
-            <a:r>
-              <a:rPr b="0" lang="de-DE" sz="2800" spc="-52" strike="noStrike">
-                <a:solidFill>
-                  <a:srgbClr val="ffffff"/>
-                </a:solidFill>
-                <a:latin typeface="Calibri Light"/>
-              </a:rPr>
-              <a:t>c</a:t>
-            </a:r>
-            <a:r>
-              <a:rPr b="0" lang="de-DE" sz="2800" spc="-52" strike="noStrike">
-                <a:solidFill>
-                  <a:srgbClr val="ffffff"/>
-                </a:solidFill>
-                <a:latin typeface="Calibri Light"/>
-              </a:rPr>
-              <a:t>o</a:t>
-            </a:r>
-            <a:r>
-              <a:rPr b="0" lang="de-DE" sz="2800" spc="-52" strike="noStrike">
-                <a:solidFill>
-                  <a:srgbClr val="ffffff"/>
-                </a:solidFill>
-                <a:latin typeface="Calibri Light"/>
-              </a:rPr>
-              <a:t>r</a:t>
-            </a:r>
-            <a:r>
-              <a:rPr b="0" lang="de-DE" sz="2800" spc="-52" strike="noStrike">
-                <a:solidFill>
-                  <a:srgbClr val="ffffff"/>
-                </a:solidFill>
-                <a:latin typeface="Calibri Light"/>
-              </a:rPr>
-              <a:t>r</a:t>
-            </a:r>
-            <a:r>
-              <a:rPr b="0" lang="de-DE" sz="2800" spc="-52" strike="noStrike">
-                <a:solidFill>
-                  <a:srgbClr val="ffffff"/>
-                </a:solidFill>
-                <a:latin typeface="Calibri Light"/>
-              </a:rPr>
-              <a:t>e</a:t>
-            </a:r>
-            <a:r>
-              <a:rPr b="0" lang="de-DE" sz="2800" spc="-52" strike="noStrike">
-                <a:solidFill>
-                  <a:srgbClr val="ffffff"/>
-                </a:solidFill>
-                <a:latin typeface="Calibri Light"/>
-              </a:rPr>
-              <a:t>c</a:t>
-            </a:r>
-            <a:r>
-              <a:rPr b="0" lang="de-DE" sz="2800" spc="-52" strike="noStrike">
-                <a:solidFill>
-                  <a:srgbClr val="ffffff"/>
-                </a:solidFill>
-                <a:latin typeface="Calibri Light"/>
-              </a:rPr>
-              <a:t>t</a:t>
-            </a:r>
-            <a:r>
-              <a:rPr b="0" lang="de-DE" sz="2800" spc="-52" strike="noStrike">
-                <a:solidFill>
-                  <a:srgbClr val="ffffff"/>
-                </a:solidFill>
-                <a:latin typeface="Calibri Light"/>
-              </a:rPr>
-              <a:t>i</a:t>
-            </a:r>
-            <a:r>
-              <a:rPr b="0" lang="de-DE" sz="2800" spc="-52" strike="noStrike">
-                <a:solidFill>
-                  <a:srgbClr val="ffffff"/>
-                </a:solidFill>
-                <a:latin typeface="Calibri Light"/>
-              </a:rPr>
-              <a:t>o</a:t>
-            </a:r>
-            <a:r>
-              <a:rPr b="0" lang="de-DE" sz="2800" spc="-52" strike="noStrike">
-                <a:solidFill>
-                  <a:srgbClr val="ffffff"/>
-                </a:solidFill>
-                <a:latin typeface="Calibri Light"/>
-              </a:rPr>
-              <a:t>n</a:t>
-            </a:r>
-            <a:r>
-              <a:rPr b="0" lang="de-DE" sz="2800" spc="-52" strike="noStrike">
-                <a:solidFill>
-                  <a:srgbClr val="ffffff"/>
-                </a:solidFill>
-                <a:latin typeface="Calibri Light"/>
-              </a:rPr>
-              <a:t> </a:t>
-            </a:r>
-            <a:r>
-              <a:rPr b="0" lang="de-DE" sz="2800" spc="-52" strike="noStrike">
-                <a:solidFill>
-                  <a:srgbClr val="ffffff"/>
-                </a:solidFill>
-                <a:latin typeface="Calibri Light"/>
-              </a:rPr>
-              <a:t>d</a:t>
-            </a:r>
-            <a:r>
-              <a:rPr b="0" lang="de-DE" sz="2800" spc="-52" strike="noStrike">
-                <a:solidFill>
-                  <a:srgbClr val="ffffff"/>
-                </a:solidFill>
-                <a:latin typeface="Calibri Light"/>
-              </a:rPr>
-              <a:t>u</a:t>
-            </a:r>
-            <a:r>
-              <a:rPr b="0" lang="de-DE" sz="2800" spc="-52" strike="noStrike">
-                <a:solidFill>
-                  <a:srgbClr val="ffffff"/>
-                </a:solidFill>
-                <a:latin typeface="Calibri Light"/>
-              </a:rPr>
-              <a:t> </a:t>
-            </a:r>
-            <a:r>
-              <a:rPr b="0" lang="de-DE" sz="2800" spc="-52" strike="noStrike">
-                <a:solidFill>
-                  <a:srgbClr val="ffffff"/>
-                </a:solidFill>
-                <a:latin typeface="Calibri Light"/>
-              </a:rPr>
-              <a:t>f</a:t>
-            </a:r>
-            <a:r>
-              <a:rPr b="0" lang="de-DE" sz="2800" spc="-52" strike="noStrike">
-                <a:solidFill>
-                  <a:srgbClr val="ffffff"/>
-                </a:solidFill>
-                <a:latin typeface="Calibri Light"/>
-              </a:rPr>
-              <a:t>i</a:t>
-            </a:r>
-            <a:r>
-              <a:rPr b="0" lang="de-DE" sz="2800" spc="-52" strike="noStrike">
-                <a:solidFill>
-                  <a:srgbClr val="ffffff"/>
-                </a:solidFill>
-                <a:latin typeface="Calibri Light"/>
-              </a:rPr>
-              <a:t>c</a:t>
-            </a:r>
-            <a:r>
-              <a:rPr b="0" lang="de-DE" sz="2800" spc="-52" strike="noStrike">
-                <a:solidFill>
-                  <a:srgbClr val="ffffff"/>
-                </a:solidFill>
-                <a:latin typeface="Calibri Light"/>
-              </a:rPr>
-              <a:t>h</a:t>
-            </a:r>
-            <a:r>
-              <a:rPr b="0" lang="de-DE" sz="2800" spc="-52" strike="noStrike">
-                <a:solidFill>
-                  <a:srgbClr val="ffffff"/>
-                </a:solidFill>
-                <a:latin typeface="Calibri Light"/>
-              </a:rPr>
-              <a:t>i</a:t>
-            </a:r>
-            <a:r>
-              <a:rPr b="0" lang="de-DE" sz="2800" spc="-52" strike="noStrike">
-                <a:solidFill>
-                  <a:srgbClr val="ffffff"/>
-                </a:solidFill>
-                <a:latin typeface="Calibri Light"/>
-              </a:rPr>
-              <a:t>e</a:t>
-            </a:r>
-            <a:r>
-              <a:rPr b="0" lang="de-DE" sz="2800" spc="-52" strike="noStrike">
-                <a:solidFill>
-                  <a:srgbClr val="ffffff"/>
-                </a:solidFill>
-                <a:latin typeface="Calibri Light"/>
-              </a:rPr>
-              <a:t>r</a:t>
-            </a:r>
-            <a:r>
-              <a:rPr b="0" lang="de-DE" sz="2800" spc="-52" strike="noStrike">
-                <a:solidFill>
-                  <a:srgbClr val="ffffff"/>
-                </a:solidFill>
-                <a:latin typeface="Calibri Light"/>
-              </a:rPr>
-              <a:t> </a:t>
-            </a:r>
-            <a:r>
-              <a:rPr b="0" lang="de-DE" sz="2800" spc="-52" strike="noStrike">
-                <a:solidFill>
-                  <a:srgbClr val="ffffff"/>
-                </a:solidFill>
-                <a:latin typeface="Calibri Light"/>
-              </a:rPr>
-              <a:t>E</a:t>
-            </a:r>
-            <a:r>
-              <a:rPr b="0" lang="de-DE" sz="2800" spc="-52" strike="noStrike">
-                <a:solidFill>
-                  <a:srgbClr val="ffffff"/>
-                </a:solidFill>
-                <a:latin typeface="Calibri Light"/>
-              </a:rPr>
-              <a:t>x</a:t>
-            </a:r>
-            <a:r>
-              <a:rPr b="0" lang="de-DE" sz="2800" spc="-52" strike="noStrike">
-                <a:solidFill>
-                  <a:srgbClr val="ffffff"/>
-                </a:solidFill>
-                <a:latin typeface="Calibri Light"/>
-              </a:rPr>
-              <a:t>e</a:t>
-            </a:r>
-            <a:r>
-              <a:rPr b="0" lang="de-DE" sz="2800" spc="-52" strike="noStrike">
-                <a:solidFill>
-                  <a:srgbClr val="ffffff"/>
-                </a:solidFill>
-                <a:latin typeface="Calibri Light"/>
-              </a:rPr>
-              <a:t>m</a:t>
-            </a:r>
-            <a:r>
-              <a:rPr b="0" lang="de-DE" sz="2800" spc="-52" strike="noStrike">
-                <a:solidFill>
-                  <a:srgbClr val="ffffff"/>
-                </a:solidFill>
-                <a:latin typeface="Calibri Light"/>
-              </a:rPr>
-              <a:t>p</a:t>
-            </a:r>
-            <a:r>
-              <a:rPr b="0" lang="de-DE" sz="2800" spc="-52" strike="noStrike">
-                <a:solidFill>
-                  <a:srgbClr val="ffffff"/>
-                </a:solidFill>
-                <a:latin typeface="Calibri Light"/>
-              </a:rPr>
-              <a:t>l</a:t>
-            </a:r>
-            <a:r>
-              <a:rPr b="0" lang="de-DE" sz="2800" spc="-52" strike="noStrike">
-                <a:solidFill>
-                  <a:srgbClr val="ffffff"/>
-                </a:solidFill>
-                <a:latin typeface="Calibri Light"/>
-              </a:rPr>
-              <a:t>e</a:t>
-            </a:r>
-            <a:r>
-              <a:rPr b="0" lang="de-DE" sz="2800" spc="-52" strike="noStrike">
-                <a:solidFill>
-                  <a:srgbClr val="ffffff"/>
-                </a:solidFill>
-                <a:latin typeface="Calibri Light"/>
-              </a:rPr>
-              <a:t>.</a:t>
-            </a:r>
-            <a:r>
-              <a:rPr b="0" lang="de-DE" sz="2800" spc="-52" strike="noStrike">
-                <a:solidFill>
-                  <a:srgbClr val="ffffff"/>
-                </a:solidFill>
-                <a:latin typeface="Calibri Light"/>
-              </a:rPr>
-              <a:t>x</a:t>
-            </a:r>
-            <a:r>
-              <a:rPr b="0" lang="de-DE" sz="2800" spc="-52" strike="noStrike">
-                <a:solidFill>
-                  <a:srgbClr val="ffffff"/>
-                </a:solidFill>
-                <a:latin typeface="Calibri Light"/>
-              </a:rPr>
-              <a:t>m</a:t>
-            </a:r>
-            <a:r>
-              <a:rPr b="0" lang="de-DE" sz="2800" spc="-52" strike="noStrike">
-                <a:solidFill>
-                  <a:srgbClr val="ffffff"/>
-                </a:solidFill>
-                <a:latin typeface="Calibri Light"/>
-              </a:rPr>
-              <a:t>l</a:t>
+                <a:ea typeface="DejaVu Sans"/>
+              </a:rPr>
+              <a:t>Pratique : correction du fichier Exemple.xml</a:t>
             </a:r>
             <a:endParaRPr b="0" lang="fr-FR" sz="2800" spc="-1" strike="noStrike">
               <a:latin typeface="Arial"/>
@@ -11231,7 +9808,7 @@
       </p:sp>
       <p:pic>
         <p:nvPicPr>
-          <p:cNvPr id="198" name="" descr=""/>
+          <p:cNvPr id="202" name="" descr=""/>
           <p:cNvPicPr/>
           <p:nvPr/>
         </p:nvPicPr>
@@ -11243,7 +9820,7 @@
         <p:spPr>
           <a:xfrm>
             <a:off x="7596000" y="1895760"/>
-            <a:ext cx="4188240" cy="4584240"/>
+            <a:ext cx="4187880" cy="4583880"/>
           </a:xfrm>
           <a:prstGeom prst="rect">
             <a:avLst/>
@@ -11255,14 +9832,14 @@
       </p:pic>
       <p:sp>
         <p:nvSpPr>
-          <p:cNvPr id="199" name="CustomShape 3"/>
+          <p:cNvPr id="203" name="CustomShape 3"/>
           <p:cNvSpPr/>
           <p:nvPr/>
         </p:nvSpPr>
         <p:spPr>
           <a:xfrm>
             <a:off x="4512240" y="407160"/>
-            <a:ext cx="6840000" cy="1040760"/>
+            <a:ext cx="6839640" cy="1040400"/>
           </a:xfrm>
           <a:prstGeom prst="rect">
             <a:avLst/>
@@ -11294,6 +9871,7 @@
                   <a:srgbClr val="000000"/>
                 </a:solidFill>
                 <a:latin typeface="Calibri Light"/>
+                <a:ea typeface="DejaVu Sans"/>
               </a:rPr>
               <a:t>Mise en pratique ; chacun va se voir attribuer une </a:t>
             </a:r>
@@ -11303,6 +9881,7 @@
                   <a:srgbClr val="000000"/>
                 </a:solidFill>
                 <a:latin typeface="Calibri Light"/>
+                <a:ea typeface="DejaVu Sans"/>
               </a:rPr>
               <a:t>issue</a:t>
             </a:r>
@@ -11312,28 +9891,26 @@
                   <a:srgbClr val="000000"/>
                 </a:solidFill>
                 <a:latin typeface="Calibri Light"/>
+                <a:ea typeface="DejaVu Sans"/>
               </a:rPr>
               <a:t> et dans l’ordre :</a:t>
             </a:r>
             <a:endParaRPr b="0" lang="fr-FR" sz="2200" spc="-1" strike="noStrike">
-              <a:solidFill>
-                <a:srgbClr val="000000"/>
-              </a:solidFill>
-              <a:latin typeface="Arial"/>
-            </a:endParaRPr>
-          </a:p>
-        </p:txBody>
-      </p:sp>
-      <p:sp>
-        <p:nvSpPr>
-          <p:cNvPr id="200" name="CustomShape 4"/>
+              <a:latin typeface="Arial"/>
+            </a:endParaRPr>
+          </a:p>
+        </p:txBody>
+      </p:sp>
+      <p:sp>
+        <p:nvSpPr>
+          <p:cNvPr id="204" name="CustomShape 4"/>
           <p:cNvSpPr/>
           <p:nvPr/>
         </p:nvSpPr>
         <p:spPr>
           <a:xfrm>
             <a:off x="4176000" y="1872000"/>
-            <a:ext cx="3312000" cy="4536000"/>
+            <a:ext cx="3311640" cy="3744000"/>
           </a:xfrm>
           <a:prstGeom prst="rect">
             <a:avLst/>
@@ -11354,7 +9931,7 @@
             <a:noAutofit/>
           </a:bodyPr>
           <a:p>
-            <a:pPr marL="216000" indent="-216000">
+            <a:pPr marL="216000" indent="-215640">
               <a:lnSpc>
                 <a:spcPct val="85000"/>
               </a:lnSpc>
@@ -11370,19 +9947,17 @@
                 <a:solidFill>
                   <a:srgbClr val="000000"/>
                 </a:solidFill>
-                <a:latin typeface="Calibri Light"/>
+                <a:latin typeface="Arial"/>
+                <a:ea typeface="DejaVu Sans"/>
               </a:rPr>
               <a:t>Créer une branche locale.</a:t>
             </a:r>
             <a:endParaRPr b="0" lang="fr-FR" sz="2200" spc="-1" strike="noStrike">
-              <a:solidFill>
-                <a:srgbClr val="000000"/>
-              </a:solidFill>
-              <a:latin typeface="Arial"/>
-            </a:endParaRPr>
-          </a:p>
-          <a:p>
-            <a:pPr marL="216000" indent="-216000">
+              <a:latin typeface="Arial"/>
+            </a:endParaRPr>
+          </a:p>
+          <a:p>
+            <a:pPr marL="216000" indent="-215640">
               <a:lnSpc>
                 <a:spcPct val="85000"/>
               </a:lnSpc>
@@ -11398,19 +9973,17 @@
                 <a:solidFill>
                   <a:srgbClr val="000000"/>
                 </a:solidFill>
-                <a:latin typeface="Calibri Light"/>
+                <a:latin typeface="Arial"/>
+                <a:ea typeface="DejaVu Sans"/>
               </a:rPr>
               <a:t>Corriger l’erreur sur sa branche locale.</a:t>
             </a:r>
             <a:endParaRPr b="0" lang="fr-FR" sz="2200" spc="-1" strike="noStrike">
-              <a:solidFill>
-                <a:srgbClr val="000000"/>
-              </a:solidFill>
-              <a:latin typeface="Arial"/>
-            </a:endParaRPr>
-          </a:p>
-          <a:p>
-            <a:pPr marL="216000" indent="-216000">
+              <a:latin typeface="Arial"/>
+            </a:endParaRPr>
+          </a:p>
+          <a:p>
+            <a:pPr marL="216000" indent="-215640">
               <a:lnSpc>
                 <a:spcPct val="85000"/>
               </a:lnSpc>
@@ -11426,19 +9999,17 @@
                 <a:solidFill>
                   <a:srgbClr val="000000"/>
                 </a:solidFill>
-                <a:latin typeface="Calibri Light"/>
+                <a:latin typeface="Arial"/>
+                <a:ea typeface="DejaVu Sans"/>
               </a:rPr>
               <a:t>Fusionner la branche locale avec la branche main.</a:t>
             </a:r>
             <a:endParaRPr b="0" lang="fr-FR" sz="2200" spc="-1" strike="noStrike">
-              <a:solidFill>
-                <a:srgbClr val="000000"/>
-              </a:solidFill>
-              <a:latin typeface="Arial"/>
-            </a:endParaRPr>
-          </a:p>
-          <a:p>
-            <a:pPr marL="216000" indent="-216000">
+              <a:latin typeface="Arial"/>
+            </a:endParaRPr>
+          </a:p>
+          <a:p>
+            <a:pPr marL="216000" indent="-215640">
               <a:lnSpc>
                 <a:spcPct val="85000"/>
               </a:lnSpc>
@@ -11454,7 +10025,8 @@
                 <a:solidFill>
                   <a:srgbClr val="000000"/>
                 </a:solidFill>
-                <a:latin typeface="Calibri Light"/>
+                <a:latin typeface="Arial"/>
+                <a:ea typeface="DejaVu Sans"/>
               </a:rPr>
               <a:t>Push </a:t>
             </a:r>
@@ -11463,19 +10035,17 @@
                 <a:solidFill>
                   <a:srgbClr val="000000"/>
                 </a:solidFill>
-                <a:latin typeface="Calibri Light"/>
+                <a:latin typeface="Arial"/>
+                <a:ea typeface="DejaVu Sans"/>
               </a:rPr>
               <a:t>son dépôt local vers son dépôt distant.</a:t>
             </a:r>
             <a:endParaRPr b="0" lang="fr-FR" sz="2200" spc="-1" strike="noStrike">
-              <a:solidFill>
-                <a:srgbClr val="000000"/>
-              </a:solidFill>
-              <a:latin typeface="Arial"/>
-            </a:endParaRPr>
-          </a:p>
-          <a:p>
-            <a:pPr marL="216000" indent="-216000">
+              <a:latin typeface="Arial"/>
+            </a:endParaRPr>
+          </a:p>
+          <a:p>
+            <a:pPr marL="216000" indent="-215640">
               <a:lnSpc>
                 <a:spcPct val="85000"/>
               </a:lnSpc>
@@ -11491,7 +10061,8 @@
                 <a:solidFill>
                   <a:srgbClr val="000000"/>
                 </a:solidFill>
-                <a:latin typeface="Calibri Light"/>
+                <a:latin typeface="Arial"/>
+                <a:ea typeface="DejaVu Sans"/>
               </a:rPr>
               <a:t>Faire une </a:t>
             </a:r>
@@ -11500,7 +10071,8 @@
                 <a:solidFill>
                   <a:srgbClr val="000000"/>
                 </a:solidFill>
-                <a:latin typeface="Calibri Light"/>
+                <a:latin typeface="Arial"/>
+                <a:ea typeface="DejaVu Sans"/>
               </a:rPr>
               <a:t>pull request</a:t>
             </a:r>
@@ -11509,14 +10081,12 @@
                 <a:solidFill>
                   <a:srgbClr val="000000"/>
                 </a:solidFill>
-                <a:latin typeface="Calibri Light"/>
+                <a:latin typeface="Arial"/>
+                <a:ea typeface="DejaVu Sans"/>
               </a:rPr>
               <a:t> pour intégrer son travail au dépôt source.</a:t>
             </a:r>
             <a:endParaRPr b="0" lang="fr-FR" sz="2200" spc="-1" strike="noStrike">
-              <a:solidFill>
-                <a:srgbClr val="000000"/>
-              </a:solidFill>
               <a:latin typeface="Arial"/>
             </a:endParaRPr>
           </a:p>
@@ -11561,7 +10131,7 @@
         <p:spPr>
           <a:xfrm>
             <a:off x="1097280" y="286560"/>
-            <a:ext cx="10057680" cy="1450080"/>
+            <a:ext cx="10057320" cy="1449720"/>
           </a:xfrm>
           <a:prstGeom prst="rect">
             <a:avLst/>
@@ -11593,6 +10163,7 @@
                   <a:srgbClr val="404040"/>
                 </a:solidFill>
                 <a:latin typeface="Calibri Light"/>
+                <a:ea typeface="DejaVu Sans"/>
               </a:rPr>
               <a:t>Introduction : Git</a:t>
             </a:r>
@@ -11611,7 +10182,7 @@
         <p:spPr>
           <a:xfrm>
             <a:off x="1097280" y="1845720"/>
-            <a:ext cx="10057680" cy="4022640"/>
+            <a:ext cx="10057320" cy="4022280"/>
           </a:xfrm>
           <a:prstGeom prst="rect">
             <a:avLst/>
@@ -11632,7 +10203,7 @@
             <a:noAutofit/>
           </a:bodyPr>
           <a:p>
-            <a:pPr marL="91440" indent="-90720">
+            <a:pPr marL="91440" indent="-90360">
               <a:lnSpc>
                 <a:spcPct val="90000"/>
               </a:lnSpc>
@@ -11654,6 +10225,7 @@
                   <a:srgbClr val="404040"/>
                 </a:solidFill>
                 <a:latin typeface="Calibri"/>
+                <a:ea typeface="DejaVu Sans"/>
               </a:rPr>
               <a:t>Git est un logiciel de gestion de versions décentralisé.</a:t>
             </a:r>
@@ -11662,7 +10234,7 @@
             </a:endParaRPr>
           </a:p>
           <a:p>
-            <a:pPr marL="91440" indent="-90720">
+            <a:pPr marL="91440" indent="-90360">
               <a:lnSpc>
                 <a:spcPct val="90000"/>
               </a:lnSpc>
@@ -11684,6 +10256,7 @@
                   <a:srgbClr val="404040"/>
                 </a:solidFill>
                 <a:latin typeface="Calibri"/>
+                <a:ea typeface="DejaVu Sans"/>
               </a:rPr>
               <a:t>Il s’agit d’un logiciel libre créé par Linus Torvalds (créateur du noyau Linux) en 2005.</a:t>
             </a:r>
@@ -11692,7 +10265,7 @@
             </a:endParaRPr>
           </a:p>
           <a:p>
-            <a:pPr marL="91440" indent="-90720">
+            <a:pPr marL="91440" indent="-90360">
               <a:lnSpc>
                 <a:spcPct val="90000"/>
               </a:lnSpc>
@@ -11714,6 +10287,7 @@
                   <a:srgbClr val="404040"/>
                 </a:solidFill>
                 <a:latin typeface="Calibri"/>
+                <a:ea typeface="DejaVu Sans"/>
               </a:rPr>
               <a:t>Il a été pensé pour pouvoir fonctionner de manière décentralisé : il fonctionne en </a:t>
             </a:r>
@@ -11724,6 +10298,7 @@
                 </a:solidFill>
                 <a:uFillTx/>
                 <a:latin typeface="Calibri"/>
+                <a:ea typeface="DejaVu Sans"/>
                 <a:hlinkClick r:id="rId1"/>
               </a:rPr>
               <a:t>peer-2-peer</a:t>
@@ -11734,6 +10309,7 @@
                   <a:srgbClr val="404040"/>
                 </a:solidFill>
                 <a:latin typeface="Calibri"/>
+                <a:ea typeface="DejaVu Sans"/>
               </a:rPr>
               <a:t>.</a:t>
             </a:r>
@@ -11742,7 +10318,7 @@
             </a:endParaRPr>
           </a:p>
           <a:p>
-            <a:pPr marL="91440" indent="-90720">
+            <a:pPr marL="91440" indent="-90360">
               <a:lnSpc>
                 <a:spcPct val="90000"/>
               </a:lnSpc>
@@ -11764,6 +10340,7 @@
                   <a:srgbClr val="404040"/>
                 </a:solidFill>
                 <a:latin typeface="Calibri"/>
+                <a:ea typeface="DejaVu Sans"/>
               </a:rPr>
               <a:t>Git indexe les fichiers d‘après leur </a:t>
             </a:r>
@@ -11773,6 +10350,7 @@
                   <a:srgbClr val="404040"/>
                 </a:solidFill>
                 <a:latin typeface="Calibri"/>
+                <a:ea typeface="DejaVu Sans"/>
               </a:rPr>
               <a:t>somme</a:t>
             </a:r>
@@ -11782,6 +10360,7 @@
                   <a:srgbClr val="404040"/>
                 </a:solidFill>
                 <a:latin typeface="Calibri"/>
+                <a:ea typeface="DejaVu Sans"/>
               </a:rPr>
               <a:t> de contrôle.</a:t>
             </a:r>
@@ -11790,7 +10369,7 @@
             </a:endParaRPr>
           </a:p>
           <a:p>
-            <a:pPr marL="91440" indent="-90720">
+            <a:pPr marL="91440" indent="-90360">
               <a:lnSpc>
                 <a:spcPct val="90000"/>
               </a:lnSpc>
@@ -11812,6 +10391,7 @@
                   <a:srgbClr val="404040"/>
                 </a:solidFill>
                 <a:latin typeface="Calibri"/>
+                <a:ea typeface="DejaVu Sans"/>
               </a:rPr>
               <a:t>Une </a:t>
             </a:r>
@@ -11822,6 +10402,7 @@
                 </a:solidFill>
                 <a:uFillTx/>
                 <a:latin typeface="Calibri"/>
+                <a:ea typeface="DejaVu Sans"/>
                 <a:hlinkClick r:id="rId2"/>
               </a:rPr>
               <a:t>somme de contrôle</a:t>
@@ -11832,6 +10413,7 @@
                   <a:srgbClr val="404040"/>
                 </a:solidFill>
                 <a:latin typeface="Calibri"/>
+                <a:ea typeface="DejaVu Sans"/>
               </a:rPr>
               <a:t>, c‘est une séquence courte de données numériques calculée à partir d‘un bloc de données plus important.</a:t>
             </a:r>
@@ -11840,7 +10422,7 @@
             </a:endParaRPr>
           </a:p>
           <a:p>
-            <a:pPr marL="91440" indent="-90720">
+            <a:pPr marL="91440" indent="-90360">
               <a:lnSpc>
                 <a:spcPct val="90000"/>
               </a:lnSpc>
@@ -11862,6 +10444,7 @@
                   <a:srgbClr val="404040"/>
                 </a:solidFill>
                 <a:latin typeface="Calibri"/>
+                <a:ea typeface="DejaVu Sans"/>
               </a:rPr>
               <a:t>Si la somme de contrôle est différente, deux versions du fichier sont stockées.</a:t>
             </a:r>
@@ -11870,7 +10453,7 @@
             </a:endParaRPr>
           </a:p>
           <a:p>
-            <a:pPr marL="91440" indent="-90720">
+            <a:pPr marL="91440" indent="-90360">
               <a:lnSpc>
                 <a:spcPct val="90000"/>
               </a:lnSpc>
@@ -11892,6 +10475,7 @@
                   <a:srgbClr val="404040"/>
                 </a:solidFill>
                 <a:latin typeface="Calibri"/>
+                <a:ea typeface="DejaVu Sans"/>
               </a:rPr>
               <a:t>À l‘origine, git s‘utilisait uniquement en ligne de commande.</a:t>
             </a:r>
@@ -11940,7 +10524,7 @@
         <p:spPr>
           <a:xfrm>
             <a:off x="1097280" y="286560"/>
-            <a:ext cx="10057680" cy="1450080"/>
+            <a:ext cx="10057320" cy="1449720"/>
           </a:xfrm>
           <a:prstGeom prst="rect">
             <a:avLst/>
@@ -11972,6 +10556,7 @@
                   <a:srgbClr val="404040"/>
                 </a:solidFill>
                 <a:latin typeface="Calibri Light"/>
+                <a:ea typeface="DejaVu Sans"/>
               </a:rPr>
               <a:t>Dépôt local et dépôt distant</a:t>
             </a:r>
@@ -11990,7 +10575,7 @@
         <p:spPr>
           <a:xfrm>
             <a:off x="1097280" y="2095200"/>
-            <a:ext cx="4665240" cy="3523680"/>
+            <a:ext cx="4664880" cy="3523320"/>
           </a:xfrm>
           <a:prstGeom prst="rect">
             <a:avLst/>
@@ -12011,7 +10596,7 @@
             <a:normAutofit fontScale="51000"/>
           </a:bodyPr>
           <a:p>
-            <a:pPr marL="91440" indent="-90720">
+            <a:pPr marL="91440" indent="-90360">
               <a:lnSpc>
                 <a:spcPct val="90000"/>
               </a:lnSpc>
@@ -12033,15 +10618,16 @@
                   <a:srgbClr val="404040"/>
                 </a:solidFill>
                 <a:latin typeface="Calibri"/>
-              </a:rPr>
-              <a:t>Les dépôts locaux sont des images du dépôt distant. Le plus souvent, ce sont sur ces dépôts locaux qu‘on travaille.</a:t>
+                <a:ea typeface="DejaVu Sans"/>
+              </a:rPr>
+              <a:t>Les dépôts locaux sont des images du dépôt distant. Le plus souvent, c‘est sur ces dépôts locaux qu‘on travaille.</a:t>
             </a:r>
             <a:endParaRPr b="0" lang="fr-FR" sz="2000" spc="-1" strike="noStrike">
               <a:latin typeface="Arial"/>
             </a:endParaRPr>
           </a:p>
           <a:p>
-            <a:pPr marL="91440" indent="-90720">
+            <a:pPr marL="91440" indent="-90360">
               <a:lnSpc>
                 <a:spcPct val="90000"/>
               </a:lnSpc>
@@ -12063,6 +10649,7 @@
                   <a:srgbClr val="404040"/>
                 </a:solidFill>
                 <a:latin typeface="Calibri"/>
+                <a:ea typeface="DejaVu Sans"/>
               </a:rPr>
               <a:t>On peut mettre à jour son dépôt local depuis un dépôt distant, et inversement.</a:t>
             </a:r>
@@ -12071,7 +10658,7 @@
             </a:endParaRPr>
           </a:p>
           <a:p>
-            <a:pPr marL="91440" indent="-90720">
+            <a:pPr marL="91440" indent="-90360">
               <a:lnSpc>
                 <a:spcPct val="90000"/>
               </a:lnSpc>
@@ -12093,6 +10680,7 @@
                   <a:srgbClr val="404040"/>
                 </a:solidFill>
                 <a:latin typeface="Calibri"/>
+                <a:ea typeface="DejaVu Sans"/>
               </a:rPr>
               <a:t>Cela permet à plusieurs individus de travailler ensemble sur un même document tout en sachant qui a fait quoi.</a:t>
             </a:r>
@@ -12101,7 +10689,7 @@
             </a:endParaRPr>
           </a:p>
           <a:p>
-            <a:pPr marL="91440" indent="-90720">
+            <a:pPr marL="91440" indent="-90360">
               <a:lnSpc>
                 <a:spcPct val="90000"/>
               </a:lnSpc>
@@ -12123,8 +10711,9 @@
                   <a:srgbClr val="404040"/>
                 </a:solidFill>
                 <a:latin typeface="Calibri"/>
-              </a:rPr>
-              <a:t>Bien sûr cela sous-entend d‘être discipliné car il faut veiller à mettre à jour son dépôt local à chaque nouvelle session de travail et et mettre à jour le dépôt distant lorsau4‘on a effectué des modifications.</a:t>
+                <a:ea typeface="DejaVu Sans"/>
+              </a:rPr>
+              <a:t>Bien sûr cela sous-entend d‘être discipliné et rigoureux car il faut veiller à mettre à jour son dépôt local à chaque nouvelle session de travail et mettre à jour le dépôt distant lorsqu‘on a effectué des modifications.</a:t>
             </a:r>
             <a:endParaRPr b="0" lang="fr-FR" sz="2000" spc="-1" strike="noStrike">
               <a:latin typeface="Arial"/>
@@ -12161,7 +10750,7 @@
         <p:spPr>
           <a:xfrm>
             <a:off x="5954760" y="2095200"/>
-            <a:ext cx="5952240" cy="3523680"/>
+            <a:ext cx="5951880" cy="3523320"/>
           </a:xfrm>
           <a:prstGeom prst="rect">
             <a:avLst/>
@@ -12180,7 +10769,7 @@
         <p:spPr>
           <a:xfrm>
             <a:off x="6126480" y="5619600"/>
-            <a:ext cx="4971600" cy="455040"/>
+            <a:ext cx="4971240" cy="454680"/>
           </a:xfrm>
           <a:prstGeom prst="rect">
             <a:avLst/>
@@ -12265,7 +10854,7 @@
         <p:spPr>
           <a:xfrm>
             <a:off x="873360" y="1950840"/>
-            <a:ext cx="4971600" cy="2955600"/>
+            <a:ext cx="4971240" cy="2955240"/>
           </a:xfrm>
           <a:prstGeom prst="rect">
             <a:avLst/>
@@ -12288,7 +10877,7 @@
         <p:spPr>
           <a:xfrm>
             <a:off x="6346080" y="1950840"/>
-            <a:ext cx="4971600" cy="2955600"/>
+            <a:ext cx="4971240" cy="2955240"/>
           </a:xfrm>
           <a:prstGeom prst="rect">
             <a:avLst/>
@@ -12307,7 +10896,7 @@
         <p:spPr>
           <a:xfrm>
             <a:off x="873360" y="5058720"/>
-            <a:ext cx="4971600" cy="637200"/>
+            <a:ext cx="4971240" cy="637200"/>
           </a:xfrm>
           <a:prstGeom prst="rect">
             <a:avLst/>
@@ -12358,7 +10947,7 @@
         <p:spPr>
           <a:xfrm>
             <a:off x="6346080" y="5058720"/>
-            <a:ext cx="4971600" cy="637200"/>
+            <a:ext cx="4971240" cy="637200"/>
           </a:xfrm>
           <a:prstGeom prst="rect">
             <a:avLst/>
@@ -12409,7 +10998,7 @@
         <p:spPr>
           <a:xfrm>
             <a:off x="1097280" y="286560"/>
-            <a:ext cx="10057680" cy="1450080"/>
+            <a:ext cx="10057320" cy="1449720"/>
           </a:xfrm>
           <a:prstGeom prst="rect">
             <a:avLst/>
@@ -12441,6 +11030,7 @@
                   <a:srgbClr val="404040"/>
                 </a:solidFill>
                 <a:latin typeface="Calibri Light"/>
+                <a:ea typeface="DejaVu Sans"/>
               </a:rPr>
               <a:t>Quelles problématiques Git permet-il de résoudre ?</a:t>
             </a:r>
@@ -12489,7 +11079,7 @@
         <p:spPr>
           <a:xfrm>
             <a:off x="1097280" y="286560"/>
-            <a:ext cx="10057680" cy="1450080"/>
+            <a:ext cx="10057320" cy="1449720"/>
           </a:xfrm>
           <a:prstGeom prst="rect">
             <a:avLst/>
@@ -12521,6 +11111,7 @@
                   <a:srgbClr val="404040"/>
                 </a:solidFill>
                 <a:latin typeface="Calibri Light"/>
+                <a:ea typeface="DejaVu Sans"/>
               </a:rPr>
               <a:t>Les trois tapes de traitement</a:t>
             </a:r>
@@ -12543,7 +11134,7 @@
         <p:spPr>
           <a:xfrm>
             <a:off x="5659920" y="1904040"/>
-            <a:ext cx="5770800" cy="4071600"/>
+            <a:ext cx="5770440" cy="4071240"/>
           </a:xfrm>
           <a:prstGeom prst="rect">
             <a:avLst/>
@@ -12562,7 +11153,7 @@
         <p:spPr>
           <a:xfrm>
             <a:off x="5992200" y="5911560"/>
-            <a:ext cx="4971600" cy="409680"/>
+            <a:ext cx="4971240" cy="409320"/>
           </a:xfrm>
           <a:prstGeom prst="rect">
             <a:avLst/>
@@ -12613,7 +11204,7 @@
         <p:spPr>
           <a:xfrm>
             <a:off x="917280" y="2608920"/>
-            <a:ext cx="4824000" cy="2985120"/>
+            <a:ext cx="4823640" cy="2984760"/>
           </a:xfrm>
           <a:prstGeom prst="rect">
             <a:avLst/>
@@ -12634,7 +11225,7 @@
             <a:normAutofit fontScale="85000"/>
           </a:bodyPr>
           <a:p>
-            <a:pPr marL="91440" indent="-90720">
+            <a:pPr marL="91440" indent="-90360">
               <a:lnSpc>
                 <a:spcPct val="90000"/>
               </a:lnSpc>
@@ -12665,7 +11256,7 @@
             </a:endParaRPr>
           </a:p>
           <a:p>
-            <a:pPr lvl="1" marL="384120" indent="-182160">
+            <a:pPr lvl="1" marL="384120" indent="-181800">
               <a:lnSpc>
                 <a:spcPct val="90000"/>
               </a:lnSpc>
@@ -12706,7 +11297,7 @@
             </a:endParaRPr>
           </a:p>
           <a:p>
-            <a:pPr lvl="1" marL="384120" indent="-182160">
+            <a:pPr lvl="1" marL="384120" indent="-181800">
               <a:lnSpc>
                 <a:spcPct val="90000"/>
               </a:lnSpc>
@@ -12747,7 +11338,7 @@
             </a:endParaRPr>
           </a:p>
           <a:p>
-            <a:pPr lvl="1" marL="384120" indent="-182160">
+            <a:pPr lvl="1" marL="384120" indent="-181800">
               <a:lnSpc>
                 <a:spcPct val="90000"/>
               </a:lnSpc>
@@ -12788,7 +11379,7 @@
             </a:endParaRPr>
           </a:p>
           <a:p>
-            <a:pPr marL="91440" indent="-90720">
+            <a:pPr marL="91440" indent="-90360">
               <a:lnSpc>
                 <a:spcPct val="90000"/>
               </a:lnSpc>
@@ -12891,7 +11482,7 @@
         <p:spPr>
           <a:xfrm>
             <a:off x="1097280" y="286560"/>
-            <a:ext cx="10057680" cy="1450080"/>
+            <a:ext cx="10057320" cy="1449720"/>
           </a:xfrm>
           <a:prstGeom prst="rect">
             <a:avLst/>
@@ -12923,6 +11514,7 @@
                   <a:srgbClr val="404040"/>
                 </a:solidFill>
                 <a:latin typeface="Calibri Light"/>
+                <a:ea typeface="DejaVu Sans"/>
               </a:rPr>
               <a:t>Introduction : Github</a:t>
             </a:r>
@@ -12941,7 +11533,7 @@
         <p:spPr>
           <a:xfrm>
             <a:off x="1097280" y="1845720"/>
-            <a:ext cx="6894360" cy="4022640"/>
+            <a:ext cx="6894000" cy="4022280"/>
           </a:xfrm>
           <a:prstGeom prst="rect">
             <a:avLst/>
@@ -12962,7 +11554,7 @@
             <a:noAutofit/>
           </a:bodyPr>
           <a:p>
-            <a:pPr marL="91440" indent="-90720">
+            <a:pPr marL="91440" indent="-90360">
               <a:lnSpc>
                 <a:spcPct val="90000"/>
               </a:lnSpc>
@@ -12984,6 +11576,7 @@
                   <a:srgbClr val="404040"/>
                 </a:solidFill>
                 <a:latin typeface="Calibri"/>
+                <a:ea typeface="DejaVu Sans"/>
               </a:rPr>
               <a:t>Github est un service web d‘</a:t>
             </a:r>
@@ -12993,6 +11586,7 @@
                   <a:srgbClr val="404040"/>
                 </a:solidFill>
                 <a:latin typeface="Calibri"/>
+                <a:ea typeface="DejaVu Sans"/>
               </a:rPr>
               <a:t>hébergement</a:t>
             </a:r>
@@ -13002,6 +11596,7 @@
                   <a:srgbClr val="404040"/>
                 </a:solidFill>
                 <a:latin typeface="Calibri"/>
+                <a:ea typeface="DejaVu Sans"/>
               </a:rPr>
               <a:t> et de développement de logiciels lancé en 2008.</a:t>
             </a:r>
@@ -13010,7 +11605,7 @@
             </a:endParaRPr>
           </a:p>
           <a:p>
-            <a:pPr marL="91440" indent="-90720">
+            <a:pPr marL="91440" indent="-90360">
               <a:lnSpc>
                 <a:spcPct val="90000"/>
               </a:lnSpc>
@@ -13032,6 +11627,7 @@
                   <a:srgbClr val="404040"/>
                 </a:solidFill>
                 <a:latin typeface="Calibri"/>
+                <a:ea typeface="DejaVu Sans"/>
               </a:rPr>
               <a:t>Il permet de travailler à partir de plusieurs dépôts locaux et distants et sert à harmoniser les efforts des équipes de développement.</a:t>
             </a:r>
@@ -13040,7 +11636,7 @@
             </a:endParaRPr>
           </a:p>
           <a:p>
-            <a:pPr marL="91440" indent="-90720">
+            <a:pPr marL="91440" indent="-90360">
               <a:lnSpc>
                 <a:spcPct val="90000"/>
               </a:lnSpc>
@@ -13062,6 +11658,7 @@
                   <a:srgbClr val="404040"/>
                 </a:solidFill>
                 <a:latin typeface="Calibri"/>
+                <a:ea typeface="DejaVu Sans"/>
               </a:rPr>
               <a:t>Github prend en charge l‘aspect „dépôt distant“ de Git et propose de multiple outils qui facilitent le travail en groupe.</a:t>
             </a:r>
@@ -13070,7 +11667,7 @@
             </a:endParaRPr>
           </a:p>
           <a:p>
-            <a:pPr marL="91440" indent="-90720">
+            <a:pPr marL="91440" indent="-90360">
               <a:lnSpc>
                 <a:spcPct val="90000"/>
               </a:lnSpc>
@@ -13092,6 +11689,7 @@
                   <a:srgbClr val="404040"/>
                 </a:solidFill>
                 <a:latin typeface="Calibri"/>
+                <a:ea typeface="DejaVu Sans"/>
               </a:rPr>
               <a:t>Il propose également un service de visualisation de données qui permet d‘afficher en ligne des fichiers au formats csv, tsv, xml, py, ipynb, etc.</a:t>
             </a:r>
@@ -13100,7 +11698,7 @@
             </a:endParaRPr>
           </a:p>
           <a:p>
-            <a:pPr marL="91440" indent="-90720">
+            <a:pPr marL="91440" indent="-90360">
               <a:lnSpc>
                 <a:spcPct val="90000"/>
               </a:lnSpc>
@@ -13122,6 +11720,7 @@
                   <a:srgbClr val="404040"/>
                 </a:solidFill>
                 <a:latin typeface="Calibri"/>
+                <a:ea typeface="DejaVu Sans"/>
               </a:rPr>
               <a:t>Il existe bien sûr d’autres services d’hébergement et de développement fonctionnant sous git : GitLab, FramaGit, GNU Savannah, etc.</a:t>
             </a:r>
@@ -13144,7 +11743,7 @@
         <p:spPr>
           <a:xfrm>
             <a:off x="8271720" y="1935720"/>
-            <a:ext cx="2887920" cy="2887920"/>
+            <a:ext cx="2887560" cy="2887560"/>
           </a:xfrm>
           <a:prstGeom prst="rect">
             <a:avLst/>
@@ -13163,7 +11762,7 @@
         <p:spPr>
           <a:xfrm>
             <a:off x="8352000" y="5050800"/>
-            <a:ext cx="2807640" cy="637200"/>
+            <a:ext cx="2807280" cy="637200"/>
           </a:xfrm>
           <a:prstGeom prst="rect">
             <a:avLst/>
@@ -13264,7 +11863,7 @@
         <p:spPr>
           <a:xfrm>
             <a:off x="1097280" y="286560"/>
-            <a:ext cx="10057680" cy="1450080"/>
+            <a:ext cx="10057320" cy="1449720"/>
           </a:xfrm>
           <a:prstGeom prst="rect">
             <a:avLst/>
@@ -13296,6 +11895,7 @@
                   <a:srgbClr val="404040"/>
                 </a:solidFill>
                 <a:latin typeface="Calibri Light"/>
+                <a:ea typeface="DejaVu Sans"/>
               </a:rPr>
               <a:t>Le système de branches</a:t>
             </a:r>
@@ -13318,7 +11918,7 @@
         <p:spPr>
           <a:xfrm>
             <a:off x="7122240" y="1812960"/>
-            <a:ext cx="4032720" cy="1971720"/>
+            <a:ext cx="4032360" cy="1971360"/>
           </a:xfrm>
           <a:prstGeom prst="rect">
             <a:avLst/>
@@ -13341,7 +11941,7 @@
         <p:spPr>
           <a:xfrm>
             <a:off x="7303320" y="4120920"/>
-            <a:ext cx="3670560" cy="1880640"/>
+            <a:ext cx="3670200" cy="1880280"/>
           </a:xfrm>
           <a:prstGeom prst="rect">
             <a:avLst/>
@@ -13360,7 +11960,7 @@
         <p:spPr>
           <a:xfrm>
             <a:off x="6744600" y="3785040"/>
-            <a:ext cx="4879440" cy="333000"/>
+            <a:ext cx="4879080" cy="333000"/>
           </a:xfrm>
           <a:prstGeom prst="rect">
             <a:avLst/>
@@ -13411,7 +12011,7 @@
         <p:spPr>
           <a:xfrm>
             <a:off x="6698880" y="5977440"/>
-            <a:ext cx="4879440" cy="211680"/>
+            <a:ext cx="4879080" cy="211320"/>
           </a:xfrm>
           <a:prstGeom prst="rect">
             <a:avLst/>
@@ -13462,7 +12062,7 @@
         <p:spPr>
           <a:xfrm>
             <a:off x="917280" y="2080440"/>
-            <a:ext cx="4824000" cy="3807720"/>
+            <a:ext cx="4823640" cy="3807360"/>
           </a:xfrm>
           <a:prstGeom prst="rect">
             <a:avLst/>
@@ -13483,7 +12083,7 @@
             <a:normAutofit fontScale="85000"/>
           </a:bodyPr>
           <a:p>
-            <a:pPr marL="91440" indent="-90720">
+            <a:pPr marL="91440" indent="-90360">
               <a:lnSpc>
                 <a:spcPct val="90000"/>
               </a:lnSpc>
@@ -13554,7 +12154,7 @@
             </a:endParaRPr>
           </a:p>
           <a:p>
-            <a:pPr marL="91440" indent="-90720">
+            <a:pPr marL="91440" indent="-90360">
               <a:lnSpc>
                 <a:spcPct val="90000"/>
               </a:lnSpc>
@@ -13585,7 +12185,7 @@
             </a:endParaRPr>
           </a:p>
           <a:p>
-            <a:pPr lvl="1" marL="384120" indent="-182160">
+            <a:pPr lvl="1" marL="384120" indent="-181800">
               <a:lnSpc>
                 <a:spcPct val="90000"/>
               </a:lnSpc>
@@ -13636,7 +12236,7 @@
             </a:endParaRPr>
           </a:p>
           <a:p>
-            <a:pPr lvl="1" marL="384120" indent="-182160">
+            <a:pPr lvl="1" marL="384120" indent="-181800">
               <a:lnSpc>
                 <a:spcPct val="90000"/>
               </a:lnSpc>
@@ -13747,7 +12347,7 @@
         <p:spPr>
           <a:xfrm>
             <a:off x="457200" y="594360"/>
-            <a:ext cx="3199680" cy="2285280"/>
+            <a:ext cx="3199320" cy="2284920"/>
           </a:xfrm>
           <a:prstGeom prst="rect">
             <a:avLst/>
@@ -13779,6 +12379,7 @@
                   <a:srgbClr val="ffffff"/>
                 </a:solidFill>
                 <a:latin typeface="Calibri Light"/>
+                <a:ea typeface="DejaVu Sans"/>
               </a:rPr>
               <a:t>Initiation au développement collaboratif de projets avec Github</a:t>
             </a:r>
@@ -13797,7 +12398,7 @@
         <p:spPr>
           <a:xfrm>
             <a:off x="457200" y="3363840"/>
-            <a:ext cx="3199680" cy="2940480"/>
+            <a:ext cx="3199320" cy="2940120"/>
           </a:xfrm>
           <a:prstGeom prst="rect">
             <a:avLst/>
@@ -13838,6 +12439,7 @@
                   <a:srgbClr val="ffffff"/>
                 </a:solidFill>
                 <a:latin typeface="Calibri"/>
+                <a:ea typeface="DejaVu Sans"/>
               </a:rPr>
               <a:t>Nous allons passer à pratique et nous initier au versionnage. Il suffit pour cela :</a:t>
             </a:r>
@@ -13866,6 +12468,7 @@
                   <a:srgbClr val="ffffff"/>
                 </a:solidFill>
                 <a:latin typeface="Calibri"/>
+                <a:ea typeface="DejaVu Sans"/>
               </a:rPr>
               <a:t>[Optionnel] D’avoir installé git si l’on souhaite travailler depuis le terminal.</a:t>
             </a:r>
@@ -13894,6 +12497,7 @@
                   <a:srgbClr val="ffffff"/>
                 </a:solidFill>
                 <a:latin typeface="Calibri"/>
+                <a:ea typeface="DejaVu Sans"/>
               </a:rPr>
               <a:t>D‘avoir téléchargé le client-bureau de Github (Github Desktop).</a:t>
             </a:r>
@@ -13922,6 +12526,7 @@
                   <a:srgbClr val="ffffff"/>
                 </a:solidFill>
                 <a:latin typeface="Calibri"/>
+                <a:ea typeface="DejaVu Sans"/>
               </a:rPr>
               <a:t>De s‘être créé un compte Github.</a:t>
             </a:r>
@@ -13963,7 +12568,7 @@
         <p:spPr>
           <a:xfrm>
             <a:off x="5040000" y="1999080"/>
-            <a:ext cx="5792040" cy="3976920"/>
+            <a:ext cx="5791680" cy="3976560"/>
           </a:xfrm>
           <a:prstGeom prst="rect">
             <a:avLst/>
@@ -14012,7 +12617,7 @@
         <p:spPr>
           <a:xfrm>
             <a:off x="457200" y="594360"/>
-            <a:ext cx="3199680" cy="956880"/>
+            <a:ext cx="3199320" cy="956520"/>
           </a:xfrm>
           <a:prstGeom prst="rect">
             <a:avLst/>
@@ -14044,6 +12649,7 @@
                   <a:srgbClr val="ffffff"/>
                 </a:solidFill>
                 <a:latin typeface="Calibri Light"/>
+                <a:ea typeface="DejaVu Sans"/>
               </a:rPr>
               <a:t>Créer un </a:t>
             </a:r>
@@ -14053,6 +12659,7 @@
                   <a:srgbClr val="ffffff"/>
                 </a:solidFill>
                 <a:latin typeface="Calibri Light"/>
+                <a:ea typeface="DejaVu Sans"/>
               </a:rPr>
               <a:t>repository</a:t>
             </a:r>
@@ -14075,7 +12682,7 @@
         <p:spPr>
           <a:xfrm>
             <a:off x="5551560" y="731880"/>
-            <a:ext cx="4990680" cy="5257080"/>
+            <a:ext cx="4990320" cy="5256720"/>
           </a:xfrm>
           <a:prstGeom prst="rect">
             <a:avLst/>
@@ -14094,7 +12701,7 @@
         <p:spPr>
           <a:xfrm>
             <a:off x="457200" y="1618920"/>
-            <a:ext cx="3199680" cy="4685400"/>
+            <a:ext cx="3199320" cy="4685040"/>
           </a:xfrm>
           <a:prstGeom prst="rect">
             <a:avLst/>
@@ -14135,6 +12742,7 @@
                   <a:srgbClr val="ffffff"/>
                 </a:solidFill>
                 <a:latin typeface="Calibri"/>
+                <a:ea typeface="DejaVu Sans"/>
               </a:rPr>
               <a:t>Il est conseillé de toujours commencer par créer votre dépôt (</a:t>
             </a:r>
@@ -14144,6 +12752,7 @@
                   <a:srgbClr val="ffffff"/>
                 </a:solidFill>
                 <a:latin typeface="Calibri"/>
+                <a:ea typeface="DejaVu Sans"/>
               </a:rPr>
               <a:t>repository</a:t>
             </a:r>
@@ -14153,6 +12762,7 @@
                   <a:srgbClr val="ffffff"/>
                 </a:solidFill>
                 <a:latin typeface="Calibri"/>
+                <a:ea typeface="DejaVu Sans"/>
               </a:rPr>
               <a:t>) distant.</a:t>
             </a:r>
@@ -14181,6 +12791,7 @@
                   <a:srgbClr val="ffffff"/>
                 </a:solidFill>
                 <a:latin typeface="Calibri"/>
+                <a:ea typeface="DejaVu Sans"/>
               </a:rPr>
               <a:t>Cela simplifie le clonage du dépôt en local à l‘aide de </a:t>
             </a:r>
@@ -14190,6 +12801,7 @@
                   <a:srgbClr val="ffffff"/>
                 </a:solidFill>
                 <a:latin typeface="Calibri"/>
+                <a:ea typeface="DejaVu Sans"/>
               </a:rPr>
               <a:t>Github Desktop</a:t>
             </a:r>
@@ -14199,6 +12811,7 @@
                   <a:srgbClr val="ffffff"/>
                 </a:solidFill>
                 <a:latin typeface="Calibri"/>
+                <a:ea typeface="DejaVu Sans"/>
               </a:rPr>
               <a:t>.</a:t>
             </a:r>
@@ -14227,6 +12840,7 @@
                   <a:srgbClr val="ffffff"/>
                 </a:solidFill>
                 <a:latin typeface="Calibri"/>
+                <a:ea typeface="DejaVu Sans"/>
               </a:rPr>
               <a:t>Il est également conseillé de toujours ajouter un fichier README (il est par défaut au format </a:t>
             </a:r>
@@ -14236,6 +12850,7 @@
                   <a:srgbClr val="ffffff"/>
                 </a:solidFill>
                 <a:latin typeface="Calibri"/>
+                <a:ea typeface="DejaVu Sans"/>
               </a:rPr>
               <a:t>markdown</a:t>
             </a:r>
@@ -14245,6 +12860,7 @@
                   <a:srgbClr val="ffffff"/>
                 </a:solidFill>
                 <a:latin typeface="Calibri"/>
+                <a:ea typeface="DejaVu Sans"/>
               </a:rPr>
               <a:t>). Cela évite les potentiels problèmes posés par un </a:t>
             </a:r>
@@ -14254,6 +12870,7 @@
                   <a:srgbClr val="ffffff"/>
                 </a:solidFill>
                 <a:latin typeface="Calibri"/>
+                <a:ea typeface="DejaVu Sans"/>
               </a:rPr>
               <a:t>repository</a:t>
             </a:r>
@@ -14263,6 +12880,7 @@
                   <a:srgbClr val="ffffff"/>
                 </a:solidFill>
                 <a:latin typeface="Calibri"/>
+                <a:ea typeface="DejaVu Sans"/>
               </a:rPr>
               <a:t> vide</a:t>
             </a:r>
@@ -14291,6 +12909,7 @@
                   <a:srgbClr val="ffffff"/>
                 </a:solidFill>
                 <a:latin typeface="Calibri"/>
+                <a:ea typeface="DejaVu Sans"/>
               </a:rPr>
               <a:t>Vous pouvez ajouter la licence sous laquelle se trouve votre projet.</a:t>
             </a:r>
@@ -14319,6 +12938,7 @@
                   <a:srgbClr val="ffffff"/>
                 </a:solidFill>
                 <a:latin typeface="Calibri"/>
+                <a:ea typeface="DejaVu Sans"/>
               </a:rPr>
               <a:t>Le gitignore sert à ajouter des fichier du </a:t>
             </a:r>
@@ -14328,6 +12948,7 @@
                   <a:srgbClr val="ffffff"/>
                 </a:solidFill>
                 <a:latin typeface="Calibri"/>
+                <a:ea typeface="DejaVu Sans"/>
               </a:rPr>
               <a:t>repository</a:t>
             </a:r>
@@ -14337,6 +12958,7 @@
                   <a:srgbClr val="ffffff"/>
                 </a:solidFill>
                 <a:latin typeface="Calibri"/>
+                <a:ea typeface="DejaVu Sans"/>
               </a:rPr>
               <a:t> local qui ne doivent pas être pris en compte par les commandes Git (par exemple des fichiers trop volumineux).</a:t>
             </a:r>

--- a/FormationGitGithub.pptx
+++ b/FormationGitGithub.pptx
@@ -4132,7 +4132,7 @@
         <p:spPr>
           <a:xfrm>
             <a:off x="0" y="6400800"/>
-            <a:ext cx="12191040" cy="456120"/>
+            <a:ext cx="12190680" cy="455760"/>
           </a:xfrm>
           <a:prstGeom prst="rect">
             <a:avLst/>
@@ -4168,7 +4168,7 @@
         <p:spPr>
           <a:xfrm>
             <a:off x="0" y="6334200"/>
-            <a:ext cx="12191040" cy="64800"/>
+            <a:ext cx="12190680" cy="64440"/>
           </a:xfrm>
           <a:prstGeom prst="rect">
             <a:avLst/>
@@ -4241,7 +4241,7 @@
         <p:spPr>
           <a:xfrm>
             <a:off x="3240" y="6400800"/>
-            <a:ext cx="12187800" cy="456120"/>
+            <a:ext cx="12187440" cy="455760"/>
           </a:xfrm>
           <a:prstGeom prst="rect">
             <a:avLst/>
@@ -4277,7 +4277,7 @@
         <p:spPr>
           <a:xfrm>
             <a:off x="0" y="6334200"/>
-            <a:ext cx="12187800" cy="63000"/>
+            <a:ext cx="12187440" cy="62640"/>
           </a:xfrm>
           <a:prstGeom prst="rect">
             <a:avLst/>
@@ -4354,7 +4354,7 @@
         <p:spPr>
           <a:xfrm>
             <a:off x="609480" y="273600"/>
-            <a:ext cx="10972080" cy="1144440"/>
+            <a:ext cx="10972440" cy="1144800"/>
           </a:xfrm>
           <a:prstGeom prst="rect">
             <a:avLst/>
@@ -4365,13 +4365,14 @@
             <a:noAutofit/>
           </a:bodyPr>
           <a:p>
-            <a:r>
-              <a:rPr b="0" lang="fr-FR" sz="1800" spc="-1" strike="noStrike">
+            <a:pPr algn="ctr"/>
+            <a:r>
+              <a:rPr b="0" lang="fr-FR" sz="4400" spc="-1" strike="noStrike">
                 <a:latin typeface="Arial"/>
               </a:rPr>
               <a:t>Cliquez pour éditer le format du texte-titre</a:t>
             </a:r>
-            <a:endParaRPr b="0" lang="fr-FR" sz="1800" spc="-1" strike="noStrike">
+            <a:endParaRPr b="0" lang="fr-FR" sz="4400" spc="-1" strike="noStrike">
               <a:latin typeface="Arial"/>
             </a:endParaRPr>
           </a:p>
@@ -4390,7 +4391,7 @@
         <p:spPr>
           <a:xfrm>
             <a:off x="609480" y="1604520"/>
-            <a:ext cx="10972080" cy="3976920"/>
+            <a:ext cx="10972440" cy="3977280"/>
           </a:xfrm>
           <a:prstGeom prst="rect">
             <a:avLst/>
@@ -4413,12 +4414,12 @@
               <a:buChar char=""/>
             </a:pPr>
             <a:r>
-              <a:rPr b="0" lang="fr-FR" sz="1800" spc="-1" strike="noStrike">
+              <a:rPr b="0" lang="fr-FR" sz="3200" spc="-1" strike="noStrike">
                 <a:latin typeface="Arial"/>
               </a:rPr>
               <a:t>Cliquez pour éditer le format du plan de texte</a:t>
             </a:r>
-            <a:endParaRPr b="0" lang="fr-FR" sz="1800" spc="-1" strike="noStrike">
+            <a:endParaRPr b="0" lang="fr-FR" sz="3200" spc="-1" strike="noStrike">
               <a:latin typeface="Arial"/>
             </a:endParaRPr>
           </a:p>
@@ -4435,12 +4436,12 @@
               <a:buChar char=""/>
             </a:pPr>
             <a:r>
-              <a:rPr b="0" lang="fr-FR" sz="1800" spc="-1" strike="noStrike">
+              <a:rPr b="0" lang="fr-FR" sz="2800" spc="-1" strike="noStrike">
                 <a:latin typeface="Arial"/>
               </a:rPr>
               <a:t>Second niveau de plan</a:t>
             </a:r>
-            <a:endParaRPr b="0" lang="fr-FR" sz="1800" spc="-1" strike="noStrike">
+            <a:endParaRPr b="0" lang="fr-FR" sz="2800" spc="-1" strike="noStrike">
               <a:latin typeface="Arial"/>
             </a:endParaRPr>
           </a:p>
@@ -4457,12 +4458,12 @@
               <a:buChar char=""/>
             </a:pPr>
             <a:r>
-              <a:rPr b="0" lang="fr-FR" sz="1800" spc="-1" strike="noStrike">
+              <a:rPr b="0" lang="fr-FR" sz="2400" spc="-1" strike="noStrike">
                 <a:latin typeface="Arial"/>
               </a:rPr>
               <a:t>Troisième niveau de plan</a:t>
             </a:r>
-            <a:endParaRPr b="0" lang="fr-FR" sz="1800" spc="-1" strike="noStrike">
+            <a:endParaRPr b="0" lang="fr-FR" sz="2400" spc="-1" strike="noStrike">
               <a:latin typeface="Arial"/>
             </a:endParaRPr>
           </a:p>
@@ -4479,12 +4480,12 @@
               <a:buChar char=""/>
             </a:pPr>
             <a:r>
-              <a:rPr b="0" lang="fr-FR" sz="1800" spc="-1" strike="noStrike">
+              <a:rPr b="0" lang="fr-FR" sz="2000" spc="-1" strike="noStrike">
                 <a:latin typeface="Arial"/>
               </a:rPr>
               <a:t>Quatrième niveau de plan</a:t>
             </a:r>
-            <a:endParaRPr b="0" lang="fr-FR" sz="1800" spc="-1" strike="noStrike">
+            <a:endParaRPr b="0" lang="fr-FR" sz="2000" spc="-1" strike="noStrike">
               <a:latin typeface="Arial"/>
             </a:endParaRPr>
           </a:p>
@@ -4501,12 +4502,12 @@
               <a:buChar char=""/>
             </a:pPr>
             <a:r>
-              <a:rPr b="0" lang="fr-FR" sz="1800" spc="-1" strike="noStrike">
+              <a:rPr b="0" lang="fr-FR" sz="2000" spc="-1" strike="noStrike">
                 <a:latin typeface="Arial"/>
               </a:rPr>
               <a:t>Cinquième niveau de plan</a:t>
             </a:r>
-            <a:endParaRPr b="0" lang="fr-FR" sz="1800" spc="-1" strike="noStrike">
+            <a:endParaRPr b="0" lang="fr-FR" sz="2000" spc="-1" strike="noStrike">
               <a:latin typeface="Arial"/>
             </a:endParaRPr>
           </a:p>
@@ -4523,12 +4524,12 @@
               <a:buChar char=""/>
             </a:pPr>
             <a:r>
-              <a:rPr b="0" lang="fr-FR" sz="1800" spc="-1" strike="noStrike">
+              <a:rPr b="0" lang="fr-FR" sz="2000" spc="-1" strike="noStrike">
                 <a:latin typeface="Arial"/>
               </a:rPr>
               <a:t>Sixième niveau de plan</a:t>
             </a:r>
-            <a:endParaRPr b="0" lang="fr-FR" sz="1800" spc="-1" strike="noStrike">
+            <a:endParaRPr b="0" lang="fr-FR" sz="2000" spc="-1" strike="noStrike">
               <a:latin typeface="Arial"/>
             </a:endParaRPr>
           </a:p>
@@ -4545,12 +4546,12 @@
               <a:buChar char=""/>
             </a:pPr>
             <a:r>
-              <a:rPr b="0" lang="fr-FR" sz="1800" spc="-1" strike="noStrike">
+              <a:rPr b="0" lang="fr-FR" sz="2000" spc="-1" strike="noStrike">
                 <a:latin typeface="Arial"/>
               </a:rPr>
               <a:t>Septième niveau de plan</a:t>
             </a:r>
-            <a:endParaRPr b="0" lang="fr-FR" sz="1800" spc="-1" strike="noStrike">
+            <a:endParaRPr b="0" lang="fr-FR" sz="2000" spc="-1" strike="noStrike">
               <a:latin typeface="Arial"/>
             </a:endParaRPr>
           </a:p>
@@ -4609,7 +4610,7 @@
         <p:spPr>
           <a:xfrm>
             <a:off x="0" y="6400800"/>
-            <a:ext cx="12191040" cy="456120"/>
+            <a:ext cx="12190680" cy="455760"/>
           </a:xfrm>
           <a:prstGeom prst="rect">
             <a:avLst/>
@@ -4645,7 +4646,7 @@
         <p:spPr>
           <a:xfrm>
             <a:off x="0" y="6334200"/>
-            <a:ext cx="12191040" cy="64800"/>
+            <a:ext cx="12190680" cy="64440"/>
           </a:xfrm>
           <a:prstGeom prst="rect">
             <a:avLst/>
@@ -4978,7 +4979,7 @@
         <p:spPr>
           <a:xfrm>
             <a:off x="0" y="6400800"/>
-            <a:ext cx="12191040" cy="456120"/>
+            <a:ext cx="12190680" cy="455760"/>
           </a:xfrm>
           <a:prstGeom prst="rect">
             <a:avLst/>
@@ -5014,7 +5015,7 @@
         <p:spPr>
           <a:xfrm>
             <a:off x="0" y="6334200"/>
-            <a:ext cx="12191040" cy="64800"/>
+            <a:ext cx="12190680" cy="64440"/>
           </a:xfrm>
           <a:prstGeom prst="rect">
             <a:avLst/>
@@ -5087,7 +5088,7 @@
         <p:spPr>
           <a:xfrm>
             <a:off x="0" y="0"/>
-            <a:ext cx="4049640" cy="6856920"/>
+            <a:ext cx="4049280" cy="6856560"/>
           </a:xfrm>
           <a:prstGeom prst="rect">
             <a:avLst/>
@@ -5123,7 +5124,7 @@
         <p:spPr>
           <a:xfrm>
             <a:off x="4039920" y="0"/>
-            <a:ext cx="63000" cy="6856920"/>
+            <a:ext cx="62640" cy="6856560"/>
           </a:xfrm>
           <a:prstGeom prst="rect">
             <a:avLst/>
@@ -5412,7 +5413,7 @@
         <p:spPr>
           <a:xfrm>
             <a:off x="1523880" y="1122480"/>
-            <a:ext cx="9142920" cy="2305440"/>
+            <a:ext cx="9142560" cy="2305080"/>
           </a:xfrm>
           <a:prstGeom prst="rect">
             <a:avLst/>
@@ -5463,7 +5464,7 @@
         <p:spPr>
           <a:xfrm>
             <a:off x="1100160" y="4455720"/>
-            <a:ext cx="10057320" cy="1141920"/>
+            <a:ext cx="10056960" cy="1141560"/>
           </a:xfrm>
           <a:prstGeom prst="rect">
             <a:avLst/>
@@ -5481,7 +5482,7 @@
         </p:style>
         <p:txBody>
           <a:bodyPr lIns="90000" rIns="90000" tIns="45000" bIns="45000">
-            <a:normAutofit fontScale="61000"/>
+            <a:normAutofit fontScale="33000"/>
           </a:bodyPr>
           <a:p>
             <a:pPr algn="ctr">
@@ -5499,7 +5500,7 @@
               </a:tabLst>
             </a:pPr>
             <a:r>
-              <a:rPr b="0" lang="de-DE" sz="2400" spc="194" strike="noStrike" cap="all">
+              <a:rPr b="0" lang="de-DE" sz="2400" spc="191" strike="noStrike" cap="all">
                 <a:solidFill>
                   <a:srgbClr val="637052"/>
                 </a:solidFill>
@@ -5528,7 +5529,7 @@
               </a:tabLst>
             </a:pPr>
             <a:r>
-              <a:rPr b="0" lang="de-DE" sz="2400" spc="194" strike="noStrike" cap="all">
+              <a:rPr b="0" lang="de-DE" sz="2400" spc="191" strike="noStrike" cap="all">
                 <a:solidFill>
                   <a:srgbClr val="637052"/>
                 </a:solidFill>
@@ -5538,6 +5539,64 @@
               <a:t>Github, Un service web d‘hébergement et de gestion de developpement git</a:t>
             </a:r>
             <a:endParaRPr b="0" lang="fr-FR" sz="2400" spc="-1" strike="noStrike">
+              <a:latin typeface="Arial"/>
+            </a:endParaRPr>
+          </a:p>
+          <a:p>
+            <a:pPr algn="ctr">
+              <a:lnSpc>
+                <a:spcPct val="90000"/>
+              </a:lnSpc>
+              <a:spcBef>
+                <a:spcPts val="1199"/>
+              </a:spcBef>
+              <a:spcAft>
+                <a:spcPts val="201"/>
+              </a:spcAft>
+              <a:tabLst>
+                <a:tab algn="l" pos="0"/>
+              </a:tabLst>
+            </a:pPr>
+            <a:r>
+              <a:rPr b="0" lang="de-DE" sz="1300" spc="191" strike="noStrike" cap="all">
+                <a:solidFill>
+                  <a:srgbClr val="637052"/>
+                </a:solidFill>
+                <a:latin typeface="Calibri Light"/>
+                <a:ea typeface="DejaVu Sans"/>
+              </a:rPr>
+              <a:t>Formation dispensée à l’Institut Historique Allemand par Hippolyte Souvay</a:t>
+            </a:r>
+            <a:endParaRPr b="0" lang="fr-FR" sz="1300" spc="-1" strike="noStrike">
+              <a:latin typeface="Arial"/>
+            </a:endParaRPr>
+          </a:p>
+          <a:p>
+            <a:pPr algn="ctr">
+              <a:lnSpc>
+                <a:spcPct val="90000"/>
+              </a:lnSpc>
+              <a:spcBef>
+                <a:spcPts val="1199"/>
+              </a:spcBef>
+              <a:spcAft>
+                <a:spcPts val="201"/>
+              </a:spcAft>
+              <a:tabLst>
+                <a:tab algn="l" pos="0"/>
+              </a:tabLst>
+            </a:pPr>
+            <a:r>
+              <a:rPr b="0" lang="de-DE" sz="1300" spc="191" strike="noStrike" cap="all">
+                <a:solidFill>
+                  <a:srgbClr val="637052"/>
+                </a:solidFill>
+                <a:latin typeface="Calibri Light"/>
+                <a:ea typeface="DejaVu Sans"/>
+              </a:rPr>
+              <a:t>Le 9 février 2022</a:t>
+            </a:r>
+            <a:endParaRPr b="0" lang="fr-FR" sz="1300" spc="-1" strike="noStrike">
               <a:latin typeface="Arial"/>
             </a:endParaRPr>
           </a:p>
@@ -5556,7 +5615,7 @@
         <p:spPr>
           <a:xfrm>
             <a:off x="1100160" y="651240"/>
-            <a:ext cx="1713600" cy="932400"/>
+            <a:ext cx="1713240" cy="932040"/>
           </a:xfrm>
           <a:prstGeom prst="rect">
             <a:avLst/>
@@ -5579,7 +5638,7 @@
         <p:spPr>
           <a:xfrm>
             <a:off x="5018040" y="655560"/>
-            <a:ext cx="2221560" cy="927720"/>
+            <a:ext cx="2221200" cy="927360"/>
           </a:xfrm>
           <a:prstGeom prst="rect">
             <a:avLst/>
@@ -5602,7 +5661,7 @@
         <p:spPr>
           <a:xfrm>
             <a:off x="9509760" y="656280"/>
-            <a:ext cx="1647720" cy="931320"/>
+            <a:ext cx="1647360" cy="930960"/>
           </a:xfrm>
           <a:prstGeom prst="rect">
             <a:avLst/>
@@ -5651,7 +5710,7 @@
         <p:spPr>
           <a:xfrm>
             <a:off x="457200" y="594360"/>
-            <a:ext cx="3199320" cy="1090800"/>
+            <a:ext cx="3198960" cy="1090440"/>
           </a:xfrm>
           <a:prstGeom prst="rect">
             <a:avLst/>
@@ -5701,13 +5760,13 @@
         </p:nvPicPr>
         <p:blipFill>
           <a:blip r:embed="rId1"/>
-          <a:srcRect l="26449" t="0" r="1479" b="0"/>
+          <a:srcRect l="26443" t="0" r="1479" b="0"/>
           <a:stretch/>
         </p:blipFill>
         <p:spPr>
           <a:xfrm>
             <a:off x="5821920" y="1284480"/>
-            <a:ext cx="4433400" cy="1090800"/>
+            <a:ext cx="4433040" cy="1090440"/>
           </a:xfrm>
           <a:prstGeom prst="rect">
             <a:avLst/>
@@ -5726,7 +5785,7 @@
         <p:spPr>
           <a:xfrm>
             <a:off x="457200" y="1870920"/>
-            <a:ext cx="3199320" cy="4433400"/>
+            <a:ext cx="3198960" cy="4433040"/>
           </a:xfrm>
           <a:prstGeom prst="rect">
             <a:avLst/>
@@ -5989,7 +6048,7 @@
         <p:spPr>
           <a:xfrm>
             <a:off x="5904000" y="2757240"/>
-            <a:ext cx="4433400" cy="986040"/>
+            <a:ext cx="4433040" cy="985680"/>
           </a:xfrm>
           <a:prstGeom prst="rect">
             <a:avLst/>
@@ -6012,7 +6071,7 @@
         <p:spPr>
           <a:xfrm>
             <a:off x="5832000" y="4464000"/>
-            <a:ext cx="4797720" cy="1151280"/>
+            <a:ext cx="4797360" cy="1150920"/>
           </a:xfrm>
           <a:prstGeom prst="rect">
             <a:avLst/>
@@ -6061,7 +6120,7 @@
         <p:spPr>
           <a:xfrm>
             <a:off x="457200" y="1800000"/>
-            <a:ext cx="3199320" cy="4935960"/>
+            <a:ext cx="3198960" cy="4935600"/>
           </a:xfrm>
           <a:prstGeom prst="rect">
             <a:avLst/>
@@ -6260,7 +6319,7 @@
         <p:spPr>
           <a:xfrm>
             <a:off x="5094720" y="2228760"/>
-            <a:ext cx="5704920" cy="3133080"/>
+            <a:ext cx="5704560" cy="3132720"/>
           </a:xfrm>
           <a:prstGeom prst="rect">
             <a:avLst/>
@@ -6279,7 +6338,7 @@
         <p:spPr>
           <a:xfrm>
             <a:off x="457200" y="774360"/>
-            <a:ext cx="3199320" cy="1090800"/>
+            <a:ext cx="3198960" cy="1090440"/>
           </a:xfrm>
           <a:prstGeom prst="rect">
             <a:avLst/>
@@ -6360,7 +6419,7 @@
         <p:spPr>
           <a:xfrm>
             <a:off x="457200" y="594360"/>
-            <a:ext cx="3199320" cy="557280"/>
+            <a:ext cx="3198960" cy="556920"/>
           </a:xfrm>
           <a:prstGeom prst="rect">
             <a:avLst/>
@@ -6421,7 +6480,7 @@
         <p:spPr>
           <a:xfrm>
             <a:off x="457200" y="1368000"/>
-            <a:ext cx="3199320" cy="4935960"/>
+            <a:ext cx="3198960" cy="4935600"/>
           </a:xfrm>
           <a:prstGeom prst="rect">
             <a:avLst/>
@@ -6728,7 +6787,7 @@
         <p:spPr>
           <a:xfrm>
             <a:off x="4248000" y="566280"/>
-            <a:ext cx="1943640" cy="5875920"/>
+            <a:ext cx="1943280" cy="5875560"/>
           </a:xfrm>
           <a:prstGeom prst="rect">
             <a:avLst/>
@@ -6752,7 +6811,7 @@
         <p:spPr>
           <a:xfrm>
             <a:off x="6208200" y="540000"/>
-            <a:ext cx="5959440" cy="1799640"/>
+            <a:ext cx="5959080" cy="1799280"/>
           </a:xfrm>
           <a:prstGeom prst="rect">
             <a:avLst/>
@@ -6775,7 +6834,7 @@
         <p:spPr>
           <a:xfrm>
             <a:off x="6192000" y="2336040"/>
-            <a:ext cx="5687640" cy="4093920"/>
+            <a:ext cx="5687280" cy="4093560"/>
           </a:xfrm>
           <a:prstGeom prst="rect">
             <a:avLst/>
@@ -6824,7 +6883,7 @@
         <p:spPr>
           <a:xfrm>
             <a:off x="457200" y="486360"/>
-            <a:ext cx="3199320" cy="1040400"/>
+            <a:ext cx="3198960" cy="1040040"/>
           </a:xfrm>
           <a:prstGeom prst="rect">
             <a:avLst/>
@@ -6879,7 +6938,7 @@
         <p:spPr>
           <a:xfrm>
             <a:off x="4440600" y="216000"/>
-            <a:ext cx="6789240" cy="2879640"/>
+            <a:ext cx="6788880" cy="2879280"/>
           </a:xfrm>
           <a:prstGeom prst="rect">
             <a:avLst/>
@@ -6898,7 +6957,7 @@
         <p:spPr>
           <a:xfrm>
             <a:off x="457200" y="1728000"/>
-            <a:ext cx="3199320" cy="4427280"/>
+            <a:ext cx="3198960" cy="4426920"/>
           </a:xfrm>
           <a:prstGeom prst="rect">
             <a:avLst/>
@@ -7176,7 +7235,7 @@
         <p:spPr>
           <a:xfrm>
             <a:off x="8424000" y="3312000"/>
-            <a:ext cx="3167640" cy="2314800"/>
+            <a:ext cx="3167280" cy="2314440"/>
           </a:xfrm>
           <a:prstGeom prst="rect">
             <a:avLst/>
@@ -7199,7 +7258,7 @@
         <p:spPr>
           <a:xfrm>
             <a:off x="4592520" y="3334680"/>
-            <a:ext cx="3675240" cy="2280960"/>
+            <a:ext cx="3674880" cy="2280600"/>
           </a:xfrm>
           <a:prstGeom prst="rect">
             <a:avLst/>
@@ -7248,7 +7307,7 @@
         <p:spPr>
           <a:xfrm>
             <a:off x="457200" y="594360"/>
-            <a:ext cx="3199320" cy="2284920"/>
+            <a:ext cx="3198960" cy="2284560"/>
           </a:xfrm>
           <a:prstGeom prst="rect">
             <a:avLst/>
@@ -7303,7 +7362,7 @@
         <p:spPr>
           <a:xfrm>
             <a:off x="4728600" y="1965960"/>
-            <a:ext cx="6491880" cy="3796560"/>
+            <a:ext cx="6491520" cy="3796200"/>
           </a:xfrm>
           <a:prstGeom prst="rect">
             <a:avLst/>
@@ -7322,7 +7381,7 @@
         <p:spPr>
           <a:xfrm>
             <a:off x="457200" y="2926080"/>
-            <a:ext cx="3199320" cy="3377880"/>
+            <a:ext cx="3198960" cy="3377520"/>
           </a:xfrm>
           <a:prstGeom prst="rect">
             <a:avLst/>
@@ -7461,7 +7520,7 @@
         <p:spPr>
           <a:xfrm>
             <a:off x="457200" y="164880"/>
-            <a:ext cx="3199320" cy="1032120"/>
+            <a:ext cx="3198960" cy="1031760"/>
           </a:xfrm>
           <a:prstGeom prst="rect">
             <a:avLst/>
@@ -7522,7 +7581,7 @@
         <p:spPr>
           <a:xfrm>
             <a:off x="457200" y="1310040"/>
-            <a:ext cx="3199320" cy="2438640"/>
+            <a:ext cx="3198960" cy="2438280"/>
           </a:xfrm>
           <a:prstGeom prst="rect">
             <a:avLst/>
@@ -7761,7 +7820,7 @@
         <p:spPr>
           <a:xfrm>
             <a:off x="4464000" y="1889640"/>
-            <a:ext cx="3616200" cy="4734360"/>
+            <a:ext cx="3615840" cy="4734000"/>
           </a:xfrm>
           <a:prstGeom prst="rect">
             <a:avLst/>
@@ -7784,7 +7843,7 @@
         <p:spPr>
           <a:xfrm>
             <a:off x="457200" y="3861720"/>
-            <a:ext cx="3309840" cy="689400"/>
+            <a:ext cx="3309480" cy="689040"/>
           </a:xfrm>
           <a:prstGeom prst="rect">
             <a:avLst/>
@@ -7803,7 +7862,7 @@
         <p:spPr>
           <a:xfrm>
             <a:off x="457200" y="4664520"/>
-            <a:ext cx="3199320" cy="1899360"/>
+            <a:ext cx="3198960" cy="1899000"/>
           </a:xfrm>
           <a:prstGeom prst="rect">
             <a:avLst/>
@@ -7931,7 +7990,7 @@
         <p:spPr>
           <a:xfrm>
             <a:off x="4512240" y="407160"/>
-            <a:ext cx="6839640" cy="1040400"/>
+            <a:ext cx="6839280" cy="1040040"/>
           </a:xfrm>
           <a:prstGeom prst="rect">
             <a:avLst/>
@@ -8002,7 +8061,7 @@
         <p:spPr>
           <a:xfrm>
             <a:off x="8208000" y="1944000"/>
-            <a:ext cx="3455640" cy="4176000"/>
+            <a:ext cx="3455280" cy="4175640"/>
           </a:xfrm>
           <a:prstGeom prst="rect">
             <a:avLst/>
@@ -8023,7 +8082,7 @@
             <a:noAutofit/>
           </a:bodyPr>
           <a:p>
-            <a:pPr marL="216000" indent="-216000">
+            <a:pPr marL="216000" indent="-215640">
               <a:lnSpc>
                 <a:spcPct val="85000"/>
               </a:lnSpc>
@@ -8031,7 +8090,7 @@
                 <a:srgbClr val="000000"/>
               </a:buClr>
               <a:buSzPct val="45000"/>
-              <a:buFont typeface="Symbol" charset="2"/>
+              <a:buFont typeface="Symbol"/>
               <a:buChar char=""/>
             </a:pPr>
             <a:r>
@@ -8079,7 +8138,7 @@
             </a:endParaRPr>
           </a:p>
           <a:p>
-            <a:pPr marL="216000" indent="-216000">
+            <a:pPr marL="216000" indent="-215640">
               <a:lnSpc>
                 <a:spcPct val="85000"/>
               </a:lnSpc>
@@ -8087,7 +8146,7 @@
                 <a:srgbClr val="000000"/>
               </a:buClr>
               <a:buSzPct val="45000"/>
-              <a:buFont typeface="Symbol" charset="2"/>
+              <a:buFont typeface="Symbol"/>
               <a:buChar char=""/>
             </a:pPr>
             <a:r>
@@ -8135,7 +8194,7 @@
             </a:endParaRPr>
           </a:p>
           <a:p>
-            <a:pPr marL="216000" indent="-216000">
+            <a:pPr marL="216000" indent="-215640">
               <a:lnSpc>
                 <a:spcPct val="85000"/>
               </a:lnSpc>
@@ -8143,7 +8202,7 @@
                 <a:srgbClr val="000000"/>
               </a:buClr>
               <a:buSzPct val="45000"/>
-              <a:buFont typeface="Symbol" charset="2"/>
+              <a:buFont typeface="Symbol"/>
               <a:buChar char=""/>
             </a:pPr>
             <a:r>
@@ -8191,7 +8250,7 @@
             </a:endParaRPr>
           </a:p>
           <a:p>
-            <a:pPr marL="216000" indent="-216000">
+            <a:pPr marL="216000" indent="-215640">
               <a:lnSpc>
                 <a:spcPct val="85000"/>
               </a:lnSpc>
@@ -8199,7 +8258,7 @@
                 <a:srgbClr val="000000"/>
               </a:buClr>
               <a:buSzPct val="45000"/>
-              <a:buFont typeface="Symbol" charset="2"/>
+              <a:buFont typeface="Symbol"/>
               <a:buChar char=""/>
             </a:pPr>
             <a:r>
@@ -8267,7 +8326,7 @@
         <p:spPr>
           <a:xfrm>
             <a:off x="4392000" y="471240"/>
-            <a:ext cx="6839640" cy="1040400"/>
+            <a:ext cx="6839280" cy="1040040"/>
           </a:xfrm>
           <a:prstGeom prst="rect">
             <a:avLst/>
@@ -8323,7 +8382,7 @@
         <p:spPr>
           <a:xfrm>
             <a:off x="4436640" y="1958040"/>
-            <a:ext cx="3518640" cy="1710000"/>
+            <a:ext cx="3518280" cy="1709640"/>
           </a:xfrm>
           <a:prstGeom prst="rect">
             <a:avLst/>
@@ -8342,7 +8401,7 @@
         <p:spPr>
           <a:xfrm>
             <a:off x="457200" y="1815840"/>
-            <a:ext cx="3199320" cy="4668120"/>
+            <a:ext cx="3198960" cy="4667760"/>
           </a:xfrm>
           <a:prstGeom prst="rect">
             <a:avLst/>
@@ -8671,7 +8730,7 @@
         <p:spPr>
           <a:xfrm>
             <a:off x="4436640" y="3923280"/>
-            <a:ext cx="3518640" cy="1669680"/>
+            <a:ext cx="3518280" cy="1669320"/>
           </a:xfrm>
           <a:prstGeom prst="rect">
             <a:avLst/>
@@ -8695,7 +8754,7 @@
         <p:spPr>
           <a:xfrm>
             <a:off x="8188920" y="1944000"/>
-            <a:ext cx="3546720" cy="3638160"/>
+            <a:ext cx="3546360" cy="3637800"/>
           </a:xfrm>
           <a:prstGeom prst="rect">
             <a:avLst/>
@@ -8714,7 +8773,7 @@
         <p:spPr>
           <a:xfrm>
             <a:off x="457200" y="549720"/>
-            <a:ext cx="3199320" cy="1040400"/>
+            <a:ext cx="3198960" cy="1040040"/>
           </a:xfrm>
           <a:prstGeom prst="rect">
             <a:avLst/>
@@ -8795,7 +8854,7 @@
         <p:spPr>
           <a:xfrm>
             <a:off x="4432680" y="1944000"/>
-            <a:ext cx="6727320" cy="4668120"/>
+            <a:ext cx="6726960" cy="4667760"/>
           </a:xfrm>
           <a:prstGeom prst="rect">
             <a:avLst/>
@@ -8838,47 +8897,14 @@
                 <a:latin typeface="Arial"/>
                 <a:ea typeface="DejaVu Sans"/>
               </a:rPr>
-              <a:t>Voici les commandes à </a:t>
-            </a:r>
-            <a:r>
-              <a:rPr b="0" lang="de-DE" sz="1800" spc="-1" strike="noStrike">
-                <a:solidFill>
-                  <a:srgbClr val="000000"/>
-                </a:solidFill>
-                <a:latin typeface="Arial"/>
-                <a:ea typeface="DejaVu Sans"/>
-              </a:rPr>
-              <a:t>utiliser dans la console pour </a:t>
-            </a:r>
-            <a:r>
-              <a:rPr b="0" lang="de-DE" sz="1800" spc="-1" strike="noStrike">
-                <a:solidFill>
-                  <a:srgbClr val="000000"/>
-                </a:solidFill>
-                <a:latin typeface="Arial"/>
-                <a:ea typeface="DejaVu Sans"/>
-              </a:rPr>
-              <a:t>travailler en lignes de </a:t>
-            </a:r>
-            <a:r>
-              <a:rPr b="0" lang="de-DE" sz="1800" spc="-1" strike="noStrike">
-                <a:solidFill>
-                  <a:srgbClr val="000000"/>
-                </a:solidFill>
-                <a:latin typeface="Arial"/>
-                <a:ea typeface="DejaVu Sans"/>
-              </a:rPr>
-              <a:t>commande :</a:t>
+              <a:t>Voici les commandes à utiliser dans la console pour travailler en lignes de commande :</a:t>
             </a:r>
             <a:endParaRPr b="0" lang="fr-FR" sz="1800" spc="-1" strike="noStrike">
-              <a:solidFill>
-                <a:srgbClr val="000000"/>
-              </a:solidFill>
-              <a:latin typeface="Arial"/>
-            </a:endParaRPr>
-          </a:p>
-          <a:p>
-            <a:pPr marL="216000" indent="-216000">
+              <a:latin typeface="Arial"/>
+            </a:endParaRPr>
+          </a:p>
+          <a:p>
+            <a:pPr marL="216000" indent="-215640">
               <a:lnSpc>
                 <a:spcPct val="90000"/>
               </a:lnSpc>
@@ -8905,57 +8931,24 @@
                 <a:latin typeface="Arial"/>
                 <a:ea typeface="DejaVu Sans"/>
               </a:rPr>
-              <a:t>git checkout -b &lt;nom de la </a:t>
-            </a:r>
-            <a:r>
-              <a:rPr b="0" i="1" lang="de-DE" sz="1800" spc="-1" strike="noStrike">
+              <a:t>git checkout -b &lt;nom de la nouvelle branche&gt;</a:t>
+            </a:r>
+            <a:r>
+              <a:rPr b="0" lang="de-DE" sz="1800" spc="-1" strike="noStrike">
                 <a:solidFill>
                   <a:srgbClr val="000000"/>
                 </a:solidFill>
                 <a:latin typeface="Arial"/>
                 <a:ea typeface="DejaVu Sans"/>
               </a:rPr>
-              <a:t>nouvelle branche&gt;</a:t>
-            </a:r>
-            <a:r>
-              <a:rPr b="0" lang="de-DE" sz="1800" spc="-1" strike="noStrike">
-                <a:solidFill>
-                  <a:srgbClr val="000000"/>
-                </a:solidFill>
-                <a:latin typeface="Arial"/>
-                <a:ea typeface="DejaVu Sans"/>
-              </a:rPr>
-              <a:t> : créer </a:t>
-            </a:r>
-            <a:r>
-              <a:rPr b="0" lang="de-DE" sz="1800" spc="-1" strike="noStrike">
-                <a:solidFill>
-                  <a:srgbClr val="000000"/>
-                </a:solidFill>
-                <a:latin typeface="Arial"/>
-                <a:ea typeface="DejaVu Sans"/>
-              </a:rPr>
-              <a:t>une branche et s’y </a:t>
-            </a:r>
-            <a:r>
-              <a:rPr b="0" lang="de-DE" sz="1800" spc="-1" strike="noStrike">
-                <a:solidFill>
-                  <a:srgbClr val="000000"/>
-                </a:solidFill>
-                <a:latin typeface="Arial"/>
-                <a:ea typeface="DejaVu Sans"/>
-              </a:rPr>
-              <a:t>déplacer.</a:t>
+              <a:t> : créer une branche et s’y déplacer.</a:t>
             </a:r>
             <a:endParaRPr b="0" lang="fr-FR" sz="1800" spc="-1" strike="noStrike">
-              <a:solidFill>
-                <a:srgbClr val="000000"/>
-              </a:solidFill>
-              <a:latin typeface="Arial"/>
-            </a:endParaRPr>
-          </a:p>
-          <a:p>
-            <a:pPr marL="216000" indent="-216000">
+              <a:latin typeface="Arial"/>
+            </a:endParaRPr>
+          </a:p>
+          <a:p>
+            <a:pPr marL="216000" indent="-215640">
               <a:lnSpc>
                 <a:spcPct val="90000"/>
               </a:lnSpc>
@@ -8992,57 +8985,14 @@
                 <a:latin typeface="Arial"/>
                 <a:ea typeface="DejaVu Sans"/>
               </a:rPr>
-              <a:t> : </a:t>
-            </a:r>
-            <a:r>
-              <a:rPr b="0" lang="de-DE" sz="1800" spc="-1" strike="noStrike">
-                <a:solidFill>
-                  <a:srgbClr val="000000"/>
-                </a:solidFill>
-                <a:latin typeface="Arial"/>
-                <a:ea typeface="DejaVu Sans"/>
-              </a:rPr>
-              <a:t>envoyer les changement </a:t>
-            </a:r>
-            <a:r>
-              <a:rPr b="0" lang="de-DE" sz="1800" spc="-1" strike="noStrike">
-                <a:solidFill>
-                  <a:srgbClr val="000000"/>
-                </a:solidFill>
-                <a:latin typeface="Arial"/>
-                <a:ea typeface="DejaVu Sans"/>
-              </a:rPr>
-              <a:t>faits sur la branche « new-</a:t>
-            </a:r>
-            <a:r>
-              <a:rPr b="0" lang="de-DE" sz="1800" spc="-1" strike="noStrike">
-                <a:solidFill>
-                  <a:srgbClr val="000000"/>
-                </a:solidFill>
-                <a:latin typeface="Arial"/>
-                <a:ea typeface="DejaVu Sans"/>
-              </a:rPr>
-              <a:t>feature » sur le repository </a:t>
-            </a:r>
-            <a:r>
-              <a:rPr b="0" lang="de-DE" sz="1800" spc="-1" strike="noStrike">
-                <a:solidFill>
-                  <a:srgbClr val="000000"/>
-                </a:solidFill>
-                <a:latin typeface="Arial"/>
-                <a:ea typeface="DejaVu Sans"/>
-              </a:rPr>
-              <a:t>GitHub.</a:t>
+              <a:t> : envoyer les changement faits sur la branche « new-feature » sur le repository GitHub.</a:t>
             </a:r>
             <a:endParaRPr b="0" lang="fr-FR" sz="1800" spc="-1" strike="noStrike">
-              <a:solidFill>
-                <a:srgbClr val="000000"/>
-              </a:solidFill>
-              <a:latin typeface="Arial"/>
-            </a:endParaRPr>
-          </a:p>
-          <a:p>
-            <a:pPr marL="216000" indent="-216000">
+              <a:latin typeface="Arial"/>
+            </a:endParaRPr>
+          </a:p>
+          <a:p>
+            <a:pPr marL="216000" indent="-215640">
               <a:lnSpc>
                 <a:spcPct val="90000"/>
               </a:lnSpc>
@@ -9069,42 +9019,19 @@
                 <a:latin typeface="Arial"/>
                 <a:ea typeface="DejaVu Sans"/>
               </a:rPr>
-              <a:t>git branch -d &lt;nom de la </a:t>
-            </a:r>
-            <a:r>
-              <a:rPr b="0" i="1" lang="de-DE" sz="1800" spc="-1" strike="noStrike">
+              <a:t>git branch -d &lt;nom de la branche&gt;</a:t>
+            </a:r>
+            <a:r>
+              <a:rPr b="0" lang="de-DE" sz="1800" spc="-1" strike="noStrike">
                 <a:solidFill>
                   <a:srgbClr val="000000"/>
                 </a:solidFill>
                 <a:latin typeface="Arial"/>
                 <a:ea typeface="DejaVu Sans"/>
               </a:rPr>
-              <a:t>branche&gt;</a:t>
-            </a:r>
-            <a:r>
-              <a:rPr b="0" lang="de-DE" sz="1800" spc="-1" strike="noStrike">
-                <a:solidFill>
-                  <a:srgbClr val="000000"/>
-                </a:solidFill>
-                <a:latin typeface="Arial"/>
-                <a:ea typeface="DejaVu Sans"/>
-              </a:rPr>
-              <a:t> : supprimer une </a:t>
-            </a:r>
-            <a:r>
-              <a:rPr b="0" lang="de-DE" sz="1800" spc="-1" strike="noStrike">
-                <a:solidFill>
-                  <a:srgbClr val="000000"/>
-                </a:solidFill>
-                <a:latin typeface="Arial"/>
-                <a:ea typeface="DejaVu Sans"/>
-              </a:rPr>
-              <a:t>branche.</a:t>
+              <a:t> : supprimer une branche.</a:t>
             </a:r>
             <a:endParaRPr b="0" lang="fr-FR" sz="1800" spc="-1" strike="noStrike">
-              <a:solidFill>
-                <a:srgbClr val="000000"/>
-              </a:solidFill>
               <a:latin typeface="Arial"/>
             </a:endParaRPr>
           </a:p>
@@ -9131,47 +9058,14 @@
                 <a:latin typeface="Arial"/>
                 <a:ea typeface="DejaVu Sans"/>
               </a:rPr>
-              <a:t>Et pour rester à jour avec le </a:t>
-            </a:r>
-            <a:r>
-              <a:rPr b="0" lang="de-DE" sz="1800" spc="-1" strike="noStrike">
-                <a:solidFill>
-                  <a:srgbClr val="000000"/>
-                </a:solidFill>
-                <a:latin typeface="Arial"/>
-                <a:ea typeface="DejaVu Sans"/>
-              </a:rPr>
-              <a:t>repository principal, on va </a:t>
-            </a:r>
-            <a:r>
-              <a:rPr b="0" lang="de-DE" sz="1800" spc="-1" strike="noStrike">
-                <a:solidFill>
-                  <a:srgbClr val="000000"/>
-                </a:solidFill>
-                <a:latin typeface="Arial"/>
-                <a:ea typeface="DejaVu Sans"/>
-              </a:rPr>
-              <a:t>utiliser les commandes </a:t>
-            </a:r>
-            <a:r>
-              <a:rPr b="0" lang="de-DE" sz="1800" spc="-1" strike="noStrike">
-                <a:solidFill>
-                  <a:srgbClr val="000000"/>
-                </a:solidFill>
-                <a:latin typeface="Arial"/>
-                <a:ea typeface="DejaVu Sans"/>
-              </a:rPr>
-              <a:t>suivantes :</a:t>
+              <a:t>Et pour rester à jour avec le repository principal, on va utiliser les commandes suivantes :</a:t>
             </a:r>
             <a:endParaRPr b="0" lang="fr-FR" sz="1800" spc="-1" strike="noStrike">
-              <a:solidFill>
-                <a:srgbClr val="000000"/>
-              </a:solidFill>
-              <a:latin typeface="Arial"/>
-            </a:endParaRPr>
-          </a:p>
-          <a:p>
-            <a:pPr marL="216000" indent="-216000">
+              <a:latin typeface="Arial"/>
+            </a:endParaRPr>
+          </a:p>
+          <a:p>
+            <a:pPr marL="216000" indent="-215640">
               <a:lnSpc>
                 <a:spcPct val="90000"/>
               </a:lnSpc>
@@ -9201,14 +9095,11 @@
               <a:t>git pull upstream master</a:t>
             </a:r>
             <a:endParaRPr b="0" lang="fr-FR" sz="1800" spc="-1" strike="noStrike">
-              <a:solidFill>
-                <a:srgbClr val="000000"/>
-              </a:solidFill>
-              <a:latin typeface="Arial"/>
-            </a:endParaRPr>
-          </a:p>
-          <a:p>
-            <a:pPr marL="216000" indent="-216000">
+              <a:latin typeface="Arial"/>
+            </a:endParaRPr>
+          </a:p>
+          <a:p>
+            <a:pPr marL="216000" indent="-215640">
               <a:lnSpc>
                 <a:spcPct val="90000"/>
               </a:lnSpc>
@@ -9238,9 +9129,6 @@
               <a:t>git push origin master</a:t>
             </a:r>
             <a:endParaRPr b="0" lang="fr-FR" sz="1800" spc="-1" strike="noStrike">
-              <a:solidFill>
-                <a:srgbClr val="000000"/>
-              </a:solidFill>
               <a:latin typeface="Arial"/>
             </a:endParaRPr>
           </a:p>
@@ -9260,9 +9148,6 @@
               </a:tabLst>
             </a:pPr>
             <a:endParaRPr b="0" lang="fr-FR" sz="1800" spc="-1" strike="noStrike">
-              <a:solidFill>
-                <a:srgbClr val="000000"/>
-              </a:solidFill>
               <a:latin typeface="Arial"/>
             </a:endParaRPr>
           </a:p>
@@ -9277,7 +9162,7 @@
         <p:spPr>
           <a:xfrm>
             <a:off x="457200" y="549720"/>
-            <a:ext cx="3199320" cy="3482280"/>
+            <a:ext cx="3198960" cy="3481920"/>
           </a:xfrm>
           <a:prstGeom prst="rect">
             <a:avLst/>
@@ -9358,7 +9243,7 @@
         <p:spPr>
           <a:xfrm>
             <a:off x="457200" y="1815840"/>
-            <a:ext cx="3199320" cy="4668120"/>
+            <a:ext cx="3198960" cy="4667760"/>
           </a:xfrm>
           <a:prstGeom prst="rect">
             <a:avLst/>
@@ -9535,7 +9420,7 @@
             </a:endParaRPr>
           </a:p>
           <a:p>
-            <a:pPr lvl="1" marL="432000" indent="-215640">
+            <a:pPr lvl="1" marL="432000" indent="-215280">
               <a:lnSpc>
                 <a:spcPct val="90000"/>
               </a:lnSpc>
@@ -9570,7 +9455,7 @@
             </a:endParaRPr>
           </a:p>
           <a:p>
-            <a:pPr lvl="1" marL="432000" indent="-215640">
+            <a:pPr lvl="1" marL="432000" indent="-215280">
               <a:lnSpc>
                 <a:spcPct val="90000"/>
               </a:lnSpc>
@@ -9605,7 +9490,7 @@
             </a:endParaRPr>
           </a:p>
           <a:p>
-            <a:pPr lvl="1" marL="432000" indent="-215640">
+            <a:pPr lvl="1" marL="432000" indent="-215280">
               <a:lnSpc>
                 <a:spcPct val="90000"/>
               </a:lnSpc>
@@ -9640,7 +9525,7 @@
             </a:endParaRPr>
           </a:p>
           <a:p>
-            <a:pPr lvl="1" marL="432000" indent="-215640">
+            <a:pPr lvl="1" marL="432000" indent="-215280">
               <a:lnSpc>
                 <a:spcPct val="90000"/>
               </a:lnSpc>
@@ -9764,7 +9649,7 @@
         <p:spPr>
           <a:xfrm>
             <a:off x="457200" y="693720"/>
-            <a:ext cx="3199320" cy="1040400"/>
+            <a:ext cx="3198960" cy="1040040"/>
           </a:xfrm>
           <a:prstGeom prst="rect">
             <a:avLst/>
@@ -9820,7 +9705,7 @@
         <p:spPr>
           <a:xfrm>
             <a:off x="7596000" y="1895760"/>
-            <a:ext cx="4187880" cy="4583880"/>
+            <a:ext cx="4187520" cy="4583520"/>
           </a:xfrm>
           <a:prstGeom prst="rect">
             <a:avLst/>
@@ -9839,7 +9724,7 @@
         <p:spPr>
           <a:xfrm>
             <a:off x="4512240" y="407160"/>
-            <a:ext cx="6839640" cy="1040400"/>
+            <a:ext cx="6839280" cy="1040040"/>
           </a:xfrm>
           <a:prstGeom prst="rect">
             <a:avLst/>
@@ -9910,7 +9795,7 @@
         <p:spPr>
           <a:xfrm>
             <a:off x="4176000" y="1872000"/>
-            <a:ext cx="3311640" cy="3744000"/>
+            <a:ext cx="3311280" cy="3743640"/>
           </a:xfrm>
           <a:prstGeom prst="rect">
             <a:avLst/>
@@ -9931,7 +9816,7 @@
             <a:noAutofit/>
           </a:bodyPr>
           <a:p>
-            <a:pPr marL="216000" indent="-215640">
+            <a:pPr marL="216000" indent="-215280">
               <a:lnSpc>
                 <a:spcPct val="85000"/>
               </a:lnSpc>
@@ -9957,7 +9842,7 @@
             </a:endParaRPr>
           </a:p>
           <a:p>
-            <a:pPr marL="216000" indent="-215640">
+            <a:pPr marL="216000" indent="-215280">
               <a:lnSpc>
                 <a:spcPct val="85000"/>
               </a:lnSpc>
@@ -9983,7 +9868,7 @@
             </a:endParaRPr>
           </a:p>
           <a:p>
-            <a:pPr marL="216000" indent="-215640">
+            <a:pPr marL="216000" indent="-215280">
               <a:lnSpc>
                 <a:spcPct val="85000"/>
               </a:lnSpc>
@@ -10009,7 +9894,7 @@
             </a:endParaRPr>
           </a:p>
           <a:p>
-            <a:pPr marL="216000" indent="-215640">
+            <a:pPr marL="216000" indent="-215280">
               <a:lnSpc>
                 <a:spcPct val="85000"/>
               </a:lnSpc>
@@ -10045,7 +9930,7 @@
             </a:endParaRPr>
           </a:p>
           <a:p>
-            <a:pPr marL="216000" indent="-215640">
+            <a:pPr marL="216000" indent="-215280">
               <a:lnSpc>
                 <a:spcPct val="85000"/>
               </a:lnSpc>
@@ -10131,7 +10016,7 @@
         <p:spPr>
           <a:xfrm>
             <a:off x="1097280" y="286560"/>
-            <a:ext cx="10057320" cy="1449720"/>
+            <a:ext cx="10056960" cy="1449360"/>
           </a:xfrm>
           <a:prstGeom prst="rect">
             <a:avLst/>
@@ -10182,7 +10067,7 @@
         <p:spPr>
           <a:xfrm>
             <a:off x="1097280" y="1845720"/>
-            <a:ext cx="10057320" cy="4022280"/>
+            <a:ext cx="10056960" cy="4021920"/>
           </a:xfrm>
           <a:prstGeom prst="rect">
             <a:avLst/>
@@ -10203,7 +10088,7 @@
             <a:noAutofit/>
           </a:bodyPr>
           <a:p>
-            <a:pPr marL="91440" indent="-90360">
+            <a:pPr marL="91440" indent="-90000">
               <a:lnSpc>
                 <a:spcPct val="90000"/>
               </a:lnSpc>
@@ -10234,7 +10119,7 @@
             </a:endParaRPr>
           </a:p>
           <a:p>
-            <a:pPr marL="91440" indent="-90360">
+            <a:pPr marL="91440" indent="-90000">
               <a:lnSpc>
                 <a:spcPct val="90000"/>
               </a:lnSpc>
@@ -10265,7 +10150,7 @@
             </a:endParaRPr>
           </a:p>
           <a:p>
-            <a:pPr marL="91440" indent="-90360">
+            <a:pPr marL="91440" indent="-90000">
               <a:lnSpc>
                 <a:spcPct val="90000"/>
               </a:lnSpc>
@@ -10318,7 +10203,7 @@
             </a:endParaRPr>
           </a:p>
           <a:p>
-            <a:pPr marL="91440" indent="-90360">
+            <a:pPr marL="91440" indent="-90000">
               <a:lnSpc>
                 <a:spcPct val="90000"/>
               </a:lnSpc>
@@ -10369,7 +10254,7 @@
             </a:endParaRPr>
           </a:p>
           <a:p>
-            <a:pPr marL="91440" indent="-90360">
+            <a:pPr marL="91440" indent="-90000">
               <a:lnSpc>
                 <a:spcPct val="90000"/>
               </a:lnSpc>
@@ -10422,7 +10307,7 @@
             </a:endParaRPr>
           </a:p>
           <a:p>
-            <a:pPr marL="91440" indent="-90360">
+            <a:pPr marL="91440" indent="-90000">
               <a:lnSpc>
                 <a:spcPct val="90000"/>
               </a:lnSpc>
@@ -10453,7 +10338,7 @@
             </a:endParaRPr>
           </a:p>
           <a:p>
-            <a:pPr marL="91440" indent="-90360">
+            <a:pPr marL="91440" indent="-90000">
               <a:lnSpc>
                 <a:spcPct val="90000"/>
               </a:lnSpc>
@@ -10524,7 +10409,7 @@
         <p:spPr>
           <a:xfrm>
             <a:off x="1097280" y="286560"/>
-            <a:ext cx="10057320" cy="1449720"/>
+            <a:ext cx="10056960" cy="1449360"/>
           </a:xfrm>
           <a:prstGeom prst="rect">
             <a:avLst/>
@@ -10575,7 +10460,7 @@
         <p:spPr>
           <a:xfrm>
             <a:off x="1097280" y="2095200"/>
-            <a:ext cx="4664880" cy="3523320"/>
+            <a:ext cx="4664520" cy="3522960"/>
           </a:xfrm>
           <a:prstGeom prst="rect">
             <a:avLst/>
@@ -10596,7 +10481,7 @@
             <a:normAutofit fontScale="51000"/>
           </a:bodyPr>
           <a:p>
-            <a:pPr marL="91440" indent="-90360">
+            <a:pPr marL="91440" indent="-90000">
               <a:lnSpc>
                 <a:spcPct val="90000"/>
               </a:lnSpc>
@@ -10627,7 +10512,7 @@
             </a:endParaRPr>
           </a:p>
           <a:p>
-            <a:pPr marL="91440" indent="-90360">
+            <a:pPr marL="91440" indent="-90000">
               <a:lnSpc>
                 <a:spcPct val="90000"/>
               </a:lnSpc>
@@ -10658,7 +10543,7 @@
             </a:endParaRPr>
           </a:p>
           <a:p>
-            <a:pPr marL="91440" indent="-90360">
+            <a:pPr marL="91440" indent="-90000">
               <a:lnSpc>
                 <a:spcPct val="90000"/>
               </a:lnSpc>
@@ -10689,7 +10574,7 @@
             </a:endParaRPr>
           </a:p>
           <a:p>
-            <a:pPr marL="91440" indent="-90360">
+            <a:pPr marL="91440" indent="-90000">
               <a:lnSpc>
                 <a:spcPct val="90000"/>
               </a:lnSpc>
@@ -10750,7 +10635,7 @@
         <p:spPr>
           <a:xfrm>
             <a:off x="5954760" y="2095200"/>
-            <a:ext cx="5951880" cy="3523320"/>
+            <a:ext cx="5951520" cy="3522960"/>
           </a:xfrm>
           <a:prstGeom prst="rect">
             <a:avLst/>
@@ -10769,7 +10654,7 @@
         <p:spPr>
           <a:xfrm>
             <a:off x="6126480" y="5619600"/>
-            <a:ext cx="4971240" cy="454680"/>
+            <a:ext cx="4970880" cy="454680"/>
           </a:xfrm>
           <a:prstGeom prst="rect">
             <a:avLst/>
@@ -10854,7 +10739,7 @@
         <p:spPr>
           <a:xfrm>
             <a:off x="873360" y="1950840"/>
-            <a:ext cx="4971240" cy="2955240"/>
+            <a:ext cx="4970880" cy="2954880"/>
           </a:xfrm>
           <a:prstGeom prst="rect">
             <a:avLst/>
@@ -10877,7 +10762,7 @@
         <p:spPr>
           <a:xfrm>
             <a:off x="6346080" y="1950840"/>
-            <a:ext cx="4971240" cy="2955240"/>
+            <a:ext cx="4970880" cy="2954880"/>
           </a:xfrm>
           <a:prstGeom prst="rect">
             <a:avLst/>
@@ -10896,7 +10781,7 @@
         <p:spPr>
           <a:xfrm>
             <a:off x="873360" y="5058720"/>
-            <a:ext cx="4971240" cy="637200"/>
+            <a:ext cx="4970880" cy="637200"/>
           </a:xfrm>
           <a:prstGeom prst="rect">
             <a:avLst/>
@@ -10947,7 +10832,7 @@
         <p:spPr>
           <a:xfrm>
             <a:off x="6346080" y="5058720"/>
-            <a:ext cx="4971240" cy="637200"/>
+            <a:ext cx="4970880" cy="637200"/>
           </a:xfrm>
           <a:prstGeom prst="rect">
             <a:avLst/>
@@ -10998,7 +10883,7 @@
         <p:spPr>
           <a:xfrm>
             <a:off x="1097280" y="286560"/>
-            <a:ext cx="10057320" cy="1449720"/>
+            <a:ext cx="10056960" cy="1449360"/>
           </a:xfrm>
           <a:prstGeom prst="rect">
             <a:avLst/>
@@ -11079,7 +10964,7 @@
         <p:spPr>
           <a:xfrm>
             <a:off x="1097280" y="286560"/>
-            <a:ext cx="10057320" cy="1449720"/>
+            <a:ext cx="10056960" cy="1449360"/>
           </a:xfrm>
           <a:prstGeom prst="rect">
             <a:avLst/>
@@ -11134,7 +11019,7 @@
         <p:spPr>
           <a:xfrm>
             <a:off x="5659920" y="1904040"/>
-            <a:ext cx="5770440" cy="4071240"/>
+            <a:ext cx="5770080" cy="4070880"/>
           </a:xfrm>
           <a:prstGeom prst="rect">
             <a:avLst/>
@@ -11153,7 +11038,7 @@
         <p:spPr>
           <a:xfrm>
             <a:off x="5992200" y="5911560"/>
-            <a:ext cx="4971240" cy="409320"/>
+            <a:ext cx="4970880" cy="409320"/>
           </a:xfrm>
           <a:prstGeom prst="rect">
             <a:avLst/>
@@ -11204,7 +11089,7 @@
         <p:spPr>
           <a:xfrm>
             <a:off x="917280" y="2608920"/>
-            <a:ext cx="4823640" cy="2984760"/>
+            <a:ext cx="4823280" cy="2984400"/>
           </a:xfrm>
           <a:prstGeom prst="rect">
             <a:avLst/>
@@ -11225,7 +11110,7 @@
             <a:normAutofit fontScale="85000"/>
           </a:bodyPr>
           <a:p>
-            <a:pPr marL="91440" indent="-90360">
+            <a:pPr marL="91440" indent="-90000">
               <a:lnSpc>
                 <a:spcPct val="90000"/>
               </a:lnSpc>
@@ -11256,7 +11141,7 @@
             </a:endParaRPr>
           </a:p>
           <a:p>
-            <a:pPr lvl="1" marL="384120" indent="-181800">
+            <a:pPr lvl="1" marL="384120" indent="-181440">
               <a:lnSpc>
                 <a:spcPct val="90000"/>
               </a:lnSpc>
@@ -11297,7 +11182,7 @@
             </a:endParaRPr>
           </a:p>
           <a:p>
-            <a:pPr lvl="1" marL="384120" indent="-181800">
+            <a:pPr lvl="1" marL="384120" indent="-181440">
               <a:lnSpc>
                 <a:spcPct val="90000"/>
               </a:lnSpc>
@@ -11338,7 +11223,7 @@
             </a:endParaRPr>
           </a:p>
           <a:p>
-            <a:pPr lvl="1" marL="384120" indent="-181800">
+            <a:pPr lvl="1" marL="384120" indent="-181440">
               <a:lnSpc>
                 <a:spcPct val="90000"/>
               </a:lnSpc>
@@ -11379,7 +11264,7 @@
             </a:endParaRPr>
           </a:p>
           <a:p>
-            <a:pPr marL="91440" indent="-90360">
+            <a:pPr marL="91440" indent="-90000">
               <a:lnSpc>
                 <a:spcPct val="90000"/>
               </a:lnSpc>
@@ -11482,7 +11367,7 @@
         <p:spPr>
           <a:xfrm>
             <a:off x="1097280" y="286560"/>
-            <a:ext cx="10057320" cy="1449720"/>
+            <a:ext cx="10056960" cy="1449360"/>
           </a:xfrm>
           <a:prstGeom prst="rect">
             <a:avLst/>
@@ -11533,7 +11418,7 @@
         <p:spPr>
           <a:xfrm>
             <a:off x="1097280" y="1845720"/>
-            <a:ext cx="6894000" cy="4022280"/>
+            <a:ext cx="6893640" cy="4021920"/>
           </a:xfrm>
           <a:prstGeom prst="rect">
             <a:avLst/>
@@ -11554,7 +11439,7 @@
             <a:noAutofit/>
           </a:bodyPr>
           <a:p>
-            <a:pPr marL="91440" indent="-90360">
+            <a:pPr marL="91440" indent="-90000">
               <a:lnSpc>
                 <a:spcPct val="90000"/>
               </a:lnSpc>
@@ -11605,7 +11490,7 @@
             </a:endParaRPr>
           </a:p>
           <a:p>
-            <a:pPr marL="91440" indent="-90360">
+            <a:pPr marL="91440" indent="-90000">
               <a:lnSpc>
                 <a:spcPct val="90000"/>
               </a:lnSpc>
@@ -11636,7 +11521,7 @@
             </a:endParaRPr>
           </a:p>
           <a:p>
-            <a:pPr marL="91440" indent="-90360">
+            <a:pPr marL="91440" indent="-90000">
               <a:lnSpc>
                 <a:spcPct val="90000"/>
               </a:lnSpc>
@@ -11667,7 +11552,7 @@
             </a:endParaRPr>
           </a:p>
           <a:p>
-            <a:pPr marL="91440" indent="-90360">
+            <a:pPr marL="91440" indent="-90000">
               <a:lnSpc>
                 <a:spcPct val="90000"/>
               </a:lnSpc>
@@ -11698,7 +11583,7 @@
             </a:endParaRPr>
           </a:p>
           <a:p>
-            <a:pPr marL="91440" indent="-90360">
+            <a:pPr marL="91440" indent="-90000">
               <a:lnSpc>
                 <a:spcPct val="90000"/>
               </a:lnSpc>
@@ -11743,7 +11628,7 @@
         <p:spPr>
           <a:xfrm>
             <a:off x="8271720" y="1935720"/>
-            <a:ext cx="2887560" cy="2887560"/>
+            <a:ext cx="2887200" cy="2887200"/>
           </a:xfrm>
           <a:prstGeom prst="rect">
             <a:avLst/>
@@ -11762,7 +11647,7 @@
         <p:spPr>
           <a:xfrm>
             <a:off x="8352000" y="5050800"/>
-            <a:ext cx="2807280" cy="637200"/>
+            <a:ext cx="2806920" cy="637200"/>
           </a:xfrm>
           <a:prstGeom prst="rect">
             <a:avLst/>
@@ -11863,7 +11748,7 @@
         <p:spPr>
           <a:xfrm>
             <a:off x="1097280" y="286560"/>
-            <a:ext cx="10057320" cy="1449720"/>
+            <a:ext cx="10056960" cy="1449360"/>
           </a:xfrm>
           <a:prstGeom prst="rect">
             <a:avLst/>
@@ -11918,7 +11803,7 @@
         <p:spPr>
           <a:xfrm>
             <a:off x="7122240" y="1812960"/>
-            <a:ext cx="4032360" cy="1971360"/>
+            <a:ext cx="4032000" cy="1971000"/>
           </a:xfrm>
           <a:prstGeom prst="rect">
             <a:avLst/>
@@ -11941,7 +11826,7 @@
         <p:spPr>
           <a:xfrm>
             <a:off x="7303320" y="4120920"/>
-            <a:ext cx="3670200" cy="1880280"/>
+            <a:ext cx="3669840" cy="1879920"/>
           </a:xfrm>
           <a:prstGeom prst="rect">
             <a:avLst/>
@@ -11960,7 +11845,7 @@
         <p:spPr>
           <a:xfrm>
             <a:off x="6744600" y="3785040"/>
-            <a:ext cx="4879080" cy="333000"/>
+            <a:ext cx="4878720" cy="333000"/>
           </a:xfrm>
           <a:prstGeom prst="rect">
             <a:avLst/>
@@ -12011,7 +11896,7 @@
         <p:spPr>
           <a:xfrm>
             <a:off x="6698880" y="5977440"/>
-            <a:ext cx="4879080" cy="211320"/>
+            <a:ext cx="4878720" cy="211320"/>
           </a:xfrm>
           <a:prstGeom prst="rect">
             <a:avLst/>
@@ -12062,7 +11947,7 @@
         <p:spPr>
           <a:xfrm>
             <a:off x="917280" y="2080440"/>
-            <a:ext cx="4823640" cy="3807360"/>
+            <a:ext cx="4823280" cy="3807000"/>
           </a:xfrm>
           <a:prstGeom prst="rect">
             <a:avLst/>
@@ -12083,7 +11968,7 @@
             <a:normAutofit fontScale="85000"/>
           </a:bodyPr>
           <a:p>
-            <a:pPr marL="91440" indent="-90360">
+            <a:pPr marL="91440" indent="-90000">
               <a:lnSpc>
                 <a:spcPct val="90000"/>
               </a:lnSpc>
@@ -12154,7 +12039,7 @@
             </a:endParaRPr>
           </a:p>
           <a:p>
-            <a:pPr marL="91440" indent="-90360">
+            <a:pPr marL="91440" indent="-90000">
               <a:lnSpc>
                 <a:spcPct val="90000"/>
               </a:lnSpc>
@@ -12185,7 +12070,7 @@
             </a:endParaRPr>
           </a:p>
           <a:p>
-            <a:pPr lvl="1" marL="384120" indent="-181800">
+            <a:pPr lvl="1" marL="384120" indent="-181440">
               <a:lnSpc>
                 <a:spcPct val="90000"/>
               </a:lnSpc>
@@ -12236,7 +12121,7 @@
             </a:endParaRPr>
           </a:p>
           <a:p>
-            <a:pPr lvl="1" marL="384120" indent="-181800">
+            <a:pPr lvl="1" marL="384120" indent="-181440">
               <a:lnSpc>
                 <a:spcPct val="90000"/>
               </a:lnSpc>
@@ -12347,7 +12232,7 @@
         <p:spPr>
           <a:xfrm>
             <a:off x="457200" y="594360"/>
-            <a:ext cx="3199320" cy="2284920"/>
+            <a:ext cx="3198960" cy="2284560"/>
           </a:xfrm>
           <a:prstGeom prst="rect">
             <a:avLst/>
@@ -12398,7 +12283,7 @@
         <p:spPr>
           <a:xfrm>
             <a:off x="457200" y="3363840"/>
-            <a:ext cx="3199320" cy="2940120"/>
+            <a:ext cx="3198960" cy="2939760"/>
           </a:xfrm>
           <a:prstGeom prst="rect">
             <a:avLst/>
@@ -12568,7 +12453,7 @@
         <p:spPr>
           <a:xfrm>
             <a:off x="5040000" y="1999080"/>
-            <a:ext cx="5791680" cy="3976560"/>
+            <a:ext cx="5791320" cy="3976200"/>
           </a:xfrm>
           <a:prstGeom prst="rect">
             <a:avLst/>
@@ -12617,7 +12502,7 @@
         <p:spPr>
           <a:xfrm>
             <a:off x="457200" y="594360"/>
-            <a:ext cx="3199320" cy="956520"/>
+            <a:ext cx="3198960" cy="956160"/>
           </a:xfrm>
           <a:prstGeom prst="rect">
             <a:avLst/>
@@ -12682,7 +12567,7 @@
         <p:spPr>
           <a:xfrm>
             <a:off x="5551560" y="731880"/>
-            <a:ext cx="4990320" cy="5256720"/>
+            <a:ext cx="4989960" cy="5256360"/>
           </a:xfrm>
           <a:prstGeom prst="rect">
             <a:avLst/>
@@ -12701,7 +12586,7 @@
         <p:spPr>
           <a:xfrm>
             <a:off x="457200" y="1618920"/>
-            <a:ext cx="3199320" cy="4685040"/>
+            <a:ext cx="3198960" cy="4684680"/>
           </a:xfrm>
           <a:prstGeom prst="rect">
             <a:avLst/>
